--- a/final_presentation.pptx
+++ b/final_presentation.pptx
@@ -6,7 +6,7 @@
     <p:sldMasterId id="2147483663" r:id="rId2"/>
   </p:sldMasterIdLst>
   <p:notesMasterIdLst>
-    <p:notesMasterId r:id="rId41"/>
+    <p:notesMasterId r:id="rId42"/>
   </p:notesMasterIdLst>
   <p:sldIdLst>
     <p:sldId id="267" r:id="rId3"/>
@@ -30,28 +30,29 @@
     <p:sldId id="1734" r:id="rId21"/>
     <p:sldId id="1742" r:id="rId22"/>
     <p:sldId id="1711" r:id="rId23"/>
-    <p:sldId id="1739" r:id="rId24"/>
-    <p:sldId id="1707" r:id="rId25"/>
-    <p:sldId id="1740" r:id="rId26"/>
-    <p:sldId id="1741" r:id="rId27"/>
-    <p:sldId id="1735" r:id="rId28"/>
-    <p:sldId id="1726" r:id="rId29"/>
-    <p:sldId id="1731" r:id="rId30"/>
-    <p:sldId id="1727" r:id="rId31"/>
-    <p:sldId id="1728" r:id="rId32"/>
-    <p:sldId id="1730" r:id="rId33"/>
-    <p:sldId id="1736" r:id="rId34"/>
-    <p:sldId id="1732" r:id="rId35"/>
-    <p:sldId id="286" r:id="rId36"/>
-    <p:sldId id="1737" r:id="rId37"/>
-    <p:sldId id="1738" r:id="rId38"/>
-    <p:sldId id="297" r:id="rId39"/>
-    <p:sldId id="261" r:id="rId40"/>
+    <p:sldId id="1747" r:id="rId24"/>
+    <p:sldId id="1739" r:id="rId25"/>
+    <p:sldId id="1745" r:id="rId26"/>
+    <p:sldId id="1740" r:id="rId27"/>
+    <p:sldId id="1741" r:id="rId28"/>
+    <p:sldId id="1735" r:id="rId29"/>
+    <p:sldId id="1726" r:id="rId30"/>
+    <p:sldId id="1731" r:id="rId31"/>
+    <p:sldId id="1727" r:id="rId32"/>
+    <p:sldId id="1728" r:id="rId33"/>
+    <p:sldId id="1730" r:id="rId34"/>
+    <p:sldId id="1736" r:id="rId35"/>
+    <p:sldId id="1732" r:id="rId36"/>
+    <p:sldId id="286" r:id="rId37"/>
+    <p:sldId id="1737" r:id="rId38"/>
+    <p:sldId id="1738" r:id="rId39"/>
+    <p:sldId id="297" r:id="rId40"/>
+    <p:sldId id="261" r:id="rId41"/>
   </p:sldIdLst>
   <p:sldSz cx="12192000" cy="6858000"/>
   <p:notesSz cx="6858000" cy="9144000"/>
   <p:custDataLst>
-    <p:tags r:id="rId42"/>
+    <p:tags r:id="rId43"/>
   </p:custDataLst>
   <p:defaultTextStyle>
     <a:defPPr>
@@ -150,7 +151,7 @@
   </p:defaultTextStyle>
   <p:extLst>
     <p:ext uri="{EFAFB233-063F-42B5-8137-9DF3F51BA10A}">
-      <p15:sldGuideLst xmlns:p15="http://schemas.microsoft.com/office/powerpoint/2012/main"/>
+      <p15:sldGuideLst xmlns:p15="http://schemas.microsoft.com/office/powerpoint/2012/main" xmlns=""/>
     </p:ext>
   </p:extLst>
 </p:presentation>
@@ -763,6 +764,90 @@
 </p:notes>
 </file>
 
+<file path=ppt/notesSlides/notesSlide4.xml><?xml version="1.0" encoding="utf-8"?>
+<p:notes xmlns:a="http://schemas.openxmlformats.org/drawingml/2006/main" xmlns:r="http://schemas.openxmlformats.org/officeDocument/2006/relationships" xmlns:p="http://schemas.openxmlformats.org/presentationml/2006/main">
+  <p:cSld>
+    <p:spTree>
+      <p:nvGrpSpPr>
+        <p:cNvPr id="1" name=""/>
+        <p:cNvGrpSpPr/>
+        <p:nvPr/>
+      </p:nvGrpSpPr>
+      <p:grpSpPr>
+        <a:xfrm>
+          <a:off x="0" y="0"/>
+          <a:ext cx="0" cy="0"/>
+          <a:chOff x="0" y="0"/>
+          <a:chExt cx="0" cy="0"/>
+        </a:xfrm>
+      </p:grpSpPr>
+      <p:sp>
+        <p:nvSpPr>
+          <p:cNvPr id="2" name="幻灯片图像占位符 1"/>
+          <p:cNvSpPr>
+            <a:spLocks noGrp="1" noRot="1" noChangeAspect="1"/>
+          </p:cNvSpPr>
+          <p:nvPr>
+            <p:ph type="sldImg"/>
+          </p:nvPr>
+        </p:nvSpPr>
+        <p:spPr/>
+      </p:sp>
+      <p:sp>
+        <p:nvSpPr>
+          <p:cNvPr id="3" name="备注占位符 2"/>
+          <p:cNvSpPr>
+            <a:spLocks noGrp="1"/>
+          </p:cNvSpPr>
+          <p:nvPr>
+            <p:ph type="body" idx="1"/>
+          </p:nvPr>
+        </p:nvSpPr>
+        <p:spPr/>
+        <p:txBody>
+          <a:bodyPr/>
+          <a:lstStyle/>
+          <a:p>
+            <a:endParaRPr lang="zh-CN" altLang="en-US" dirty="0"/>
+          </a:p>
+        </p:txBody>
+      </p:sp>
+      <p:sp>
+        <p:nvSpPr>
+          <p:cNvPr id="4" name="灯片编号占位符 3"/>
+          <p:cNvSpPr>
+            <a:spLocks noGrp="1"/>
+          </p:cNvSpPr>
+          <p:nvPr>
+            <p:ph type="sldNum" sz="quarter" idx="10"/>
+          </p:nvPr>
+        </p:nvSpPr>
+        <p:spPr/>
+        <p:txBody>
+          <a:bodyPr/>
+          <a:lstStyle/>
+          <a:p>
+            <a:fld id="{4A7EA511-84E0-4AE0-9842-AB0E10994BF1}" type="slidenum">
+              <a:rPr lang="zh-CN" altLang="en-US" smtClean="0"/>
+              <a:t>23</a:t>
+            </a:fld>
+            <a:endParaRPr lang="zh-CN" altLang="en-US"/>
+          </a:p>
+        </p:txBody>
+      </p:sp>
+    </p:spTree>
+    <p:extLst>
+      <p:ext uri="{BB962C8B-B14F-4D97-AF65-F5344CB8AC3E}">
+        <p14:creationId xmlns:p14="http://schemas.microsoft.com/office/powerpoint/2010/main" val="3856748385"/>
+      </p:ext>
+    </p:extLst>
+  </p:cSld>
+  <p:clrMapOvr>
+    <a:masterClrMapping/>
+  </p:clrMapOvr>
+</p:notes>
+</file>
+
 <file path=ppt/slideLayouts/slideLayout1.xml><?xml version="1.0" encoding="utf-8"?>
 <p:sldLayout xmlns:a="http://schemas.openxmlformats.org/drawingml/2006/main" xmlns:r="http://schemas.openxmlformats.org/officeDocument/2006/relationships" xmlns:p="http://schemas.openxmlformats.org/presentationml/2006/main" showMasterSp="0" preserve="1" userDrawn="1">
   <p:cSld name="1_标题幻灯片">
@@ -1104,7 +1189,7 @@
           <p:cNvPr id="4" name="直接连接符 3">
             <a:extLst>
               <a:ext uri="{FF2B5EF4-FFF2-40B4-BE49-F238E27FC236}">
-                <a16:creationId xmlns:a16="http://schemas.microsoft.com/office/drawing/2014/main" id="{3E71CC84-193F-4D28-98D9-17F9952F968C}"/>
+                <a16:creationId xmlns:a16="http://schemas.microsoft.com/office/drawing/2014/main" xmlns="" id="{3E71CC84-193F-4D28-98D9-17F9952F968C}"/>
               </a:ext>
             </a:extLst>
           </p:cNvPr>
@@ -1145,7 +1230,7 @@
           <p:cNvPr id="6" name="矩形 5">
             <a:extLst>
               <a:ext uri="{FF2B5EF4-FFF2-40B4-BE49-F238E27FC236}">
-                <a16:creationId xmlns:a16="http://schemas.microsoft.com/office/drawing/2014/main" id="{23A9F197-1133-4CEE-860F-85366976D0AC}"/>
+                <a16:creationId xmlns:a16="http://schemas.microsoft.com/office/drawing/2014/main" xmlns="" id="{23A9F197-1133-4CEE-860F-85366976D0AC}"/>
               </a:ext>
             </a:extLst>
           </p:cNvPr>
@@ -1204,7 +1289,7 @@
           <p:cNvPr id="8" name="矩形: 圆角 7">
             <a:extLst>
               <a:ext uri="{FF2B5EF4-FFF2-40B4-BE49-F238E27FC236}">
-                <a16:creationId xmlns:a16="http://schemas.microsoft.com/office/drawing/2014/main" id="{AA954438-2CEB-4119-883B-8B9196F98504}"/>
+                <a16:creationId xmlns:a16="http://schemas.microsoft.com/office/drawing/2014/main" xmlns="" id="{AA954438-2CEB-4119-883B-8B9196F98504}"/>
               </a:ext>
             </a:extLst>
           </p:cNvPr>
@@ -1276,7 +1361,7 @@
           <p:cNvPr id="9" name="矩形: 圆角 8">
             <a:extLst>
               <a:ext uri="{FF2B5EF4-FFF2-40B4-BE49-F238E27FC236}">
-                <a16:creationId xmlns:a16="http://schemas.microsoft.com/office/drawing/2014/main" id="{4CD1A364-B227-4CFB-9287-6198C6C0443B}"/>
+                <a16:creationId xmlns:a16="http://schemas.microsoft.com/office/drawing/2014/main" xmlns="" id="{4CD1A364-B227-4CFB-9287-6198C6C0443B}"/>
               </a:ext>
             </a:extLst>
           </p:cNvPr>
@@ -1348,7 +1433,7 @@
           <p:cNvPr id="10" name="文本框 9">
             <a:extLst>
               <a:ext uri="{FF2B5EF4-FFF2-40B4-BE49-F238E27FC236}">
-                <a16:creationId xmlns:a16="http://schemas.microsoft.com/office/drawing/2014/main" id="{BEA6AD26-5781-4DAD-8C16-8C73B2C177AD}"/>
+                <a16:creationId xmlns:a16="http://schemas.microsoft.com/office/drawing/2014/main" xmlns="" id="{BEA6AD26-5781-4DAD-8C16-8C73B2C177AD}"/>
               </a:ext>
             </a:extLst>
           </p:cNvPr>
@@ -1404,7 +1489,7 @@
           <p:cNvPr id="11" name="直接连接符 10">
             <a:extLst>
               <a:ext uri="{FF2B5EF4-FFF2-40B4-BE49-F238E27FC236}">
-                <a16:creationId xmlns:a16="http://schemas.microsoft.com/office/drawing/2014/main" id="{72806FD0-33B9-40F1-B8F9-079524CA002C}"/>
+                <a16:creationId xmlns:a16="http://schemas.microsoft.com/office/drawing/2014/main" xmlns="" id="{72806FD0-33B9-40F1-B8F9-079524CA002C}"/>
               </a:ext>
             </a:extLst>
           </p:cNvPr>
@@ -1447,7 +1532,7 @@
           <p:cNvPr id="12" name="直接连接符 11">
             <a:extLst>
               <a:ext uri="{FF2B5EF4-FFF2-40B4-BE49-F238E27FC236}">
-                <a16:creationId xmlns:a16="http://schemas.microsoft.com/office/drawing/2014/main" id="{159FFD7E-3944-43A3-A5DD-D8673483D044}"/>
+                <a16:creationId xmlns:a16="http://schemas.microsoft.com/office/drawing/2014/main" xmlns="" id="{159FFD7E-3944-43A3-A5DD-D8673483D044}"/>
               </a:ext>
             </a:extLst>
           </p:cNvPr>
@@ -1490,7 +1575,7 @@
           <p:cNvPr id="13" name="矩形: 圆角 12">
             <a:extLst>
               <a:ext uri="{FF2B5EF4-FFF2-40B4-BE49-F238E27FC236}">
-                <a16:creationId xmlns:a16="http://schemas.microsoft.com/office/drawing/2014/main" id="{C76706F4-B20C-489C-ACB9-010EF43FEF70}"/>
+                <a16:creationId xmlns:a16="http://schemas.microsoft.com/office/drawing/2014/main" xmlns="" id="{C76706F4-B20C-489C-ACB9-010EF43FEF70}"/>
               </a:ext>
             </a:extLst>
           </p:cNvPr>
@@ -1562,7 +1647,7 @@
           <p:cNvPr id="17" name="文本框 16">
             <a:extLst>
               <a:ext uri="{FF2B5EF4-FFF2-40B4-BE49-F238E27FC236}">
-                <a16:creationId xmlns:a16="http://schemas.microsoft.com/office/drawing/2014/main" id="{9A11A6D6-1DBD-4A10-8942-D3DDC4E182E9}"/>
+                <a16:creationId xmlns:a16="http://schemas.microsoft.com/office/drawing/2014/main" xmlns="" id="{9A11A6D6-1DBD-4A10-8942-D3DDC4E182E9}"/>
               </a:ext>
             </a:extLst>
           </p:cNvPr>
@@ -1720,7 +1805,7 @@
           <p:cNvPr id="18" name="文本框 17">
             <a:extLst>
               <a:ext uri="{FF2B5EF4-FFF2-40B4-BE49-F238E27FC236}">
-                <a16:creationId xmlns:a16="http://schemas.microsoft.com/office/drawing/2014/main" id="{6274E825-3465-469E-BD06-097F250CA889}"/>
+                <a16:creationId xmlns:a16="http://schemas.microsoft.com/office/drawing/2014/main" xmlns="" id="{6274E825-3465-469E-BD06-097F250CA889}"/>
               </a:ext>
             </a:extLst>
           </p:cNvPr>
@@ -1821,7 +1906,7 @@
           <p:cNvPr id="19" name="文本框 18">
             <a:extLst>
               <a:ext uri="{FF2B5EF4-FFF2-40B4-BE49-F238E27FC236}">
-                <a16:creationId xmlns:a16="http://schemas.microsoft.com/office/drawing/2014/main" id="{4EC4AC92-2800-4841-84A3-26E495F2D178}"/>
+                <a16:creationId xmlns:a16="http://schemas.microsoft.com/office/drawing/2014/main" xmlns="" id="{4EC4AC92-2800-4841-84A3-26E495F2D178}"/>
               </a:ext>
             </a:extLst>
           </p:cNvPr>
@@ -1960,7 +2045,7 @@
           <p:cNvPr id="20" name="直接连接符 19">
             <a:extLst>
               <a:ext uri="{FF2B5EF4-FFF2-40B4-BE49-F238E27FC236}">
-                <a16:creationId xmlns:a16="http://schemas.microsoft.com/office/drawing/2014/main" id="{F3D082CA-914B-42B8-A86E-16893B7234C9}"/>
+                <a16:creationId xmlns:a16="http://schemas.microsoft.com/office/drawing/2014/main" xmlns="" id="{F3D082CA-914B-42B8-A86E-16893B7234C9}"/>
               </a:ext>
             </a:extLst>
           </p:cNvPr>
@@ -2002,7 +2087,7 @@
           <p:cNvPr id="21" name="直接连接符 20">
             <a:extLst>
               <a:ext uri="{FF2B5EF4-FFF2-40B4-BE49-F238E27FC236}">
-                <a16:creationId xmlns:a16="http://schemas.microsoft.com/office/drawing/2014/main" id="{5421E3BB-42AC-4DCD-9031-7215136A1844}"/>
+                <a16:creationId xmlns:a16="http://schemas.microsoft.com/office/drawing/2014/main" xmlns="" id="{5421E3BB-42AC-4DCD-9031-7215136A1844}"/>
               </a:ext>
             </a:extLst>
           </p:cNvPr>
@@ -2045,7 +2130,7 @@
             <a:hlinkClick r:id="rId2"/>
             <a:extLst>
               <a:ext uri="{FF2B5EF4-FFF2-40B4-BE49-F238E27FC236}">
-                <a16:creationId xmlns:a16="http://schemas.microsoft.com/office/drawing/2014/main" id="{46C855E7-2DCA-4970-A954-7CB7F69FADAB}"/>
+                <a16:creationId xmlns:a16="http://schemas.microsoft.com/office/drawing/2014/main" xmlns="" id="{46C855E7-2DCA-4970-A954-7CB7F69FADAB}"/>
               </a:ext>
             </a:extLst>
           </p:cNvPr>
@@ -2081,7 +2166,7 @@
           <p:cNvPr id="3" name="图片 2">
             <a:extLst>
               <a:ext uri="{FF2B5EF4-FFF2-40B4-BE49-F238E27FC236}">
-                <a16:creationId xmlns:a16="http://schemas.microsoft.com/office/drawing/2014/main" id="{A7F32EC9-ED26-45EE-9DC4-21C3241FF7AB}"/>
+                <a16:creationId xmlns:a16="http://schemas.microsoft.com/office/drawing/2014/main" xmlns="" id="{A7F32EC9-ED26-45EE-9DC4-21C3241FF7AB}"/>
               </a:ext>
             </a:extLst>
           </p:cNvPr>
@@ -2127,7 +2212,7 @@
           <p:cNvPr id="7" name="图片 6">
             <a:extLst>
               <a:ext uri="{FF2B5EF4-FFF2-40B4-BE49-F238E27FC236}">
-                <a16:creationId xmlns:a16="http://schemas.microsoft.com/office/drawing/2014/main" id="{36F84124-CE71-4190-B92C-B61E496F7B7E}"/>
+                <a16:creationId xmlns:a16="http://schemas.microsoft.com/office/drawing/2014/main" xmlns="" id="{36F84124-CE71-4190-B92C-B61E496F7B7E}"/>
               </a:ext>
             </a:extLst>
           </p:cNvPr>
@@ -2173,7 +2258,7 @@
           <p:cNvPr id="24" name="图片 23">
             <a:extLst>
               <a:ext uri="{FF2B5EF4-FFF2-40B4-BE49-F238E27FC236}">
-                <a16:creationId xmlns:a16="http://schemas.microsoft.com/office/drawing/2014/main" id="{39B45288-397E-405A-A715-DCD4FE40DCE2}"/>
+                <a16:creationId xmlns:a16="http://schemas.microsoft.com/office/drawing/2014/main" xmlns="" id="{39B45288-397E-405A-A715-DCD4FE40DCE2}"/>
               </a:ext>
             </a:extLst>
           </p:cNvPr>
@@ -3281,7 +3366,7 @@
           <p:cNvPr id="9" name="文本框 8">
             <a:extLst>
               <a:ext uri="{FF2B5EF4-FFF2-40B4-BE49-F238E27FC236}">
-                <a16:creationId xmlns:a16="http://schemas.microsoft.com/office/drawing/2014/main" id="{67B43CCB-1998-4484-B269-9ACB654ACB71}"/>
+                <a16:creationId xmlns:a16="http://schemas.microsoft.com/office/drawing/2014/main" xmlns="" id="{67B43CCB-1998-4484-B269-9ACB654ACB71}"/>
               </a:ext>
             </a:extLst>
           </p:cNvPr>
@@ -3335,7 +3420,7 @@
           <p:cNvPr id="10" name="图片 9">
             <a:extLst>
               <a:ext uri="{FF2B5EF4-FFF2-40B4-BE49-F238E27FC236}">
-                <a16:creationId xmlns:a16="http://schemas.microsoft.com/office/drawing/2014/main" id="{CF1532F4-AF97-400D-84E6-F00D2B3D35D1}"/>
+                <a16:creationId xmlns:a16="http://schemas.microsoft.com/office/drawing/2014/main" xmlns="" id="{CF1532F4-AF97-400D-84E6-F00D2B3D35D1}"/>
               </a:ext>
             </a:extLst>
           </p:cNvPr>
@@ -3372,7 +3457,7 @@
           <p:cNvPr id="11" name="图片 10">
             <a:extLst>
               <a:ext uri="{FF2B5EF4-FFF2-40B4-BE49-F238E27FC236}">
-                <a16:creationId xmlns:a16="http://schemas.microsoft.com/office/drawing/2014/main" id="{CA7E11C8-4335-45B0-A270-313A25ABC63F}"/>
+                <a16:creationId xmlns:a16="http://schemas.microsoft.com/office/drawing/2014/main" xmlns="" id="{CA7E11C8-4335-45B0-A270-313A25ABC63F}"/>
               </a:ext>
             </a:extLst>
           </p:cNvPr>
@@ -3409,7 +3494,7 @@
           <p:cNvPr id="12" name="文本框 11">
             <a:extLst>
               <a:ext uri="{FF2B5EF4-FFF2-40B4-BE49-F238E27FC236}">
-                <a16:creationId xmlns:a16="http://schemas.microsoft.com/office/drawing/2014/main" id="{45615889-3ACE-4C91-970F-789D759EAC1E}"/>
+                <a16:creationId xmlns:a16="http://schemas.microsoft.com/office/drawing/2014/main" xmlns="" id="{45615889-3ACE-4C91-970F-789D759EAC1E}"/>
               </a:ext>
             </a:extLst>
           </p:cNvPr>
@@ -3486,7 +3571,7 @@
           <p:cNvPr id="13" name="文本框 12">
             <a:extLst>
               <a:ext uri="{FF2B5EF4-FFF2-40B4-BE49-F238E27FC236}">
-                <a16:creationId xmlns:a16="http://schemas.microsoft.com/office/drawing/2014/main" id="{CD19D40D-978A-4E04-8450-F6DC61B85399}"/>
+                <a16:creationId xmlns:a16="http://schemas.microsoft.com/office/drawing/2014/main" xmlns="" id="{CD19D40D-978A-4E04-8450-F6DC61B85399}"/>
               </a:ext>
             </a:extLst>
           </p:cNvPr>
@@ -3535,7 +3620,7 @@
           <p:cNvPr id="14" name="图片 13">
             <a:extLst>
               <a:ext uri="{FF2B5EF4-FFF2-40B4-BE49-F238E27FC236}">
-                <a16:creationId xmlns:a16="http://schemas.microsoft.com/office/drawing/2014/main" id="{299860AF-0C43-4649-A586-85D19517B6FC}"/>
+                <a16:creationId xmlns:a16="http://schemas.microsoft.com/office/drawing/2014/main" xmlns="" id="{299860AF-0C43-4649-A586-85D19517B6FC}"/>
               </a:ext>
             </a:extLst>
           </p:cNvPr>
@@ -3572,7 +3657,7 @@
           <p:cNvPr id="15" name="图片 14">
             <a:extLst>
               <a:ext uri="{FF2B5EF4-FFF2-40B4-BE49-F238E27FC236}">
-                <a16:creationId xmlns:a16="http://schemas.microsoft.com/office/drawing/2014/main" id="{A6130A4D-8EC7-4AC1-B434-55DC69102864}"/>
+                <a16:creationId xmlns:a16="http://schemas.microsoft.com/office/drawing/2014/main" xmlns="" id="{A6130A4D-8EC7-4AC1-B434-55DC69102864}"/>
               </a:ext>
             </a:extLst>
           </p:cNvPr>
@@ -3639,7 +3724,7 @@
           <p:cNvPr id="3" name="矩形 2">
             <a:extLst>
               <a:ext uri="{FF2B5EF4-FFF2-40B4-BE49-F238E27FC236}">
-                <a16:creationId xmlns:a16="http://schemas.microsoft.com/office/drawing/2014/main" id="{554DB237-C74A-4BA8-A097-6A053DD3C747}"/>
+                <a16:creationId xmlns:a16="http://schemas.microsoft.com/office/drawing/2014/main" xmlns="" id="{554DB237-C74A-4BA8-A097-6A053DD3C747}"/>
               </a:ext>
             </a:extLst>
           </p:cNvPr>
@@ -3709,7 +3794,7 @@
           <p:cNvPr id="4" name="矩形 3">
             <a:extLst>
               <a:ext uri="{FF2B5EF4-FFF2-40B4-BE49-F238E27FC236}">
-                <a16:creationId xmlns:a16="http://schemas.microsoft.com/office/drawing/2014/main" id="{4172DAD1-F67C-4AB8-ACEF-004237CB3D3F}"/>
+                <a16:creationId xmlns:a16="http://schemas.microsoft.com/office/drawing/2014/main" xmlns="" id="{4172DAD1-F67C-4AB8-ACEF-004237CB3D3F}"/>
               </a:ext>
             </a:extLst>
           </p:cNvPr>
@@ -3765,7 +3850,7 @@
           <p:cNvPr id="5" name="图片 4">
             <a:extLst>
               <a:ext uri="{FF2B5EF4-FFF2-40B4-BE49-F238E27FC236}">
-                <a16:creationId xmlns:a16="http://schemas.microsoft.com/office/drawing/2014/main" id="{F300B558-79C0-475E-84A0-11700A36CAB6}"/>
+                <a16:creationId xmlns:a16="http://schemas.microsoft.com/office/drawing/2014/main" xmlns="" id="{F300B558-79C0-475E-84A0-11700A36CAB6}"/>
               </a:ext>
             </a:extLst>
           </p:cNvPr>
@@ -3802,7 +3887,7 @@
           <p:cNvPr id="6" name="图片 5">
             <a:extLst>
               <a:ext uri="{FF2B5EF4-FFF2-40B4-BE49-F238E27FC236}">
-                <a16:creationId xmlns:a16="http://schemas.microsoft.com/office/drawing/2014/main" id="{ADFDE997-A67B-4FD0-B6AC-78D1EFE63489}"/>
+                <a16:creationId xmlns:a16="http://schemas.microsoft.com/office/drawing/2014/main" xmlns="" id="{ADFDE997-A67B-4FD0-B6AC-78D1EFE63489}"/>
               </a:ext>
             </a:extLst>
           </p:cNvPr>
@@ -3839,7 +3924,7 @@
           <p:cNvPr id="7" name="文本框 6">
             <a:extLst>
               <a:ext uri="{FF2B5EF4-FFF2-40B4-BE49-F238E27FC236}">
-                <a16:creationId xmlns:a16="http://schemas.microsoft.com/office/drawing/2014/main" id="{3E1E676E-E869-48CE-BFB9-1C7FC981B376}"/>
+                <a16:creationId xmlns:a16="http://schemas.microsoft.com/office/drawing/2014/main" xmlns="" id="{3E1E676E-E869-48CE-BFB9-1C7FC981B376}"/>
               </a:ext>
             </a:extLst>
           </p:cNvPr>
@@ -3893,7 +3978,7 @@
           <p:cNvPr id="8" name="文本框 7">
             <a:extLst>
               <a:ext uri="{FF2B5EF4-FFF2-40B4-BE49-F238E27FC236}">
-                <a16:creationId xmlns:a16="http://schemas.microsoft.com/office/drawing/2014/main" id="{7768A42A-9DCD-4784-A3EF-F1D80ADC183F}"/>
+                <a16:creationId xmlns:a16="http://schemas.microsoft.com/office/drawing/2014/main" xmlns="" id="{7768A42A-9DCD-4784-A3EF-F1D80ADC183F}"/>
               </a:ext>
             </a:extLst>
           </p:cNvPr>
@@ -3956,7 +4041,7 @@
           <p:cNvPr id="9" name="文本框 8">
             <a:extLst>
               <a:ext uri="{FF2B5EF4-FFF2-40B4-BE49-F238E27FC236}">
-                <a16:creationId xmlns:a16="http://schemas.microsoft.com/office/drawing/2014/main" id="{BF8689A3-CABF-445F-829F-6396154A55D1}"/>
+                <a16:creationId xmlns:a16="http://schemas.microsoft.com/office/drawing/2014/main" xmlns="" id="{BF8689A3-CABF-445F-829F-6396154A55D1}"/>
               </a:ext>
             </a:extLst>
           </p:cNvPr>
@@ -4012,7 +4097,7 @@
           <p:cNvPr id="10" name="图片 9">
             <a:extLst>
               <a:ext uri="{FF2B5EF4-FFF2-40B4-BE49-F238E27FC236}">
-                <a16:creationId xmlns:a16="http://schemas.microsoft.com/office/drawing/2014/main" id="{D7C9996A-24BA-4EE9-BA5A-589E1841918D}"/>
+                <a16:creationId xmlns:a16="http://schemas.microsoft.com/office/drawing/2014/main" xmlns="" id="{D7C9996A-24BA-4EE9-BA5A-589E1841918D}"/>
               </a:ext>
             </a:extLst>
           </p:cNvPr>
@@ -4079,7 +4164,7 @@
           <p:cNvPr id="3" name="矩形 2">
             <a:extLst>
               <a:ext uri="{FF2B5EF4-FFF2-40B4-BE49-F238E27FC236}">
-                <a16:creationId xmlns:a16="http://schemas.microsoft.com/office/drawing/2014/main" id="{F3BB9638-2D2F-48B1-A8CF-673B237DCC17}"/>
+                <a16:creationId xmlns:a16="http://schemas.microsoft.com/office/drawing/2014/main" xmlns="" id="{F3BB9638-2D2F-48B1-A8CF-673B237DCC17}"/>
               </a:ext>
             </a:extLst>
           </p:cNvPr>
@@ -4138,7 +4223,7 @@
           <p:cNvPr id="4" name="矩形: 圆角 3">
             <a:extLst>
               <a:ext uri="{FF2B5EF4-FFF2-40B4-BE49-F238E27FC236}">
-                <a16:creationId xmlns:a16="http://schemas.microsoft.com/office/drawing/2014/main" id="{120C7C91-35F0-46E5-B511-2314CED2655F}"/>
+                <a16:creationId xmlns:a16="http://schemas.microsoft.com/office/drawing/2014/main" xmlns="" id="{120C7C91-35F0-46E5-B511-2314CED2655F}"/>
               </a:ext>
             </a:extLst>
           </p:cNvPr>
@@ -4210,7 +4295,7 @@
           <p:cNvPr id="5" name="图片 4" descr="图片包含 纵横字谜, 文字&#10;&#10;已生成极高可信度的说明">
             <a:extLst>
               <a:ext uri="{FF2B5EF4-FFF2-40B4-BE49-F238E27FC236}">
-                <a16:creationId xmlns:a16="http://schemas.microsoft.com/office/drawing/2014/main" id="{25779B21-3BC1-4E47-8650-6B0E785B5142}"/>
+                <a16:creationId xmlns:a16="http://schemas.microsoft.com/office/drawing/2014/main" xmlns="" id="{25779B21-3BC1-4E47-8650-6B0E785B5142}"/>
               </a:ext>
             </a:extLst>
           </p:cNvPr>
@@ -4251,7 +4336,7 @@
           <p:cNvPr id="6" name="文本框 5">
             <a:extLst>
               <a:ext uri="{FF2B5EF4-FFF2-40B4-BE49-F238E27FC236}">
-                <a16:creationId xmlns:a16="http://schemas.microsoft.com/office/drawing/2014/main" id="{343024A3-25F7-4B9A-9876-36F35421F6E6}"/>
+                <a16:creationId xmlns:a16="http://schemas.microsoft.com/office/drawing/2014/main" xmlns="" id="{343024A3-25F7-4B9A-9876-36F35421F6E6}"/>
               </a:ext>
             </a:extLst>
           </p:cNvPr>
@@ -4487,7 +4572,7 @@
             <a:hlinkClick r:id="rId3"/>
             <a:extLst>
               <a:ext uri="{FF2B5EF4-FFF2-40B4-BE49-F238E27FC236}">
-                <a16:creationId xmlns:a16="http://schemas.microsoft.com/office/drawing/2014/main" id="{5524D02C-49CE-4D3D-8B89-07CEC3966F49}"/>
+                <a16:creationId xmlns:a16="http://schemas.microsoft.com/office/drawing/2014/main" xmlns="" id="{5524D02C-49CE-4D3D-8B89-07CEC3966F49}"/>
               </a:ext>
             </a:extLst>
           </p:cNvPr>
@@ -5165,7 +5250,7 @@
   </p:txStyles>
   <p:extLst mod="1">
     <p:ext uri="{27BBF7A9-308A-43DC-89C8-2F10F3537804}">
-      <p15:sldGuideLst xmlns:p15="http://schemas.microsoft.com/office/powerpoint/2012/main">
+      <p15:sldGuideLst xmlns:p15="http://schemas.microsoft.com/office/powerpoint/2012/main" xmlns="">
         <p15:guide id="1" pos="422" userDrawn="1">
           <p15:clr>
             <a:srgbClr val="F26B43"/>
@@ -5673,6 +5758,13 @@
   <p:clrMapOvr>
     <a:masterClrMapping/>
   </p:clrMapOvr>
+  <p:timing>
+    <p:tnLst>
+      <p:par>
+        <p:cTn id="1" dur="indefinite" restart="never" nodeType="tmRoot"/>
+      </p:par>
+    </p:tnLst>
+  </p:timing>
 </p:sld>
 </file>
 
@@ -5793,7 +5885,7 @@
           <p:cNvPr id="5" name="文本框 4">
             <a:extLst>
               <a:ext uri="{FF2B5EF4-FFF2-40B4-BE49-F238E27FC236}">
-                <a16:creationId xmlns:a16="http://schemas.microsoft.com/office/drawing/2014/main" id="{122E3E2F-9DDE-4D94-A150-AF438CB8E6CA}"/>
+                <a16:creationId xmlns:a16="http://schemas.microsoft.com/office/drawing/2014/main" xmlns="" id="{122E3E2F-9DDE-4D94-A150-AF438CB8E6CA}"/>
               </a:ext>
             </a:extLst>
           </p:cNvPr>
@@ -5852,6 +5944,13 @@
   <p:clrMapOvr>
     <a:masterClrMapping/>
   </p:clrMapOvr>
+  <p:timing>
+    <p:tnLst>
+      <p:par>
+        <p:cTn id="1" dur="indefinite" restart="never" nodeType="tmRoot"/>
+      </p:par>
+    </p:tnLst>
+  </p:timing>
 </p:sld>
 </file>
 
@@ -5877,7 +5976,7 @@
           <p:cNvPr id="2" name="标题 1">
             <a:extLst>
               <a:ext uri="{FF2B5EF4-FFF2-40B4-BE49-F238E27FC236}">
-                <a16:creationId xmlns:a16="http://schemas.microsoft.com/office/drawing/2014/main" id="{C71F4150-91EC-4B71-9B14-6AB153B06153}"/>
+                <a16:creationId xmlns:a16="http://schemas.microsoft.com/office/drawing/2014/main" xmlns="" id="{C71F4150-91EC-4B71-9B14-6AB153B06153}"/>
               </a:ext>
             </a:extLst>
           </p:cNvPr>
@@ -5906,7 +6005,7 @@
           <p:cNvPr id="6" name="Picture 5">
             <a:extLst>
               <a:ext uri="{FF2B5EF4-FFF2-40B4-BE49-F238E27FC236}">
-                <a16:creationId xmlns:a16="http://schemas.microsoft.com/office/drawing/2014/main" id="{D22757D0-AC1E-6445-A7E1-2E743B981E02}"/>
+                <a16:creationId xmlns:a16="http://schemas.microsoft.com/office/drawing/2014/main" xmlns="" id="{D22757D0-AC1E-6445-A7E1-2E743B981E02}"/>
               </a:ext>
             </a:extLst>
           </p:cNvPr>
@@ -5942,7 +6041,7 @@
           <p:cNvPr id="7" name="TextBox 6">
             <a:extLst>
               <a:ext uri="{FF2B5EF4-FFF2-40B4-BE49-F238E27FC236}">
-                <a16:creationId xmlns:a16="http://schemas.microsoft.com/office/drawing/2014/main" id="{B18E1A6C-AE07-954C-91B1-89E38CA8DF30}"/>
+                <a16:creationId xmlns:a16="http://schemas.microsoft.com/office/drawing/2014/main" xmlns="" id="{B18E1A6C-AE07-954C-91B1-89E38CA8DF30}"/>
               </a:ext>
             </a:extLst>
           </p:cNvPr>
@@ -6008,7 +6107,7 @@
           <p:cNvPr id="8" name="TextBox 7">
             <a:extLst>
               <a:ext uri="{FF2B5EF4-FFF2-40B4-BE49-F238E27FC236}">
-                <a16:creationId xmlns:a16="http://schemas.microsoft.com/office/drawing/2014/main" id="{533F82EE-0BF1-454C-8253-7DEEC383FEAD}"/>
+                <a16:creationId xmlns:a16="http://schemas.microsoft.com/office/drawing/2014/main" xmlns="" id="{533F82EE-0BF1-454C-8253-7DEEC383FEAD}"/>
               </a:ext>
             </a:extLst>
           </p:cNvPr>
@@ -6048,6 +6147,13 @@
   <p:clrMapOvr>
     <a:masterClrMapping/>
   </p:clrMapOvr>
+  <p:timing>
+    <p:tnLst>
+      <p:par>
+        <p:cTn id="1" dur="indefinite" restart="never" nodeType="tmRoot"/>
+      </p:par>
+    </p:tnLst>
+  </p:timing>
 </p:sld>
 </file>
 
@@ -6073,7 +6179,7 @@
           <p:cNvPr id="2" name="标题 1">
             <a:extLst>
               <a:ext uri="{FF2B5EF4-FFF2-40B4-BE49-F238E27FC236}">
-                <a16:creationId xmlns:a16="http://schemas.microsoft.com/office/drawing/2014/main" id="{C71F4150-91EC-4B71-9B14-6AB153B06153}"/>
+                <a16:creationId xmlns:a16="http://schemas.microsoft.com/office/drawing/2014/main" xmlns="" id="{C71F4150-91EC-4B71-9B14-6AB153B06153}"/>
               </a:ext>
             </a:extLst>
           </p:cNvPr>
@@ -6102,7 +6208,7 @@
           <p:cNvPr id="6" name="Picture 5">
             <a:extLst>
               <a:ext uri="{FF2B5EF4-FFF2-40B4-BE49-F238E27FC236}">
-                <a16:creationId xmlns:a16="http://schemas.microsoft.com/office/drawing/2014/main" id="{D22757D0-AC1E-6445-A7E1-2E743B981E02}"/>
+                <a16:creationId xmlns:a16="http://schemas.microsoft.com/office/drawing/2014/main" xmlns="" id="{D22757D0-AC1E-6445-A7E1-2E743B981E02}"/>
               </a:ext>
             </a:extLst>
           </p:cNvPr>
@@ -6138,7 +6244,7 @@
           <p:cNvPr id="7" name="TextBox 6">
             <a:extLst>
               <a:ext uri="{FF2B5EF4-FFF2-40B4-BE49-F238E27FC236}">
-                <a16:creationId xmlns:a16="http://schemas.microsoft.com/office/drawing/2014/main" id="{B18E1A6C-AE07-954C-91B1-89E38CA8DF30}"/>
+                <a16:creationId xmlns:a16="http://schemas.microsoft.com/office/drawing/2014/main" xmlns="" id="{B18E1A6C-AE07-954C-91B1-89E38CA8DF30}"/>
               </a:ext>
             </a:extLst>
           </p:cNvPr>
@@ -6204,7 +6310,7 @@
           <p:cNvPr id="8" name="TextBox 7">
             <a:extLst>
               <a:ext uri="{FF2B5EF4-FFF2-40B4-BE49-F238E27FC236}">
-                <a16:creationId xmlns:a16="http://schemas.microsoft.com/office/drawing/2014/main" id="{533F82EE-0BF1-454C-8253-7DEEC383FEAD}"/>
+                <a16:creationId xmlns:a16="http://schemas.microsoft.com/office/drawing/2014/main" xmlns="" id="{533F82EE-0BF1-454C-8253-7DEEC383FEAD}"/>
               </a:ext>
             </a:extLst>
           </p:cNvPr>
@@ -6239,7 +6345,7 @@
           <p:cNvPr id="12" name="Picture 11">
             <a:extLst>
               <a:ext uri="{FF2B5EF4-FFF2-40B4-BE49-F238E27FC236}">
-                <a16:creationId xmlns:a16="http://schemas.microsoft.com/office/drawing/2014/main" id="{EA25E3DA-27C2-9C44-ACDA-20DD74BF1F34}"/>
+                <a16:creationId xmlns:a16="http://schemas.microsoft.com/office/drawing/2014/main" xmlns="" id="{EA25E3DA-27C2-9C44-ACDA-20DD74BF1F34}"/>
               </a:ext>
             </a:extLst>
           </p:cNvPr>
@@ -6275,7 +6381,7 @@
           <p:cNvPr id="13" name="TextBox 12">
             <a:extLst>
               <a:ext uri="{FF2B5EF4-FFF2-40B4-BE49-F238E27FC236}">
-                <a16:creationId xmlns:a16="http://schemas.microsoft.com/office/drawing/2014/main" id="{ACA77D82-1550-8A49-BEFE-EBE2C3C1BD26}"/>
+                <a16:creationId xmlns:a16="http://schemas.microsoft.com/office/drawing/2014/main" xmlns="" id="{ACA77D82-1550-8A49-BEFE-EBE2C3C1BD26}"/>
               </a:ext>
             </a:extLst>
           </p:cNvPr>
@@ -6311,7 +6417,7 @@
           <p:cNvPr id="36" name="U-Turn Arrow 35">
             <a:extLst>
               <a:ext uri="{FF2B5EF4-FFF2-40B4-BE49-F238E27FC236}">
-                <a16:creationId xmlns:a16="http://schemas.microsoft.com/office/drawing/2014/main" id="{03D43184-0774-264F-99E4-8A5D7FE9D278}"/>
+                <a16:creationId xmlns:a16="http://schemas.microsoft.com/office/drawing/2014/main" xmlns="" id="{03D43184-0774-264F-99E4-8A5D7FE9D278}"/>
               </a:ext>
             </a:extLst>
           </p:cNvPr>
@@ -6372,6 +6478,13 @@
   <p:clrMapOvr>
     <a:masterClrMapping/>
   </p:clrMapOvr>
+  <p:timing>
+    <p:tnLst>
+      <p:par>
+        <p:cTn id="1" dur="indefinite" restart="never" nodeType="tmRoot"/>
+      </p:par>
+    </p:tnLst>
+  </p:timing>
 </p:sld>
 </file>
 
@@ -6397,7 +6510,7 @@
           <p:cNvPr id="2" name="标题 1">
             <a:extLst>
               <a:ext uri="{FF2B5EF4-FFF2-40B4-BE49-F238E27FC236}">
-                <a16:creationId xmlns:a16="http://schemas.microsoft.com/office/drawing/2014/main" id="{C71F4150-91EC-4B71-9B14-6AB153B06153}"/>
+                <a16:creationId xmlns:a16="http://schemas.microsoft.com/office/drawing/2014/main" xmlns="" id="{C71F4150-91EC-4B71-9B14-6AB153B06153}"/>
               </a:ext>
             </a:extLst>
           </p:cNvPr>
@@ -6426,7 +6539,7 @@
           <p:cNvPr id="4" name="灯片编号占位符 3">
             <a:extLst>
               <a:ext uri="{FF2B5EF4-FFF2-40B4-BE49-F238E27FC236}">
-                <a16:creationId xmlns:a16="http://schemas.microsoft.com/office/drawing/2014/main" id="{7AF012EC-D1CA-4BAE-B832-AFDBF557B3AC}"/>
+                <a16:creationId xmlns:a16="http://schemas.microsoft.com/office/drawing/2014/main" xmlns="" id="{7AF012EC-D1CA-4BAE-B832-AFDBF557B3AC}"/>
               </a:ext>
             </a:extLst>
           </p:cNvPr>
@@ -6456,7 +6569,7 @@
           <p:cNvPr id="5" name="TextBox 4">
             <a:extLst>
               <a:ext uri="{FF2B5EF4-FFF2-40B4-BE49-F238E27FC236}">
-                <a16:creationId xmlns:a16="http://schemas.microsoft.com/office/drawing/2014/main" id="{07693E3F-ED11-B64D-BAE6-2BF7F38E0877}"/>
+                <a16:creationId xmlns:a16="http://schemas.microsoft.com/office/drawing/2014/main" xmlns="" id="{07693E3F-ED11-B64D-BAE6-2BF7F38E0877}"/>
               </a:ext>
             </a:extLst>
           </p:cNvPr>
@@ -6491,7 +6604,7 @@
           <p:cNvPr id="11" name="TextBox 10">
             <a:extLst>
               <a:ext uri="{FF2B5EF4-FFF2-40B4-BE49-F238E27FC236}">
-                <a16:creationId xmlns:a16="http://schemas.microsoft.com/office/drawing/2014/main" id="{1CBA3F45-7BE9-5B47-B1AE-AAEAE64D1D10}"/>
+                <a16:creationId xmlns:a16="http://schemas.microsoft.com/office/drawing/2014/main" xmlns="" id="{1CBA3F45-7BE9-5B47-B1AE-AAEAE64D1D10}"/>
               </a:ext>
             </a:extLst>
           </p:cNvPr>
@@ -6553,7 +6666,7 @@
           <p:cNvPr id="12" name="TextBox 11">
             <a:extLst>
               <a:ext uri="{FF2B5EF4-FFF2-40B4-BE49-F238E27FC236}">
-                <a16:creationId xmlns:a16="http://schemas.microsoft.com/office/drawing/2014/main" id="{0B3462A3-AA40-A640-B781-0F4D65376288}"/>
+                <a16:creationId xmlns:a16="http://schemas.microsoft.com/office/drawing/2014/main" xmlns="" id="{0B3462A3-AA40-A640-B781-0F4D65376288}"/>
               </a:ext>
             </a:extLst>
           </p:cNvPr>
@@ -6593,6 +6706,13 @@
   <p:clrMapOvr>
     <a:masterClrMapping/>
   </p:clrMapOvr>
+  <p:timing>
+    <p:tnLst>
+      <p:par>
+        <p:cTn id="1" dur="indefinite" restart="never" nodeType="tmRoot"/>
+      </p:par>
+    </p:tnLst>
+  </p:timing>
 </p:sld>
 </file>
 
@@ -6618,7 +6738,7 @@
           <p:cNvPr id="2" name="Title 1">
             <a:extLst>
               <a:ext uri="{FF2B5EF4-FFF2-40B4-BE49-F238E27FC236}">
-                <a16:creationId xmlns:a16="http://schemas.microsoft.com/office/drawing/2014/main" id="{8EF665E4-FDA1-7847-AE34-A5AFEA90F184}"/>
+                <a16:creationId xmlns:a16="http://schemas.microsoft.com/office/drawing/2014/main" xmlns="" id="{8EF665E4-FDA1-7847-AE34-A5AFEA90F184}"/>
               </a:ext>
             </a:extLst>
           </p:cNvPr>
@@ -6647,7 +6767,7 @@
           <p:cNvPr id="4" name="Slide Number Placeholder 3">
             <a:extLst>
               <a:ext uri="{FF2B5EF4-FFF2-40B4-BE49-F238E27FC236}">
-                <a16:creationId xmlns:a16="http://schemas.microsoft.com/office/drawing/2014/main" id="{B0165F97-ACE5-6749-8CC8-C4C2583A93F2}"/>
+                <a16:creationId xmlns:a16="http://schemas.microsoft.com/office/drawing/2014/main" xmlns="" id="{B0165F97-ACE5-6749-8CC8-C4C2583A93F2}"/>
               </a:ext>
             </a:extLst>
           </p:cNvPr>
@@ -6677,7 +6797,7 @@
           <p:cNvPr id="6" name="Picture 5">
             <a:extLst>
               <a:ext uri="{FF2B5EF4-FFF2-40B4-BE49-F238E27FC236}">
-                <a16:creationId xmlns:a16="http://schemas.microsoft.com/office/drawing/2014/main" id="{55EB5A0F-74B5-BE45-95A3-6131705BFC67}"/>
+                <a16:creationId xmlns:a16="http://schemas.microsoft.com/office/drawing/2014/main" xmlns="" id="{55EB5A0F-74B5-BE45-95A3-6131705BFC67}"/>
               </a:ext>
             </a:extLst>
           </p:cNvPr>
@@ -6713,7 +6833,7 @@
           <p:cNvPr id="8" name="Picture 7">
             <a:extLst>
               <a:ext uri="{FF2B5EF4-FFF2-40B4-BE49-F238E27FC236}">
-                <a16:creationId xmlns:a16="http://schemas.microsoft.com/office/drawing/2014/main" id="{C0DA3B46-024F-E04C-B7AB-D2309CEF0623}"/>
+                <a16:creationId xmlns:a16="http://schemas.microsoft.com/office/drawing/2014/main" xmlns="" id="{C0DA3B46-024F-E04C-B7AB-D2309CEF0623}"/>
               </a:ext>
             </a:extLst>
           </p:cNvPr>
@@ -6749,7 +6869,7 @@
           <p:cNvPr id="10" name="Picture 9">
             <a:extLst>
               <a:ext uri="{FF2B5EF4-FFF2-40B4-BE49-F238E27FC236}">
-                <a16:creationId xmlns:a16="http://schemas.microsoft.com/office/drawing/2014/main" id="{F8C2DA4C-CC55-9D42-90C5-F4CF208CC5E2}"/>
+                <a16:creationId xmlns:a16="http://schemas.microsoft.com/office/drawing/2014/main" xmlns="" id="{F8C2DA4C-CC55-9D42-90C5-F4CF208CC5E2}"/>
               </a:ext>
             </a:extLst>
           </p:cNvPr>
@@ -6785,7 +6905,7 @@
           <p:cNvPr id="12" name="Picture 11">
             <a:extLst>
               <a:ext uri="{FF2B5EF4-FFF2-40B4-BE49-F238E27FC236}">
-                <a16:creationId xmlns:a16="http://schemas.microsoft.com/office/drawing/2014/main" id="{A503A07F-A5A6-9E43-9429-542788FCAD18}"/>
+                <a16:creationId xmlns:a16="http://schemas.microsoft.com/office/drawing/2014/main" xmlns="" id="{A503A07F-A5A6-9E43-9429-542788FCAD18}"/>
               </a:ext>
             </a:extLst>
           </p:cNvPr>
@@ -6821,7 +6941,7 @@
           <p:cNvPr id="14" name="Picture 13">
             <a:extLst>
               <a:ext uri="{FF2B5EF4-FFF2-40B4-BE49-F238E27FC236}">
-                <a16:creationId xmlns:a16="http://schemas.microsoft.com/office/drawing/2014/main" id="{09CB4AB5-2948-4944-947D-4F4C312339F3}"/>
+                <a16:creationId xmlns:a16="http://schemas.microsoft.com/office/drawing/2014/main" xmlns="" id="{09CB4AB5-2948-4944-947D-4F4C312339F3}"/>
               </a:ext>
             </a:extLst>
           </p:cNvPr>
@@ -6857,7 +6977,7 @@
           <p:cNvPr id="15" name="TextBox 14">
             <a:extLst>
               <a:ext uri="{FF2B5EF4-FFF2-40B4-BE49-F238E27FC236}">
-                <a16:creationId xmlns:a16="http://schemas.microsoft.com/office/drawing/2014/main" id="{676582FF-14A2-C14D-9B06-2DDDF563A8DF}"/>
+                <a16:creationId xmlns:a16="http://schemas.microsoft.com/office/drawing/2014/main" xmlns="" id="{676582FF-14A2-C14D-9B06-2DDDF563A8DF}"/>
               </a:ext>
             </a:extLst>
           </p:cNvPr>
@@ -6892,7 +7012,7 @@
           <p:cNvPr id="16" name="TextBox 15">
             <a:extLst>
               <a:ext uri="{FF2B5EF4-FFF2-40B4-BE49-F238E27FC236}">
-                <a16:creationId xmlns:a16="http://schemas.microsoft.com/office/drawing/2014/main" id="{E0FB12D7-70DF-AB40-998A-CC7A1DA1114E}"/>
+                <a16:creationId xmlns:a16="http://schemas.microsoft.com/office/drawing/2014/main" xmlns="" id="{E0FB12D7-70DF-AB40-998A-CC7A1DA1114E}"/>
               </a:ext>
             </a:extLst>
           </p:cNvPr>
@@ -6933,6 +7053,13 @@
   <p:clrMapOvr>
     <a:masterClrMapping/>
   </p:clrMapOvr>
+  <p:timing>
+    <p:tnLst>
+      <p:par>
+        <p:cTn id="1" dur="indefinite" restart="never" nodeType="tmRoot"/>
+      </p:par>
+    </p:tnLst>
+  </p:timing>
 </p:sld>
 </file>
 
@@ -6958,7 +7085,7 @@
           <p:cNvPr id="2" name="标题 1">
             <a:extLst>
               <a:ext uri="{FF2B5EF4-FFF2-40B4-BE49-F238E27FC236}">
-                <a16:creationId xmlns:a16="http://schemas.microsoft.com/office/drawing/2014/main" id="{C71F4150-91EC-4B71-9B14-6AB153B06153}"/>
+                <a16:creationId xmlns:a16="http://schemas.microsoft.com/office/drawing/2014/main" xmlns="" id="{C71F4150-91EC-4B71-9B14-6AB153B06153}"/>
               </a:ext>
             </a:extLst>
           </p:cNvPr>
@@ -6987,7 +7114,7 @@
           <p:cNvPr id="4" name="灯片编号占位符 3">
             <a:extLst>
               <a:ext uri="{FF2B5EF4-FFF2-40B4-BE49-F238E27FC236}">
-                <a16:creationId xmlns:a16="http://schemas.microsoft.com/office/drawing/2014/main" id="{7AF012EC-D1CA-4BAE-B832-AFDBF557B3AC}"/>
+                <a16:creationId xmlns:a16="http://schemas.microsoft.com/office/drawing/2014/main" xmlns="" id="{7AF012EC-D1CA-4BAE-B832-AFDBF557B3AC}"/>
               </a:ext>
             </a:extLst>
           </p:cNvPr>
@@ -7017,7 +7144,7 @@
           <p:cNvPr id="11" name="TextBox 10">
             <a:extLst>
               <a:ext uri="{FF2B5EF4-FFF2-40B4-BE49-F238E27FC236}">
-                <a16:creationId xmlns:a16="http://schemas.microsoft.com/office/drawing/2014/main" id="{1CBA3F45-7BE9-5B47-B1AE-AAEAE64D1D10}"/>
+                <a16:creationId xmlns:a16="http://schemas.microsoft.com/office/drawing/2014/main" xmlns="" id="{1CBA3F45-7BE9-5B47-B1AE-AAEAE64D1D10}"/>
               </a:ext>
             </a:extLst>
           </p:cNvPr>
@@ -7059,7 +7186,7 @@
           <p:cNvPr id="3" name="TextBox 2">
             <a:extLst>
               <a:ext uri="{FF2B5EF4-FFF2-40B4-BE49-F238E27FC236}">
-                <a16:creationId xmlns:a16="http://schemas.microsoft.com/office/drawing/2014/main" id="{F76A9815-E68C-5848-91C9-F1C54AB35E92}"/>
+                <a16:creationId xmlns:a16="http://schemas.microsoft.com/office/drawing/2014/main" xmlns="" id="{F76A9815-E68C-5848-91C9-F1C54AB35E92}"/>
               </a:ext>
             </a:extLst>
           </p:cNvPr>
@@ -7139,7 +7266,7 @@
           <p:cNvPr id="6" name="TextBox 5">
             <a:extLst>
               <a:ext uri="{FF2B5EF4-FFF2-40B4-BE49-F238E27FC236}">
-                <a16:creationId xmlns:a16="http://schemas.microsoft.com/office/drawing/2014/main" id="{EC91691D-FE25-494D-B127-B134FF7AADC2}"/>
+                <a16:creationId xmlns:a16="http://schemas.microsoft.com/office/drawing/2014/main" xmlns="" id="{EC91691D-FE25-494D-B127-B134FF7AADC2}"/>
               </a:ext>
             </a:extLst>
           </p:cNvPr>
@@ -7174,7 +7301,7 @@
           <p:cNvPr id="8" name="TextBox 7">
             <a:extLst>
               <a:ext uri="{FF2B5EF4-FFF2-40B4-BE49-F238E27FC236}">
-                <a16:creationId xmlns:a16="http://schemas.microsoft.com/office/drawing/2014/main" id="{ADE0DFAD-0B4C-D04E-8985-DBB8CC0B8791}"/>
+                <a16:creationId xmlns:a16="http://schemas.microsoft.com/office/drawing/2014/main" xmlns="" id="{ADE0DFAD-0B4C-D04E-8985-DBB8CC0B8791}"/>
               </a:ext>
             </a:extLst>
           </p:cNvPr>
@@ -7221,7 +7348,7 @@
           <p:cNvPr id="10" name="Picture 9">
             <a:extLst>
               <a:ext uri="{FF2B5EF4-FFF2-40B4-BE49-F238E27FC236}">
-                <a16:creationId xmlns:a16="http://schemas.microsoft.com/office/drawing/2014/main" id="{45B71FD1-F80D-FD4F-81A5-614FD5FBC7AA}"/>
+                <a16:creationId xmlns:a16="http://schemas.microsoft.com/office/drawing/2014/main" xmlns="" id="{45B71FD1-F80D-FD4F-81A5-614FD5FBC7AA}"/>
               </a:ext>
             </a:extLst>
           </p:cNvPr>
@@ -7257,7 +7384,7 @@
           <p:cNvPr id="15" name="Picture 14">
             <a:extLst>
               <a:ext uri="{FF2B5EF4-FFF2-40B4-BE49-F238E27FC236}">
-                <a16:creationId xmlns:a16="http://schemas.microsoft.com/office/drawing/2014/main" id="{513E4F26-E343-4F4B-AB29-8C32FB890D5D}"/>
+                <a16:creationId xmlns:a16="http://schemas.microsoft.com/office/drawing/2014/main" xmlns="" id="{513E4F26-E343-4F4B-AB29-8C32FB890D5D}"/>
               </a:ext>
             </a:extLst>
           </p:cNvPr>
@@ -7293,7 +7420,7 @@
           <p:cNvPr id="19" name="Curved Connector 18">
             <a:extLst>
               <a:ext uri="{FF2B5EF4-FFF2-40B4-BE49-F238E27FC236}">
-                <a16:creationId xmlns:a16="http://schemas.microsoft.com/office/drawing/2014/main" id="{50F4EFE1-12AE-1642-86FB-DD53F72D1221}"/>
+                <a16:creationId xmlns:a16="http://schemas.microsoft.com/office/drawing/2014/main" xmlns="" id="{50F4EFE1-12AE-1642-86FB-DD53F72D1221}"/>
               </a:ext>
             </a:extLst>
           </p:cNvPr>
@@ -7336,7 +7463,7 @@
           <p:cNvPr id="21" name="Picture 20">
             <a:extLst>
               <a:ext uri="{FF2B5EF4-FFF2-40B4-BE49-F238E27FC236}">
-                <a16:creationId xmlns:a16="http://schemas.microsoft.com/office/drawing/2014/main" id="{479E3F34-976A-A345-939D-9A25AB594094}"/>
+                <a16:creationId xmlns:a16="http://schemas.microsoft.com/office/drawing/2014/main" xmlns="" id="{479E3F34-976A-A345-939D-9A25AB594094}"/>
               </a:ext>
             </a:extLst>
           </p:cNvPr>
@@ -7372,7 +7499,7 @@
           <p:cNvPr id="23" name="Straight Arrow Connector 22">
             <a:extLst>
               <a:ext uri="{FF2B5EF4-FFF2-40B4-BE49-F238E27FC236}">
-                <a16:creationId xmlns:a16="http://schemas.microsoft.com/office/drawing/2014/main" id="{D3A1D5F1-9AE6-2849-9129-FBB56FC87C36}"/>
+                <a16:creationId xmlns:a16="http://schemas.microsoft.com/office/drawing/2014/main" xmlns="" id="{D3A1D5F1-9AE6-2849-9129-FBB56FC87C36}"/>
               </a:ext>
             </a:extLst>
           </p:cNvPr>
@@ -7419,6 +7546,13 @@
   <p:clrMapOvr>
     <a:masterClrMapping/>
   </p:clrMapOvr>
+  <p:timing>
+    <p:tnLst>
+      <p:par>
+        <p:cTn id="1" dur="indefinite" restart="never" nodeType="tmRoot"/>
+      </p:par>
+    </p:tnLst>
+  </p:timing>
 </p:sld>
 </file>
 
@@ -7539,7 +7673,7 @@
           <p:cNvPr id="5" name="文本框 4">
             <a:extLst>
               <a:ext uri="{FF2B5EF4-FFF2-40B4-BE49-F238E27FC236}">
-                <a16:creationId xmlns:a16="http://schemas.microsoft.com/office/drawing/2014/main" id="{122E3E2F-9DDE-4D94-A150-AF438CB8E6CA}"/>
+                <a16:creationId xmlns:a16="http://schemas.microsoft.com/office/drawing/2014/main" xmlns="" id="{122E3E2F-9DDE-4D94-A150-AF438CB8E6CA}"/>
               </a:ext>
             </a:extLst>
           </p:cNvPr>
@@ -7598,6 +7732,13 @@
   <p:clrMapOvr>
     <a:masterClrMapping/>
   </p:clrMapOvr>
+  <p:timing>
+    <p:tnLst>
+      <p:par>
+        <p:cTn id="1" dur="indefinite" restart="never" nodeType="tmRoot"/>
+      </p:par>
+    </p:tnLst>
+  </p:timing>
 </p:sld>
 </file>
 
@@ -7623,7 +7764,7 @@
           <p:cNvPr id="2" name="标题 1">
             <a:extLst>
               <a:ext uri="{FF2B5EF4-FFF2-40B4-BE49-F238E27FC236}">
-                <a16:creationId xmlns:a16="http://schemas.microsoft.com/office/drawing/2014/main" id="{C71F4150-91EC-4B71-9B14-6AB153B06153}"/>
+                <a16:creationId xmlns:a16="http://schemas.microsoft.com/office/drawing/2014/main" xmlns="" id="{C71F4150-91EC-4B71-9B14-6AB153B06153}"/>
               </a:ext>
             </a:extLst>
           </p:cNvPr>
@@ -7652,7 +7793,7 @@
           <p:cNvPr id="4" name="灯片编号占位符 3">
             <a:extLst>
               <a:ext uri="{FF2B5EF4-FFF2-40B4-BE49-F238E27FC236}">
-                <a16:creationId xmlns:a16="http://schemas.microsoft.com/office/drawing/2014/main" id="{7AF012EC-D1CA-4BAE-B832-AFDBF557B3AC}"/>
+                <a16:creationId xmlns:a16="http://schemas.microsoft.com/office/drawing/2014/main" xmlns="" id="{7AF012EC-D1CA-4BAE-B832-AFDBF557B3AC}"/>
               </a:ext>
             </a:extLst>
           </p:cNvPr>
@@ -7682,7 +7823,7 @@
           <p:cNvPr id="5" name="TextBox 4">
             <a:extLst>
               <a:ext uri="{FF2B5EF4-FFF2-40B4-BE49-F238E27FC236}">
-                <a16:creationId xmlns:a16="http://schemas.microsoft.com/office/drawing/2014/main" id="{07693E3F-ED11-B64D-BAE6-2BF7F38E0877}"/>
+                <a16:creationId xmlns:a16="http://schemas.microsoft.com/office/drawing/2014/main" xmlns="" id="{07693E3F-ED11-B64D-BAE6-2BF7F38E0877}"/>
               </a:ext>
             </a:extLst>
           </p:cNvPr>
@@ -7719,7 +7860,7 @@
               <p:cNvPr id="11" name="TextBox 10">
                 <a:extLst>
                   <a:ext uri="{FF2B5EF4-FFF2-40B4-BE49-F238E27FC236}">
-                    <a16:creationId xmlns:a16="http://schemas.microsoft.com/office/drawing/2014/main" id="{1CBA3F45-7BE9-5B47-B1AE-AAEAE64D1D10}"/>
+                    <a16:creationId xmlns:a16="http://schemas.microsoft.com/office/drawing/2014/main" xmlns="" id="{1CBA3F45-7BE9-5B47-B1AE-AAEAE64D1D10}"/>
                   </a:ext>
                 </a:extLst>
               </p:cNvPr>
@@ -7834,7 +7975,7 @@
           <p:cNvPr id="6" name="Picture 5">
             <a:extLst>
               <a:ext uri="{FF2B5EF4-FFF2-40B4-BE49-F238E27FC236}">
-                <a16:creationId xmlns:a16="http://schemas.microsoft.com/office/drawing/2014/main" id="{83892BB7-4719-D14F-AE14-01221805E750}"/>
+                <a16:creationId xmlns:a16="http://schemas.microsoft.com/office/drawing/2014/main" xmlns="" id="{83892BB7-4719-D14F-AE14-01221805E750}"/>
               </a:ext>
             </a:extLst>
           </p:cNvPr>
@@ -7875,6 +8016,13 @@
   <p:clrMapOvr>
     <a:masterClrMapping/>
   </p:clrMapOvr>
+  <p:timing>
+    <p:tnLst>
+      <p:par>
+        <p:cTn id="1" dur="indefinite" restart="never" nodeType="tmRoot"/>
+      </p:par>
+    </p:tnLst>
+  </p:timing>
 </p:sld>
 </file>
 
@@ -7900,7 +8048,7 @@
           <p:cNvPr id="2" name="标题 1">
             <a:extLst>
               <a:ext uri="{FF2B5EF4-FFF2-40B4-BE49-F238E27FC236}">
-                <a16:creationId xmlns:a16="http://schemas.microsoft.com/office/drawing/2014/main" id="{C71F4150-91EC-4B71-9B14-6AB153B06153}"/>
+                <a16:creationId xmlns:a16="http://schemas.microsoft.com/office/drawing/2014/main" xmlns="" id="{C71F4150-91EC-4B71-9B14-6AB153B06153}"/>
               </a:ext>
             </a:extLst>
           </p:cNvPr>
@@ -7929,7 +8077,7 @@
           <p:cNvPr id="4" name="灯片编号占位符 3">
             <a:extLst>
               <a:ext uri="{FF2B5EF4-FFF2-40B4-BE49-F238E27FC236}">
-                <a16:creationId xmlns:a16="http://schemas.microsoft.com/office/drawing/2014/main" id="{7AF012EC-D1CA-4BAE-B832-AFDBF557B3AC}"/>
+                <a16:creationId xmlns:a16="http://schemas.microsoft.com/office/drawing/2014/main" xmlns="" id="{7AF012EC-D1CA-4BAE-B832-AFDBF557B3AC}"/>
               </a:ext>
             </a:extLst>
           </p:cNvPr>
@@ -7959,7 +8107,7 @@
           <p:cNvPr id="5" name="TextBox 4">
             <a:extLst>
               <a:ext uri="{FF2B5EF4-FFF2-40B4-BE49-F238E27FC236}">
-                <a16:creationId xmlns:a16="http://schemas.microsoft.com/office/drawing/2014/main" id="{07693E3F-ED11-B64D-BAE6-2BF7F38E0877}"/>
+                <a16:creationId xmlns:a16="http://schemas.microsoft.com/office/drawing/2014/main" xmlns="" id="{07693E3F-ED11-B64D-BAE6-2BF7F38E0877}"/>
               </a:ext>
             </a:extLst>
           </p:cNvPr>
@@ -7989,14 +8137,14 @@
           </a:p>
         </p:txBody>
       </p:sp>
-      <mc:AlternateContent xmlns:mc="http://schemas.openxmlformats.org/markup-compatibility/2006" xmlns:a14="http://schemas.microsoft.com/office/drawing/2010/main">
-        <mc:Choice Requires="a14">
+      <mc:AlternateContent xmlns:mc="http://schemas.openxmlformats.org/markup-compatibility/2006">
+        <mc:Choice xmlns:a14="http://schemas.microsoft.com/office/drawing/2010/main" Requires="a14">
           <p:sp>
             <p:nvSpPr>
               <p:cNvPr id="11" name="TextBox 10">
                 <a:extLst>
                   <a:ext uri="{FF2B5EF4-FFF2-40B4-BE49-F238E27FC236}">
-                    <a16:creationId xmlns:a16="http://schemas.microsoft.com/office/drawing/2014/main" id="{1CBA3F45-7BE9-5B47-B1AE-AAEAE64D1D10}"/>
+                    <a16:creationId xmlns:a16="http://schemas.microsoft.com/office/drawing/2014/main" xmlns="" id="{1CBA3F45-7BE9-5B47-B1AE-AAEAE64D1D10}"/>
                   </a:ext>
                 </a:extLst>
               </p:cNvPr>
@@ -8006,7 +8154,7 @@
             <p:spPr>
               <a:xfrm>
                 <a:off x="669924" y="1780161"/>
-                <a:ext cx="5818426" cy="3064237"/>
+                <a:ext cx="5818426" cy="3124510"/>
               </a:xfrm>
               <a:prstGeom prst="rect">
                 <a:avLst/>
@@ -8027,7 +8175,7 @@
                   <a:buChar char="•"/>
                 </a:pPr>
                 <a:r>
-                  <a:rPr lang="en-US" sz="2000" dirty="0"/>
+                  <a:rPr lang="en-US" sz="2000" dirty="0" smtClean="0"/>
                   <a:t>Partition the letter image into </a:t>
                 </a:r>
                 <a14:m>
@@ -8087,7 +8235,7 @@
                       <m:sSubPr>
                         <m:ctrlPr>
                           <a:rPr lang="en-US" sz="2000" i="1" smtClean="0">
-                            <a:latin typeface="Cambria Math" panose="02040503050406030204" pitchFamily="18" charset="0"/>
+                            <a:latin typeface="Cambria Math"/>
                             <a:ea typeface="Cambria Math" panose="02040503050406030204" pitchFamily="18" charset="0"/>
                           </a:rPr>
                         </m:ctrlPr>
@@ -8122,7 +8270,7 @@
                       <m:fPr>
                         <m:ctrlPr>
                           <a:rPr lang="en-US" sz="2000" b="0" i="1" smtClean="0">
-                            <a:latin typeface="Cambria Math" panose="02040503050406030204" pitchFamily="18" charset="0"/>
+                            <a:latin typeface="Cambria Math"/>
                             <a:ea typeface="Cambria Math" panose="02040503050406030204" pitchFamily="18" charset="0"/>
                           </a:rPr>
                         </m:ctrlPr>
@@ -8161,7 +8309,7 @@
                             <a:latin typeface="Cambria Math" panose="02040503050406030204" pitchFamily="18" charset="0"/>
                             <a:ea typeface="Cambria Math" panose="02040503050406030204" pitchFamily="18" charset="0"/>
                           </a:rPr>
-                          <m:t>𝑏𝑎𝑙𝑐𝑘</m:t>
+                          <m:t>𝑏𝑙𝑎𝑐𝑘</m:t>
                         </m:r>
                         <m:r>
                           <a:rPr lang="en-US" sz="2000" b="0" i="1" smtClean="0">
@@ -8240,13 +8388,13 @@
             </p:txBody>
           </p:sp>
         </mc:Choice>
-        <mc:Fallback xmlns="">
+        <mc:Fallback>
           <p:sp>
             <p:nvSpPr>
               <p:cNvPr id="11" name="TextBox 10">
                 <a:extLst>
                   <a:ext uri="{FF2B5EF4-FFF2-40B4-BE49-F238E27FC236}">
-                    <a16:creationId xmlns:a16="http://schemas.microsoft.com/office/drawing/2014/main" id="{1CBA3F45-7BE9-5B47-B1AE-AAEAE64D1D10}"/>
+                    <a16:creationId xmlns:a16="http://schemas.microsoft.com/office/drawing/2014/main" xmlns="" xmlns:a14="http://schemas.microsoft.com/office/drawing/2010/main" id="{1CBA3F45-7BE9-5B47-B1AE-AAEAE64D1D10}"/>
                   </a:ext>
                 </a:extLst>
               </p:cNvPr>
@@ -8258,15 +8406,15 @@
             <p:spPr>
               <a:xfrm>
                 <a:off x="669924" y="1780161"/>
-                <a:ext cx="5818426" cy="3064237"/>
+                <a:ext cx="5818426" cy="3124510"/>
               </a:xfrm>
               <a:prstGeom prst="rect">
                 <a:avLst/>
               </a:prstGeom>
-              <a:blipFill>
+              <a:blipFill rotWithShape="1">
                 <a:blip r:embed="rId2"/>
                 <a:stretch>
-                  <a:fillRect l="-871" r="-1089" b="-1240"/>
+                  <a:fillRect l="-943" r="-1048"/>
                 </a:stretch>
               </a:blipFill>
             </p:spPr>
@@ -8275,7 +8423,7 @@
               <a:lstStyle/>
               <a:p>
                 <a:r>
-                  <a:rPr lang="en-US">
+                  <a:rPr lang="zh-CN" altLang="en-US">
                     <a:noFill/>
                   </a:rPr>
                   <a:t> </a:t>
@@ -8285,42 +8433,6 @@
           </p:sp>
         </mc:Fallback>
       </mc:AlternateContent>
-      <p:pic>
-        <p:nvPicPr>
-          <p:cNvPr id="6" name="Picture 5">
-            <a:extLst>
-              <a:ext uri="{FF2B5EF4-FFF2-40B4-BE49-F238E27FC236}">
-                <a16:creationId xmlns:a16="http://schemas.microsoft.com/office/drawing/2014/main" id="{83892BB7-4719-D14F-AE14-01221805E750}"/>
-              </a:ext>
-            </a:extLst>
-          </p:cNvPr>
-          <p:cNvPicPr>
-            <a:picLocks noChangeAspect="1"/>
-          </p:cNvPicPr>
-          <p:nvPr/>
-        </p:nvPicPr>
-        <p:blipFill>
-          <a:blip r:embed="rId3" cstate="email">
-            <a:extLst>
-              <a:ext uri="{28A0092B-C50C-407E-A947-70E740481C1C}">
-                <a14:useLocalDpi xmlns:a14="http://schemas.microsoft.com/office/drawing/2010/main" val="0"/>
-              </a:ext>
-            </a:extLst>
-          </a:blip>
-          <a:stretch>
-            <a:fillRect/>
-          </a:stretch>
-        </p:blipFill>
-        <p:spPr>
-          <a:xfrm>
-            <a:off x="7597302" y="1235412"/>
-            <a:ext cx="3334898" cy="3881892"/>
-          </a:xfrm>
-          <a:prstGeom prst="rect">
-            <a:avLst/>
-          </a:prstGeom>
-        </p:spPr>
-      </p:pic>
       <mc:AlternateContent xmlns:mc="http://schemas.openxmlformats.org/markup-compatibility/2006" xmlns:a14="http://schemas.microsoft.com/office/drawing/2010/main">
         <mc:Choice Requires="a14">
           <p:sp>
@@ -8328,7 +8440,7 @@
               <p:cNvPr id="3" name="TextBox 2">
                 <a:extLst>
                   <a:ext uri="{FF2B5EF4-FFF2-40B4-BE49-F238E27FC236}">
-                    <a16:creationId xmlns:a16="http://schemas.microsoft.com/office/drawing/2014/main" id="{97065DDF-37B6-154F-AB56-C0619B7E1E60}"/>
+                    <a16:creationId xmlns:a16="http://schemas.microsoft.com/office/drawing/2014/main" xmlns="" id="{97065DDF-37B6-154F-AB56-C0619B7E1E60}"/>
                   </a:ext>
                 </a:extLst>
               </p:cNvPr>
@@ -8361,7 +8473,7 @@
                       <m:sSubPr>
                         <m:ctrlPr>
                           <a:rPr lang="en-US" i="1">
-                            <a:latin typeface="Cambria Math" panose="02040503050406030204" pitchFamily="18" charset="0"/>
+                            <a:latin typeface="Cambria Math"/>
                             <a:ea typeface="Cambria Math" panose="02040503050406030204" pitchFamily="18" charset="0"/>
                           </a:rPr>
                         </m:ctrlPr>
@@ -8461,6 +8573,42 @@
           </p:sp>
         </mc:Fallback>
       </mc:AlternateContent>
+      <p:pic>
+        <p:nvPicPr>
+          <p:cNvPr id="8" name="Picture 5">
+            <a:extLst>
+              <a:ext uri="{FF2B5EF4-FFF2-40B4-BE49-F238E27FC236}">
+                <a16:creationId xmlns:a16="http://schemas.microsoft.com/office/drawing/2014/main" xmlns="" id="{83892BB7-4719-D14F-AE14-01221805E750}"/>
+              </a:ext>
+            </a:extLst>
+          </p:cNvPr>
+          <p:cNvPicPr>
+            <a:picLocks noChangeAspect="1"/>
+          </p:cNvPicPr>
+          <p:nvPr/>
+        </p:nvPicPr>
+        <p:blipFill>
+          <a:blip r:embed="rId5" cstate="email">
+            <a:extLst>
+              <a:ext uri="{28A0092B-C50C-407E-A947-70E740481C1C}">
+                <a14:useLocalDpi xmlns:a14="http://schemas.microsoft.com/office/drawing/2010/main" val="0"/>
+              </a:ext>
+            </a:extLst>
+          </a:blip>
+          <a:stretch>
+            <a:fillRect/>
+          </a:stretch>
+        </p:blipFill>
+        <p:spPr>
+          <a:xfrm>
+            <a:off x="7597302" y="1235412"/>
+            <a:ext cx="3334898" cy="3881892"/>
+          </a:xfrm>
+          <a:prstGeom prst="rect">
+            <a:avLst/>
+          </a:prstGeom>
+        </p:spPr>
+      </p:pic>
     </p:spTree>
     <p:extLst>
       <p:ext uri="{BB962C8B-B14F-4D97-AF65-F5344CB8AC3E}">
@@ -8471,6 +8619,13 @@
   <p:clrMapOvr>
     <a:masterClrMapping/>
   </p:clrMapOvr>
+  <p:timing>
+    <p:tnLst>
+      <p:par>
+        <p:cTn id="1" dur="indefinite" restart="never" nodeType="tmRoot"/>
+      </p:par>
+    </p:tnLst>
+  </p:timing>
 </p:sld>
 </file>
 
@@ -8496,7 +8651,7 @@
           <p:cNvPr id="2" name="标题 1">
             <a:extLst>
               <a:ext uri="{FF2B5EF4-FFF2-40B4-BE49-F238E27FC236}">
-                <a16:creationId xmlns:a16="http://schemas.microsoft.com/office/drawing/2014/main" id="{1864F89D-DBDF-46B7-86F5-D7555A9BFA47}"/>
+                <a16:creationId xmlns:a16="http://schemas.microsoft.com/office/drawing/2014/main" xmlns="" id="{1864F89D-DBDF-46B7-86F5-D7555A9BFA47}"/>
               </a:ext>
             </a:extLst>
           </p:cNvPr>
@@ -8525,7 +8680,7 @@
           <p:cNvPr id="5" name="1a0afefe-8d8e-4304-8fde-5df01c78f0d9" descr="本素材由iSlide™ 提供&#10;iSlide™尊重知识产权并注重保护用户享有的各项权利。郑重提醒您：&#10;iSlide™插件中提供的任何信息内容的所有权、知识产权归其原始权利人或权利受让人所有，您免费/购买获得的是信息内容的使用权，并受下述条款的约束；&#10;1. 您仅可以个人非商业用途使用该等信息内容，不可将信息内容的全部或部分用于出售，或以出租、出借、转让、分销、发布等其他任何方式供他人使用；&#10;2. 禁止在接入互联网或移动互联网的任何网站、平台、应用或程序上以任何方式为他人提供iSlide™插件资源内容的下载。&#10;The resource is supplied by iSlide™.&#10;iSlide™ respects all intellectual property rights and protects all the rights its users acquired.Solemnly remind you:&#10;The ownership and intellectual property of the resources supplied in iSlide Add-in belongs to its owner or the assignee of this ownership.you only acquired the usage of the resources supplied in iSlide Add-in, as well as respected the following restrain terms:&#10;1.You are only allowed to use such resource for personal and non-commercial aim, not allowed to use such resource or part of it for the sale; or rent, lend, transfer to others; or distribution or release it in any way.&#10;2.You are not permitted to provide the resource of iSlide Add-in in any website, platform, application access to the Internet or mobile Internet." title="iSlide™ 版权声明  COPYRIGHT NOTICE">
             <a:extLst>
               <a:ext uri="{FF2B5EF4-FFF2-40B4-BE49-F238E27FC236}">
-                <a16:creationId xmlns:a16="http://schemas.microsoft.com/office/drawing/2014/main" id="{8F428C0E-F962-42D7-BD1B-59E6CE01CC31}"/>
+                <a16:creationId xmlns:a16="http://schemas.microsoft.com/office/drawing/2014/main" xmlns="" id="{8F428C0E-F962-42D7-BD1B-59E6CE01CC31}"/>
               </a:ext>
             </a:extLst>
           </p:cNvPr>
@@ -8551,7 +8706,7 @@
             <p:cNvPr id="6" name="直接连接符 5">
               <a:extLst>
                 <a:ext uri="{FF2B5EF4-FFF2-40B4-BE49-F238E27FC236}">
-                  <a16:creationId xmlns:a16="http://schemas.microsoft.com/office/drawing/2014/main" id="{5BF9A06E-F92B-457D-8C69-3308A05363CD}"/>
+                  <a16:creationId xmlns:a16="http://schemas.microsoft.com/office/drawing/2014/main" xmlns="" id="{5BF9A06E-F92B-457D-8C69-3308A05363CD}"/>
                 </a:ext>
               </a:extLst>
             </p:cNvPr>
@@ -8589,7 +8744,7 @@
             <p:cNvPr id="7" name="ïsḻiḍê">
               <a:extLst>
                 <a:ext uri="{FF2B5EF4-FFF2-40B4-BE49-F238E27FC236}">
-                  <a16:creationId xmlns:a16="http://schemas.microsoft.com/office/drawing/2014/main" id="{E9293348-5126-4BD8-9766-47F35190779F}"/>
+                  <a16:creationId xmlns:a16="http://schemas.microsoft.com/office/drawing/2014/main" xmlns="" id="{E9293348-5126-4BD8-9766-47F35190779F}"/>
                 </a:ext>
               </a:extLst>
             </p:cNvPr>
@@ -8631,7 +8786,7 @@
             <p:cNvPr id="8" name="iŝḻíḍè">
               <a:extLst>
                 <a:ext uri="{FF2B5EF4-FFF2-40B4-BE49-F238E27FC236}">
-                  <a16:creationId xmlns:a16="http://schemas.microsoft.com/office/drawing/2014/main" id="{37C14182-9AD9-4035-BD29-5698CD49BB31}"/>
+                  <a16:creationId xmlns:a16="http://schemas.microsoft.com/office/drawing/2014/main" xmlns="" id="{37C14182-9AD9-4035-BD29-5698CD49BB31}"/>
                 </a:ext>
               </a:extLst>
             </p:cNvPr>
@@ -8675,7 +8830,7 @@
             <p:cNvPr id="12" name="ïṡḻidè">
               <a:extLst>
                 <a:ext uri="{FF2B5EF4-FFF2-40B4-BE49-F238E27FC236}">
-                  <a16:creationId xmlns:a16="http://schemas.microsoft.com/office/drawing/2014/main" id="{DBAB11C0-4810-4A94-8F28-13E26E0224EB}"/>
+                  <a16:creationId xmlns:a16="http://schemas.microsoft.com/office/drawing/2014/main" xmlns="" id="{DBAB11C0-4810-4A94-8F28-13E26E0224EB}"/>
                 </a:ext>
               </a:extLst>
             </p:cNvPr>
@@ -8731,7 +8886,7 @@
             <p:cNvPr id="13" name="ïṥļîḍê">
               <a:extLst>
                 <a:ext uri="{FF2B5EF4-FFF2-40B4-BE49-F238E27FC236}">
-                  <a16:creationId xmlns:a16="http://schemas.microsoft.com/office/drawing/2014/main" id="{3E47EB4A-3E15-4AA0-A30A-7F8B22A9DDBB}"/>
+                  <a16:creationId xmlns:a16="http://schemas.microsoft.com/office/drawing/2014/main" xmlns="" id="{3E47EB4A-3E15-4AA0-A30A-7F8B22A9DDBB}"/>
                 </a:ext>
               </a:extLst>
             </p:cNvPr>
@@ -8800,7 +8955,7 @@
             <p:cNvPr id="18" name="íṣḻîďe">
               <a:extLst>
                 <a:ext uri="{FF2B5EF4-FFF2-40B4-BE49-F238E27FC236}">
-                  <a16:creationId xmlns:a16="http://schemas.microsoft.com/office/drawing/2014/main" id="{B1894948-C048-4FFA-9212-A29C64020371}"/>
+                  <a16:creationId xmlns:a16="http://schemas.microsoft.com/office/drawing/2014/main" xmlns="" id="{B1894948-C048-4FFA-9212-A29C64020371}"/>
                 </a:ext>
               </a:extLst>
             </p:cNvPr>
@@ -8867,7 +9022,7 @@
             <p:cNvPr id="19" name="íśḷïḋe">
               <a:extLst>
                 <a:ext uri="{FF2B5EF4-FFF2-40B4-BE49-F238E27FC236}">
-                  <a16:creationId xmlns:a16="http://schemas.microsoft.com/office/drawing/2014/main" id="{74CCAC2C-9967-40C4-8CD7-00CF45620998}"/>
+                  <a16:creationId xmlns:a16="http://schemas.microsoft.com/office/drawing/2014/main" xmlns="" id="{74CCAC2C-9967-40C4-8CD7-00CF45620998}"/>
                 </a:ext>
               </a:extLst>
             </p:cNvPr>
@@ -8924,7 +9079,7 @@
           <p:cNvPr id="17" name="îşḻîḑê">
             <a:extLst>
               <a:ext uri="{FF2B5EF4-FFF2-40B4-BE49-F238E27FC236}">
-                <a16:creationId xmlns:a16="http://schemas.microsoft.com/office/drawing/2014/main" id="{F5F91314-A44B-A34F-AEA0-19A566165C3A}"/>
+                <a16:creationId xmlns:a16="http://schemas.microsoft.com/office/drawing/2014/main" xmlns="" id="{F5F91314-A44B-A34F-AEA0-19A566165C3A}"/>
               </a:ext>
             </a:extLst>
           </p:cNvPr>
@@ -8978,7 +9133,7 @@
           <p:cNvPr id="20" name="ï$ḷïdè">
             <a:extLst>
               <a:ext uri="{FF2B5EF4-FFF2-40B4-BE49-F238E27FC236}">
-                <a16:creationId xmlns:a16="http://schemas.microsoft.com/office/drawing/2014/main" id="{C9007282-385E-2041-A394-05C56AC0CF18}"/>
+                <a16:creationId xmlns:a16="http://schemas.microsoft.com/office/drawing/2014/main" xmlns="" id="{C9007282-385E-2041-A394-05C56AC0CF18}"/>
               </a:ext>
             </a:extLst>
           </p:cNvPr>
@@ -9045,7 +9200,7 @@
           <p:cNvPr id="21" name="îşḻîḑê">
             <a:extLst>
               <a:ext uri="{FF2B5EF4-FFF2-40B4-BE49-F238E27FC236}">
-                <a16:creationId xmlns:a16="http://schemas.microsoft.com/office/drawing/2014/main" id="{35941E75-FA42-4B26-8228-95005F0AAB6B}"/>
+                <a16:creationId xmlns:a16="http://schemas.microsoft.com/office/drawing/2014/main" xmlns="" id="{35941E75-FA42-4B26-8228-95005F0AAB6B}"/>
               </a:ext>
             </a:extLst>
           </p:cNvPr>
@@ -9099,7 +9254,7 @@
           <p:cNvPr id="22" name="ï$ḷïdè">
             <a:extLst>
               <a:ext uri="{FF2B5EF4-FFF2-40B4-BE49-F238E27FC236}">
-                <a16:creationId xmlns:a16="http://schemas.microsoft.com/office/drawing/2014/main" id="{52CEBE51-3AD1-443A-B980-D18C9C1CA3A7}"/>
+                <a16:creationId xmlns:a16="http://schemas.microsoft.com/office/drawing/2014/main" xmlns="" id="{52CEBE51-3AD1-443A-B980-D18C9C1CA3A7}"/>
               </a:ext>
             </a:extLst>
           </p:cNvPr>
@@ -9166,7 +9321,7 @@
           <p:cNvPr id="23" name="îSļîḓé">
             <a:extLst>
               <a:ext uri="{FF2B5EF4-FFF2-40B4-BE49-F238E27FC236}">
-                <a16:creationId xmlns:a16="http://schemas.microsoft.com/office/drawing/2014/main" id="{619BA977-8EE4-43BA-85FF-5088C8B3C478}"/>
+                <a16:creationId xmlns:a16="http://schemas.microsoft.com/office/drawing/2014/main" xmlns="" id="{619BA977-8EE4-43BA-85FF-5088C8B3C478}"/>
               </a:ext>
             </a:extLst>
           </p:cNvPr>
@@ -9222,7 +9377,7 @@
           <p:cNvPr id="24" name="ïS1îďè">
             <a:extLst>
               <a:ext uri="{FF2B5EF4-FFF2-40B4-BE49-F238E27FC236}">
-                <a16:creationId xmlns:a16="http://schemas.microsoft.com/office/drawing/2014/main" id="{FFB2AB9B-19D8-425A-B3BD-5ACBDDA88DA7}"/>
+                <a16:creationId xmlns:a16="http://schemas.microsoft.com/office/drawing/2014/main" xmlns="" id="{FFB2AB9B-19D8-425A-B3BD-5ACBDDA88DA7}"/>
               </a:ext>
             </a:extLst>
           </p:cNvPr>
@@ -9294,6 +9449,13 @@
   <p:clrMapOvr>
     <a:masterClrMapping/>
   </p:clrMapOvr>
+  <p:timing>
+    <p:tnLst>
+      <p:par>
+        <p:cTn id="1" dur="indefinite" restart="never" nodeType="tmRoot"/>
+      </p:par>
+    </p:tnLst>
+  </p:timing>
 </p:sld>
 </file>
 
@@ -9319,7 +9481,7 @@
           <p:cNvPr id="2" name="标题 1">
             <a:extLst>
               <a:ext uri="{FF2B5EF4-FFF2-40B4-BE49-F238E27FC236}">
-                <a16:creationId xmlns:a16="http://schemas.microsoft.com/office/drawing/2014/main" id="{1864F89D-DBDF-46B7-86F5-D7555A9BFA47}"/>
+                <a16:creationId xmlns:a16="http://schemas.microsoft.com/office/drawing/2014/main" xmlns="" id="{1864F89D-DBDF-46B7-86F5-D7555A9BFA47}"/>
               </a:ext>
             </a:extLst>
           </p:cNvPr>
@@ -9348,7 +9510,7 @@
           <p:cNvPr id="5" name="1a0afefe-8d8e-4304-8fde-5df01c78f0d9" descr="本素材由iSlide™ 提供&#10;iSlide™尊重知识产权并注重保护用户享有的各项权利。郑重提醒您：&#10;iSlide™插件中提供的任何信息内容的所有权、知识产权归其原始权利人或权利受让人所有，您免费/购买获得的是信息内容的使用权，并受下述条款的约束；&#10;1. 您仅可以个人非商业用途使用该等信息内容，不可将信息内容的全部或部分用于出售，或以出租、出借、转让、分销、发布等其他任何方式供他人使用；&#10;2. 禁止在接入互联网或移动互联网的任何网站、平台、应用或程序上以任何方式为他人提供iSlide™插件资源内容的下载。&#10;The resource is supplied by iSlide™.&#10;iSlide™ respects all intellectual property rights and protects all the rights its users acquired.Solemnly remind you:&#10;The ownership and intellectual property of the resources supplied in iSlide Add-in belongs to its owner or the assignee of this ownership.you only acquired the usage of the resources supplied in iSlide Add-in, as well as respected the following restrain terms:&#10;1.You are only allowed to use such resource for personal and non-commercial aim, not allowed to use such resource or part of it for the sale; or rent, lend, transfer to others; or distribution or release it in any way.&#10;2.You are not permitted to provide the resource of iSlide Add-in in any website, platform, application access to the Internet or mobile Internet." title="iSlide™ 版权声明  COPYRIGHT NOTICE">
             <a:extLst>
               <a:ext uri="{FF2B5EF4-FFF2-40B4-BE49-F238E27FC236}">
-                <a16:creationId xmlns:a16="http://schemas.microsoft.com/office/drawing/2014/main" id="{8F428C0E-F962-42D7-BD1B-59E6CE01CC31}"/>
+                <a16:creationId xmlns:a16="http://schemas.microsoft.com/office/drawing/2014/main" xmlns="" id="{8F428C0E-F962-42D7-BD1B-59E6CE01CC31}"/>
               </a:ext>
             </a:extLst>
           </p:cNvPr>
@@ -9374,7 +9536,7 @@
             <p:cNvPr id="6" name="直接连接符 5">
               <a:extLst>
                 <a:ext uri="{FF2B5EF4-FFF2-40B4-BE49-F238E27FC236}">
-                  <a16:creationId xmlns:a16="http://schemas.microsoft.com/office/drawing/2014/main" id="{5BF9A06E-F92B-457D-8C69-3308A05363CD}"/>
+                  <a16:creationId xmlns:a16="http://schemas.microsoft.com/office/drawing/2014/main" xmlns="" id="{5BF9A06E-F92B-457D-8C69-3308A05363CD}"/>
                 </a:ext>
               </a:extLst>
             </p:cNvPr>
@@ -9412,7 +9574,7 @@
             <p:cNvPr id="7" name="ïsḻiḍê">
               <a:extLst>
                 <a:ext uri="{FF2B5EF4-FFF2-40B4-BE49-F238E27FC236}">
-                  <a16:creationId xmlns:a16="http://schemas.microsoft.com/office/drawing/2014/main" id="{E9293348-5126-4BD8-9766-47F35190779F}"/>
+                  <a16:creationId xmlns:a16="http://schemas.microsoft.com/office/drawing/2014/main" xmlns="" id="{E9293348-5126-4BD8-9766-47F35190779F}"/>
                 </a:ext>
               </a:extLst>
             </p:cNvPr>
@@ -9454,7 +9616,7 @@
             <p:cNvPr id="8" name="iŝḻíḍè">
               <a:extLst>
                 <a:ext uri="{FF2B5EF4-FFF2-40B4-BE49-F238E27FC236}">
-                  <a16:creationId xmlns:a16="http://schemas.microsoft.com/office/drawing/2014/main" id="{37C14182-9AD9-4035-BD29-5698CD49BB31}"/>
+                  <a16:creationId xmlns:a16="http://schemas.microsoft.com/office/drawing/2014/main" xmlns="" id="{37C14182-9AD9-4035-BD29-5698CD49BB31}"/>
                 </a:ext>
               </a:extLst>
             </p:cNvPr>
@@ -9498,7 +9660,7 @@
             <p:cNvPr id="9" name="îşḻîḑê">
               <a:extLst>
                 <a:ext uri="{FF2B5EF4-FFF2-40B4-BE49-F238E27FC236}">
-                  <a16:creationId xmlns:a16="http://schemas.microsoft.com/office/drawing/2014/main" id="{4C13DC64-D590-480E-80ED-4F625385AC6D}"/>
+                  <a16:creationId xmlns:a16="http://schemas.microsoft.com/office/drawing/2014/main" xmlns="" id="{4C13DC64-D590-480E-80ED-4F625385AC6D}"/>
                 </a:ext>
               </a:extLst>
             </p:cNvPr>
@@ -9552,7 +9714,7 @@
             <p:cNvPr id="10" name="ï$ḷïdè">
               <a:extLst>
                 <a:ext uri="{FF2B5EF4-FFF2-40B4-BE49-F238E27FC236}">
-                  <a16:creationId xmlns:a16="http://schemas.microsoft.com/office/drawing/2014/main" id="{D85CFCC8-5FF8-401F-ACE3-F4299EC6C876}"/>
+                  <a16:creationId xmlns:a16="http://schemas.microsoft.com/office/drawing/2014/main" xmlns="" id="{D85CFCC8-5FF8-401F-ACE3-F4299EC6C876}"/>
                 </a:ext>
               </a:extLst>
             </p:cNvPr>
@@ -9621,7 +9783,7 @@
             <p:cNvPr id="12" name="ïṡḻidè">
               <a:extLst>
                 <a:ext uri="{FF2B5EF4-FFF2-40B4-BE49-F238E27FC236}">
-                  <a16:creationId xmlns:a16="http://schemas.microsoft.com/office/drawing/2014/main" id="{DBAB11C0-4810-4A94-8F28-13E26E0224EB}"/>
+                  <a16:creationId xmlns:a16="http://schemas.microsoft.com/office/drawing/2014/main" xmlns="" id="{DBAB11C0-4810-4A94-8F28-13E26E0224EB}"/>
                 </a:ext>
               </a:extLst>
             </p:cNvPr>
@@ -9677,7 +9839,7 @@
             <p:cNvPr id="13" name="ïṥļîḍê">
               <a:extLst>
                 <a:ext uri="{FF2B5EF4-FFF2-40B4-BE49-F238E27FC236}">
-                  <a16:creationId xmlns:a16="http://schemas.microsoft.com/office/drawing/2014/main" id="{3E47EB4A-3E15-4AA0-A30A-7F8B22A9DDBB}"/>
+                  <a16:creationId xmlns:a16="http://schemas.microsoft.com/office/drawing/2014/main" xmlns="" id="{3E47EB4A-3E15-4AA0-A30A-7F8B22A9DDBB}"/>
                 </a:ext>
               </a:extLst>
             </p:cNvPr>
@@ -9746,7 +9908,7 @@
             <p:cNvPr id="15" name="îSļîḓé">
               <a:extLst>
                 <a:ext uri="{FF2B5EF4-FFF2-40B4-BE49-F238E27FC236}">
-                  <a16:creationId xmlns:a16="http://schemas.microsoft.com/office/drawing/2014/main" id="{132A58B3-56BF-429D-8909-0DB69205F49C}"/>
+                  <a16:creationId xmlns:a16="http://schemas.microsoft.com/office/drawing/2014/main" xmlns="" id="{132A58B3-56BF-429D-8909-0DB69205F49C}"/>
                 </a:ext>
               </a:extLst>
             </p:cNvPr>
@@ -9802,7 +9964,7 @@
             <p:cNvPr id="16" name="ïS1îďè">
               <a:extLst>
                 <a:ext uri="{FF2B5EF4-FFF2-40B4-BE49-F238E27FC236}">
-                  <a16:creationId xmlns:a16="http://schemas.microsoft.com/office/drawing/2014/main" id="{FEA29D30-CB0C-4EE2-AB66-4E2EDEEF4EF0}"/>
+                  <a16:creationId xmlns:a16="http://schemas.microsoft.com/office/drawing/2014/main" xmlns="" id="{FEA29D30-CB0C-4EE2-AB66-4E2EDEEF4EF0}"/>
                 </a:ext>
               </a:extLst>
             </p:cNvPr>
@@ -9869,7 +10031,7 @@
             <p:cNvPr id="18" name="íṣḻîďe">
               <a:extLst>
                 <a:ext uri="{FF2B5EF4-FFF2-40B4-BE49-F238E27FC236}">
-                  <a16:creationId xmlns:a16="http://schemas.microsoft.com/office/drawing/2014/main" id="{B1894948-C048-4FFA-9212-A29C64020371}"/>
+                  <a16:creationId xmlns:a16="http://schemas.microsoft.com/office/drawing/2014/main" xmlns="" id="{B1894948-C048-4FFA-9212-A29C64020371}"/>
                 </a:ext>
               </a:extLst>
             </p:cNvPr>
@@ -9936,7 +10098,7 @@
             <p:cNvPr id="19" name="íśḷïḋe">
               <a:extLst>
                 <a:ext uri="{FF2B5EF4-FFF2-40B4-BE49-F238E27FC236}">
-                  <a16:creationId xmlns:a16="http://schemas.microsoft.com/office/drawing/2014/main" id="{74CCAC2C-9967-40C4-8CD7-00CF45620998}"/>
+                  <a16:creationId xmlns:a16="http://schemas.microsoft.com/office/drawing/2014/main" xmlns="" id="{74CCAC2C-9967-40C4-8CD7-00CF45620998}"/>
                 </a:ext>
               </a:extLst>
             </p:cNvPr>
@@ -9993,7 +10155,7 @@
           <p:cNvPr id="17" name="îşḻîḑê">
             <a:extLst>
               <a:ext uri="{FF2B5EF4-FFF2-40B4-BE49-F238E27FC236}">
-                <a16:creationId xmlns:a16="http://schemas.microsoft.com/office/drawing/2014/main" id="{F5F91314-A44B-A34F-AEA0-19A566165C3A}"/>
+                <a16:creationId xmlns:a16="http://schemas.microsoft.com/office/drawing/2014/main" xmlns="" id="{F5F91314-A44B-A34F-AEA0-19A566165C3A}"/>
               </a:ext>
             </a:extLst>
           </p:cNvPr>
@@ -10047,7 +10209,7 @@
           <p:cNvPr id="20" name="ï$ḷïdè">
             <a:extLst>
               <a:ext uri="{FF2B5EF4-FFF2-40B4-BE49-F238E27FC236}">
-                <a16:creationId xmlns:a16="http://schemas.microsoft.com/office/drawing/2014/main" id="{C9007282-385E-2041-A394-05C56AC0CF18}"/>
+                <a16:creationId xmlns:a16="http://schemas.microsoft.com/office/drawing/2014/main" xmlns="" id="{C9007282-385E-2041-A394-05C56AC0CF18}"/>
               </a:ext>
             </a:extLst>
           </p:cNvPr>
@@ -10119,6 +10281,13 @@
   <p:clrMapOvr>
     <a:masterClrMapping/>
   </p:clrMapOvr>
+  <p:timing>
+    <p:tnLst>
+      <p:par>
+        <p:cTn id="1" dur="indefinite" restart="never" nodeType="tmRoot"/>
+      </p:par>
+    </p:tnLst>
+  </p:timing>
 </p:sld>
 </file>
 
@@ -10207,7 +10376,7 @@
           <p:cNvPr id="5" name="文本框 4">
             <a:extLst>
               <a:ext uri="{FF2B5EF4-FFF2-40B4-BE49-F238E27FC236}">
-                <a16:creationId xmlns:a16="http://schemas.microsoft.com/office/drawing/2014/main" id="{122E3E2F-9DDE-4D94-A150-AF438CB8E6CA}"/>
+                <a16:creationId xmlns:a16="http://schemas.microsoft.com/office/drawing/2014/main" xmlns="" id="{122E3E2F-9DDE-4D94-A150-AF438CB8E6CA}"/>
               </a:ext>
             </a:extLst>
           </p:cNvPr>
@@ -10266,6 +10435,13 @@
   <p:clrMapOvr>
     <a:masterClrMapping/>
   </p:clrMapOvr>
+  <p:timing>
+    <p:tnLst>
+      <p:par>
+        <p:cTn id="1" dur="indefinite" restart="never" nodeType="tmRoot"/>
+      </p:par>
+    </p:tnLst>
+  </p:timing>
 </p:sld>
 </file>
 
@@ -10552,6 +10728,13 @@
   <p:clrMapOvr>
     <a:masterClrMapping/>
   </p:clrMapOvr>
+  <p:timing>
+    <p:tnLst>
+      <p:par>
+        <p:cTn id="1" dur="indefinite" restart="never" nodeType="tmRoot"/>
+      </p:par>
+    </p:tnLst>
+  </p:timing>
 </p:sld>
 </file>
 
@@ -10619,135 +10802,250 @@
           </a:p>
         </p:txBody>
       </p:sp>
-      <p:sp>
-        <p:nvSpPr>
-          <p:cNvPr id="5" name="矩形 4"/>
-          <p:cNvSpPr/>
-          <p:nvPr/>
-        </p:nvSpPr>
-        <p:spPr>
-          <a:xfrm>
-            <a:off x="337457" y="1171192"/>
-            <a:ext cx="11658600" cy="4524315"/>
-          </a:xfrm>
-          <a:prstGeom prst="rect">
-            <a:avLst/>
-          </a:prstGeom>
-        </p:spPr>
-        <p:txBody>
-          <a:bodyPr wrap="square">
-            <a:spAutoFit/>
-          </a:bodyPr>
-          <a:lstStyle/>
-          <a:p>
-            <a:r>
-              <a:rPr lang="en-US" altLang="zh-CN" sz="2400" b="1" dirty="0" err="1"/>
-              <a:t>scikit</a:t>
-            </a:r>
-            <a:r>
-              <a:rPr lang="en-US" altLang="zh-CN" sz="2400" b="1" dirty="0"/>
-              <a:t>-learn:</a:t>
-            </a:r>
-            <a:r>
-              <a:rPr lang="en-US" altLang="zh-CN" sz="2400" dirty="0"/>
-              <a:t> </a:t>
-            </a:r>
-            <a:r>
-              <a:rPr lang="en-US" altLang="zh-CN" sz="2400" dirty="0" err="1"/>
-              <a:t>sklearn.neural_network.MLPClassifier</a:t>
-            </a:r>
-            <a:endParaRPr lang="en-US" altLang="zh-CN" sz="2400" dirty="0"/>
-          </a:p>
-          <a:p>
-            <a:r>
-              <a:rPr lang="en-US" altLang="zh-CN" sz="2400" dirty="0"/>
-              <a:t>Multi-layer Perceptron classifier</a:t>
-            </a:r>
-          </a:p>
-          <a:p>
-            <a:r>
-              <a:rPr lang="en-US" altLang="zh-CN" sz="2400" dirty="0"/>
-              <a:t>This model optimizes the log-loss function using LBFGS or stochastic gradient descent.</a:t>
-            </a:r>
-          </a:p>
-          <a:p>
-            <a:r>
-              <a:rPr lang="en-US" altLang="zh-CN" sz="2400" b="1" dirty="0"/>
-              <a:t>Solver = ‘</a:t>
-            </a:r>
-            <a:r>
-              <a:rPr lang="en-US" altLang="zh-CN" sz="2400" b="1" dirty="0" err="1"/>
-              <a:t>adam</a:t>
-            </a:r>
-            <a:r>
-              <a:rPr lang="en-US" altLang="zh-CN" sz="2400" b="1" dirty="0"/>
-              <a:t>’</a:t>
-            </a:r>
-          </a:p>
-          <a:p>
-            <a:r>
-              <a:rPr lang="en-US" altLang="zh-CN" sz="2400" dirty="0"/>
-              <a:t>    stochastic gradient descent. works pretty well on relatively large datasets</a:t>
-            </a:r>
-          </a:p>
-          <a:p>
-            <a:r>
-              <a:rPr lang="en-US" altLang="zh-CN" sz="2400" b="1" dirty="0"/>
-              <a:t>Activation = ‘logistic’</a:t>
-            </a:r>
-          </a:p>
-          <a:p>
-            <a:r>
-              <a:rPr lang="en-US" altLang="zh-CN" sz="2400" dirty="0"/>
-              <a:t>    the logistic sigmoid function</a:t>
-            </a:r>
-          </a:p>
-          <a:p>
-            <a:r>
-              <a:rPr lang="en-US" altLang="zh-CN" sz="2400" b="1" dirty="0" err="1"/>
-              <a:t>max_iter</a:t>
-            </a:r>
-            <a:r>
-              <a:rPr lang="en-US" altLang="zh-CN" sz="2400" b="1" dirty="0"/>
-              <a:t>=10000</a:t>
-            </a:r>
-          </a:p>
-          <a:p>
-            <a:r>
-              <a:rPr lang="en-US" altLang="zh-CN" sz="2400" dirty="0"/>
-              <a:t>    </a:t>
-            </a:r>
-            <a:r>
-              <a:rPr lang="en-US" altLang="zh-CN" sz="2400" dirty="0" err="1"/>
-              <a:t>ConvergenceWarning</a:t>
-            </a:r>
-            <a:r>
-              <a:rPr lang="en-US" altLang="zh-CN" sz="2400" dirty="0"/>
-              <a:t>: Stochastic Optimizer: Maximum iterations (1000) reached and the optimization hasn't converged yet</a:t>
-            </a:r>
-          </a:p>
-          <a:p>
-            <a:r>
-              <a:rPr lang="en-US" altLang="zh-CN" sz="2400" b="1" dirty="0" err="1"/>
-              <a:t>hidden_layer_sizes</a:t>
-            </a:r>
-            <a:r>
-              <a:rPr lang="en-US" altLang="zh-CN" sz="2400" b="1" dirty="0"/>
-              <a:t>=(26,))</a:t>
-            </a:r>
-          </a:p>
-        </p:txBody>
-      </p:sp>
+      <mc:AlternateContent xmlns:mc="http://schemas.openxmlformats.org/markup-compatibility/2006">
+        <mc:Choice xmlns:a14="http://schemas.microsoft.com/office/drawing/2010/main" Requires="a14">
+          <p:sp>
+            <p:nvSpPr>
+              <p:cNvPr id="5" name="矩形 4"/>
+              <p:cNvSpPr/>
+              <p:nvPr/>
+            </p:nvSpPr>
+            <p:spPr>
+              <a:xfrm>
+                <a:off x="337457" y="1171192"/>
+                <a:ext cx="11658600" cy="3570529"/>
+              </a:xfrm>
+              <a:prstGeom prst="rect">
+                <a:avLst/>
+              </a:prstGeom>
+            </p:spPr>
+            <p:txBody>
+              <a:bodyPr wrap="square">
+                <a:spAutoFit/>
+              </a:bodyPr>
+              <a:lstStyle/>
+              <a:p>
+                <a:r>
+                  <a:rPr lang="en-US" altLang="zh-CN" sz="2400" b="1" dirty="0" smtClean="0"/>
+                  <a:t>tensorflow</a:t>
+                </a:r>
+                <a:endParaRPr lang="en-US" altLang="zh-CN" sz="2400" b="1" dirty="0"/>
+              </a:p>
+              <a:p>
+                <a:r>
+                  <a:rPr lang="en-US" altLang="zh-CN" sz="2400" dirty="0" smtClean="0"/>
+                  <a:t>Build back propagation neural network</a:t>
+                </a:r>
+                <a:r>
+                  <a:rPr lang="en-US" altLang="zh-CN" sz="2400" dirty="0" smtClean="0"/>
+                  <a:t> </a:t>
+                </a:r>
+                <a:r>
+                  <a:rPr lang="en-US" altLang="zh-CN" sz="2400" dirty="0"/>
+                  <a:t>classifier</a:t>
+                </a:r>
+              </a:p>
+              <a:p>
+                <a:endParaRPr lang="en-US" altLang="zh-CN" sz="2400" b="1" dirty="0" smtClean="0"/>
+              </a:p>
+              <a:p>
+                <a:r>
+                  <a:rPr lang="en-US" altLang="zh-CN" sz="2400" dirty="0" smtClean="0"/>
+                  <a:t>the logistic </a:t>
+                </a:r>
+                <a:r>
+                  <a:rPr lang="en-US" altLang="zh-CN" sz="2400" dirty="0"/>
+                  <a:t>sigmoid </a:t>
+                </a:r>
+                <a:r>
+                  <a:rPr lang="en-US" altLang="zh-CN" sz="2400" dirty="0" smtClean="0"/>
+                  <a:t>function</a:t>
+                </a:r>
+              </a:p>
+              <a:p>
+                <a:endParaRPr lang="en-US" altLang="zh-CN" sz="2400" b="1" dirty="0" smtClean="0"/>
+              </a:p>
+              <a:p>
+                <a:r>
+                  <a:rPr lang="en-US" altLang="zh-CN" sz="2400" dirty="0" smtClean="0"/>
+                  <a:t>Loss function</a:t>
+                </a:r>
+                <a:r>
+                  <a:rPr lang="en-US" altLang="zh-CN" sz="2400" b="1" dirty="0" smtClean="0"/>
+                  <a:t>: </a:t>
+                </a:r>
+                <a14:m>
+                  <m:oMath xmlns:m="http://schemas.openxmlformats.org/officeDocument/2006/math">
+                    <m:f>
+                      <m:fPr>
+                        <m:ctrlPr>
+                          <a:rPr lang="en-US" altLang="zh-CN" sz="2400" i="1" dirty="0" smtClean="0">
+                            <a:latin typeface="Cambria Math"/>
+                          </a:rPr>
+                        </m:ctrlPr>
+                      </m:fPr>
+                      <m:num>
+                        <m:r>
+                          <a:rPr lang="en-US" altLang="zh-CN" sz="2400" b="0" i="1" dirty="0" smtClean="0">
+                            <a:latin typeface="Cambria Math"/>
+                          </a:rPr>
+                          <m:t>1</m:t>
+                        </m:r>
+                      </m:num>
+                      <m:den>
+                        <m:r>
+                          <a:rPr lang="en-US" altLang="zh-CN" sz="2400" b="0" i="1" dirty="0" smtClean="0">
+                            <a:latin typeface="Cambria Math"/>
+                          </a:rPr>
+                          <m:t>𝑚</m:t>
+                        </m:r>
+                      </m:den>
+                    </m:f>
+                    <m:sSup>
+                      <m:sSupPr>
+                        <m:ctrlPr>
+                          <a:rPr lang="en-US" altLang="zh-CN" sz="2400" b="0" i="1" dirty="0" smtClean="0">
+                            <a:latin typeface="Cambria Math"/>
+                          </a:rPr>
+                        </m:ctrlPr>
+                      </m:sSupPr>
+                      <m:e>
+                        <m:r>
+                          <a:rPr lang="en-US" altLang="zh-CN" sz="2400" b="0" i="1" dirty="0" smtClean="0">
+                            <a:latin typeface="Cambria Math"/>
+                          </a:rPr>
+                          <m:t>(</m:t>
+                        </m:r>
+                        <m:r>
+                          <a:rPr lang="en-US" altLang="zh-CN" sz="2400" b="0" i="1" dirty="0" smtClean="0">
+                            <a:latin typeface="Cambria Math"/>
+                          </a:rPr>
+                          <m:t>𝑦</m:t>
+                        </m:r>
+                        <m:sSubSup>
+                          <m:sSubSupPr>
+                            <m:ctrlPr>
+                              <a:rPr lang="en-US" altLang="zh-CN" sz="2400" b="0" i="1" dirty="0" smtClean="0">
+                                <a:latin typeface="Cambria Math"/>
+                              </a:rPr>
+                            </m:ctrlPr>
+                          </m:sSubSupPr>
+                          <m:e>
+                            <m:r>
+                              <a:rPr lang="en-US" altLang="zh-CN" sz="2400" b="0" i="1" dirty="0" smtClean="0">
+                                <a:latin typeface="Cambria Math"/>
+                              </a:rPr>
+                              <m:t>−</m:t>
+                            </m:r>
+                            <m:r>
+                              <a:rPr lang="en-US" altLang="zh-CN" sz="2400" b="0" i="1" dirty="0" smtClean="0">
+                                <a:latin typeface="Cambria Math"/>
+                              </a:rPr>
+                              <m:t>𝑦</m:t>
+                            </m:r>
+                          </m:e>
+                          <m:sub>
+                            <m:r>
+                              <a:rPr lang="en-US" altLang="zh-CN" sz="2400" b="0" i="1" dirty="0" smtClean="0">
+                                <a:latin typeface="Cambria Math"/>
+                              </a:rPr>
+                              <m:t>𝑝𝑟𝑒𝑑𝑖𝑐𝑡𝑖𝑜𝑛</m:t>
+                            </m:r>
+                          </m:sub>
+                          <m:sup/>
+                        </m:sSubSup>
+                        <m:r>
+                          <a:rPr lang="en-US" altLang="zh-CN" sz="2400" b="0" i="1" dirty="0" smtClean="0">
+                            <a:latin typeface="Cambria Math"/>
+                          </a:rPr>
+                          <m:t>)</m:t>
+                        </m:r>
+                      </m:e>
+                      <m:sup>
+                        <m:r>
+                          <a:rPr lang="en-US" altLang="zh-CN" sz="2400" b="0" i="1" dirty="0" smtClean="0">
+                            <a:latin typeface="Cambria Math"/>
+                          </a:rPr>
+                          <m:t>2</m:t>
+                        </m:r>
+                      </m:sup>
+                    </m:sSup>
+                  </m:oMath>
+                </a14:m>
+                <a:endParaRPr lang="en-US" altLang="zh-CN" sz="2400" dirty="0" smtClean="0"/>
+              </a:p>
+              <a:p>
+                <a:endParaRPr lang="en-US" altLang="zh-CN" sz="2400" dirty="0"/>
+              </a:p>
+              <a:p>
+                <a:r>
+                  <a:rPr lang="en-US" altLang="zh-CN" sz="2400" dirty="0" smtClean="0"/>
+                  <a:t>Terminal condition: loss &lt;0.1</a:t>
+                </a:r>
+                <a:endParaRPr lang="en-US" altLang="zh-CN" sz="2400" dirty="0"/>
+              </a:p>
+              <a:p>
+                <a:endParaRPr lang="en-US" altLang="zh-CN" sz="2400" b="1" dirty="0"/>
+              </a:p>
+            </p:txBody>
+          </p:sp>
+        </mc:Choice>
+        <mc:Fallback>
+          <p:sp>
+            <p:nvSpPr>
+              <p:cNvPr id="5" name="矩形 4"/>
+              <p:cNvSpPr>
+                <a:spLocks noRot="1" noChangeAspect="1" noMove="1" noResize="1" noEditPoints="1" noAdjustHandles="1" noChangeArrowheads="1" noChangeShapeType="1" noTextEdit="1"/>
+              </p:cNvSpPr>
+              <p:nvPr/>
+            </p:nvSpPr>
+            <p:spPr>
+              <a:xfrm>
+                <a:off x="337457" y="1171192"/>
+                <a:ext cx="11658600" cy="3570529"/>
+              </a:xfrm>
+              <a:prstGeom prst="rect">
+                <a:avLst/>
+              </a:prstGeom>
+              <a:blipFill rotWithShape="1">
+                <a:blip r:embed="rId3"/>
+                <a:stretch>
+                  <a:fillRect l="-784" t="-1195"/>
+                </a:stretch>
+              </a:blipFill>
+            </p:spPr>
+            <p:txBody>
+              <a:bodyPr/>
+              <a:lstStyle/>
+              <a:p>
+                <a:r>
+                  <a:rPr lang="zh-CN" altLang="en-US">
+                    <a:noFill/>
+                  </a:rPr>
+                  <a:t> </a:t>
+                </a:r>
+              </a:p>
+            </p:txBody>
+          </p:sp>
+        </mc:Fallback>
+      </mc:AlternateContent>
     </p:spTree>
     <p:extLst>
       <p:ext uri="{BB962C8B-B14F-4D97-AF65-F5344CB8AC3E}">
-        <p14:creationId xmlns:p14="http://schemas.microsoft.com/office/powerpoint/2010/main" val="70498261"/>
+        <p14:creationId xmlns:p14="http://schemas.microsoft.com/office/powerpoint/2010/main" val="2073377876"/>
       </p:ext>
     </p:extLst>
   </p:cSld>
   <p:clrMapOvr>
     <a:masterClrMapping/>
   </p:clrMapOvr>
+  <p:timing>
+    <p:tnLst>
+      <p:par>
+        <p:cTn id="1" dur="indefinite" restart="never" nodeType="tmRoot"/>
+      </p:par>
+    </p:tnLst>
+  </p:timing>
 </p:sld>
 </file>
 
@@ -10815,6 +11113,183 @@
           </a:p>
         </p:txBody>
       </p:sp>
+      <p:sp>
+        <p:nvSpPr>
+          <p:cNvPr id="5" name="矩形 4"/>
+          <p:cNvSpPr/>
+          <p:nvPr/>
+        </p:nvSpPr>
+        <p:spPr>
+          <a:xfrm>
+            <a:off x="337457" y="1171192"/>
+            <a:ext cx="11658600" cy="3416320"/>
+          </a:xfrm>
+          <a:prstGeom prst="rect">
+            <a:avLst/>
+          </a:prstGeom>
+        </p:spPr>
+        <p:txBody>
+          <a:bodyPr wrap="square">
+            <a:spAutoFit/>
+          </a:bodyPr>
+          <a:lstStyle/>
+          <a:p>
+            <a:r>
+              <a:rPr lang="en-US" altLang="zh-CN" sz="2400" b="1" dirty="0" err="1"/>
+              <a:t>scikit</a:t>
+            </a:r>
+            <a:r>
+              <a:rPr lang="en-US" altLang="zh-CN" sz="2400" b="1" dirty="0"/>
+              <a:t>-learn:</a:t>
+            </a:r>
+            <a:r>
+              <a:rPr lang="en-US" altLang="zh-CN" sz="2400" dirty="0"/>
+              <a:t> </a:t>
+            </a:r>
+            <a:r>
+              <a:rPr lang="en-US" altLang="zh-CN" sz="2400" dirty="0" err="1"/>
+              <a:t>sklearn.neural_network.MLPClassifier</a:t>
+            </a:r>
+            <a:endParaRPr lang="en-US" altLang="zh-CN" sz="2400" dirty="0"/>
+          </a:p>
+          <a:p>
+            <a:r>
+              <a:rPr lang="en-US" altLang="zh-CN" sz="2400" dirty="0"/>
+              <a:t>Multi-layer Perceptron classifier</a:t>
+            </a:r>
+          </a:p>
+          <a:p>
+            <a:r>
+              <a:rPr lang="en-US" altLang="zh-CN" sz="2400" dirty="0"/>
+              <a:t>This model optimizes the log-loss function using LBFGS or stochastic gradient descent.</a:t>
+            </a:r>
+          </a:p>
+          <a:p>
+            <a:endParaRPr lang="en-US" altLang="zh-CN" sz="2400" b="1" dirty="0" smtClean="0"/>
+          </a:p>
+          <a:p>
+            <a:r>
+              <a:rPr lang="en-US" altLang="zh-CN" sz="2400" dirty="0" smtClean="0"/>
+              <a:t>Activation </a:t>
+            </a:r>
+            <a:r>
+              <a:rPr lang="en-US" altLang="zh-CN" sz="2400" dirty="0"/>
+              <a:t>= ‘logistic’</a:t>
+            </a:r>
+          </a:p>
+          <a:p>
+            <a:r>
+              <a:rPr lang="en-US" altLang="zh-CN" sz="2400" dirty="0"/>
+              <a:t>    the logistic </a:t>
+            </a:r>
+            <a:r>
+              <a:rPr lang="en-US" altLang="zh-CN" sz="2400"/>
+              <a:t>sigmoid </a:t>
+            </a:r>
+            <a:r>
+              <a:rPr lang="en-US" altLang="zh-CN" sz="2400" smtClean="0"/>
+              <a:t>function</a:t>
+            </a:r>
+          </a:p>
+          <a:p>
+            <a:endParaRPr lang="en-US" altLang="zh-CN" sz="2400" dirty="0"/>
+          </a:p>
+          <a:p>
+            <a:r>
+              <a:rPr lang="en-US" altLang="zh-CN" sz="2400" dirty="0" err="1" smtClean="0"/>
+              <a:t>hidden_layer_sizes</a:t>
+            </a:r>
+            <a:r>
+              <a:rPr lang="en-US" altLang="zh-CN" sz="2400" dirty="0"/>
+              <a:t>=(26,))</a:t>
+            </a:r>
+          </a:p>
+        </p:txBody>
+      </p:sp>
+    </p:spTree>
+    <p:extLst>
+      <p:ext uri="{BB962C8B-B14F-4D97-AF65-F5344CB8AC3E}">
+        <p14:creationId xmlns:p14="http://schemas.microsoft.com/office/powerpoint/2010/main" val="70498261"/>
+      </p:ext>
+    </p:extLst>
+  </p:cSld>
+  <p:clrMapOvr>
+    <a:masterClrMapping/>
+  </p:clrMapOvr>
+  <p:timing>
+    <p:tnLst>
+      <p:par>
+        <p:cTn id="1" dur="indefinite" restart="never" nodeType="tmRoot"/>
+      </p:par>
+    </p:tnLst>
+  </p:timing>
+</p:sld>
+</file>
+
+<file path=ppt/slides/slide24.xml><?xml version="1.0" encoding="utf-8"?>
+<p:sld xmlns:a="http://schemas.openxmlformats.org/drawingml/2006/main" xmlns:r="http://schemas.openxmlformats.org/officeDocument/2006/relationships" xmlns:p="http://schemas.openxmlformats.org/presentationml/2006/main">
+  <p:cSld>
+    <p:spTree>
+      <p:nvGrpSpPr>
+        <p:cNvPr id="1" name=""/>
+        <p:cNvGrpSpPr/>
+        <p:nvPr/>
+      </p:nvGrpSpPr>
+      <p:grpSpPr>
+        <a:xfrm>
+          <a:off x="0" y="0"/>
+          <a:ext cx="0" cy="0"/>
+          <a:chOff x="0" y="0"/>
+          <a:chExt cx="0" cy="0"/>
+        </a:xfrm>
+      </p:grpSpPr>
+      <p:sp>
+        <p:nvSpPr>
+          <p:cNvPr id="2" name="标题 1"/>
+          <p:cNvSpPr>
+            <a:spLocks noGrp="1"/>
+          </p:cNvSpPr>
+          <p:nvPr>
+            <p:ph type="title"/>
+          </p:nvPr>
+        </p:nvSpPr>
+        <p:spPr/>
+        <p:txBody>
+          <a:bodyPr/>
+          <a:lstStyle/>
+          <a:p>
+            <a:r>
+              <a:rPr lang="en-US" altLang="zh-CN" dirty="0"/>
+              <a:t>Neural network </a:t>
+            </a:r>
+            <a:endParaRPr lang="zh-CN" altLang="en-US" dirty="0"/>
+          </a:p>
+        </p:txBody>
+      </p:sp>
+      <p:sp>
+        <p:nvSpPr>
+          <p:cNvPr id="4" name="灯片编号占位符 3"/>
+          <p:cNvSpPr>
+            <a:spLocks noGrp="1"/>
+          </p:cNvSpPr>
+          <p:nvPr>
+            <p:ph type="sldNum" sz="quarter" idx="12"/>
+          </p:nvPr>
+        </p:nvSpPr>
+        <p:spPr/>
+        <p:txBody>
+          <a:bodyPr/>
+          <a:lstStyle/>
+          <a:p>
+            <a:fld id="{5DD3DB80-B894-403A-B48E-6FDC1A72010E}" type="slidenum">
+              <a:rPr lang="zh-CN" altLang="en-US" smtClean="0"/>
+              <a:pPr/>
+              <a:t>24</a:t>
+            </a:fld>
+            <a:endParaRPr lang="zh-CN" altLang="en-US"/>
+          </a:p>
+        </p:txBody>
+      </p:sp>
       <p:pic>
         <p:nvPicPr>
           <p:cNvPr id="2051" name="Picture 3"/>
@@ -10838,8 +11313,8 @@
         </p:blipFill>
         <p:spPr bwMode="auto">
           <a:xfrm>
-            <a:off x="6422842" y="1156069"/>
-            <a:ext cx="4375513" cy="4957024"/>
+            <a:off x="6504213" y="1200150"/>
+            <a:ext cx="4358509" cy="4937760"/>
           </a:xfrm>
           <a:prstGeom prst="rect">
             <a:avLst/>
@@ -10888,7 +11363,7 @@
         <p:spPr>
           <a:xfrm>
             <a:off x="544286" y="1393019"/>
-            <a:ext cx="1451038" cy="1569660"/>
+            <a:ext cx="1451038" cy="1446550"/>
           </a:xfrm>
           <a:prstGeom prst="rect">
             <a:avLst/>
@@ -10903,11 +11378,7 @@
           <a:p>
             <a:r>
               <a:rPr lang="en-US" altLang="zh-CN" sz="2000" b="1" dirty="0"/>
-              <a:t>Test set</a:t>
-            </a:r>
-            <a:r>
-              <a:rPr lang="en-US" altLang="zh-CN" sz="2800" b="1" dirty="0"/>
-              <a:t>:</a:t>
+              <a:t>Test set:</a:t>
             </a:r>
           </a:p>
           <a:p>
@@ -10951,70 +11422,70 @@
                 <a:gridCol w="528320">
                   <a:extLst>
                     <a:ext uri="{9D8B030D-6E8A-4147-A177-3AD203B41FA5}">
-                      <a16:colId xmlns:a16="http://schemas.microsoft.com/office/drawing/2014/main" val="20000"/>
+                      <a16:colId xmlns:a16="http://schemas.microsoft.com/office/drawing/2014/main" xmlns="" val="20000"/>
                     </a:ext>
                   </a:extLst>
                 </a:gridCol>
                 <a:gridCol w="528320">
                   <a:extLst>
                     <a:ext uri="{9D8B030D-6E8A-4147-A177-3AD203B41FA5}">
-                      <a16:colId xmlns:a16="http://schemas.microsoft.com/office/drawing/2014/main" val="20001"/>
+                      <a16:colId xmlns:a16="http://schemas.microsoft.com/office/drawing/2014/main" xmlns="" val="20001"/>
                     </a:ext>
                   </a:extLst>
                 </a:gridCol>
                 <a:gridCol w="528320">
                   <a:extLst>
                     <a:ext uri="{9D8B030D-6E8A-4147-A177-3AD203B41FA5}">
-                      <a16:colId xmlns:a16="http://schemas.microsoft.com/office/drawing/2014/main" val="20002"/>
+                      <a16:colId xmlns:a16="http://schemas.microsoft.com/office/drawing/2014/main" xmlns="" val="20002"/>
                     </a:ext>
                   </a:extLst>
                 </a:gridCol>
                 <a:gridCol w="528320">
                   <a:extLst>
                     <a:ext uri="{9D8B030D-6E8A-4147-A177-3AD203B41FA5}">
-                      <a16:colId xmlns:a16="http://schemas.microsoft.com/office/drawing/2014/main" val="20003"/>
+                      <a16:colId xmlns:a16="http://schemas.microsoft.com/office/drawing/2014/main" xmlns="" val="20003"/>
                     </a:ext>
                   </a:extLst>
                 </a:gridCol>
                 <a:gridCol w="528320">
                   <a:extLst>
                     <a:ext uri="{9D8B030D-6E8A-4147-A177-3AD203B41FA5}">
-                      <a16:colId xmlns:a16="http://schemas.microsoft.com/office/drawing/2014/main" val="20004"/>
+                      <a16:colId xmlns:a16="http://schemas.microsoft.com/office/drawing/2014/main" xmlns="" val="20004"/>
                     </a:ext>
                   </a:extLst>
                 </a:gridCol>
                 <a:gridCol w="528320">
                   <a:extLst>
                     <a:ext uri="{9D8B030D-6E8A-4147-A177-3AD203B41FA5}">
-                      <a16:colId xmlns:a16="http://schemas.microsoft.com/office/drawing/2014/main" val="20005"/>
+                      <a16:colId xmlns:a16="http://schemas.microsoft.com/office/drawing/2014/main" xmlns="" val="20005"/>
                     </a:ext>
                   </a:extLst>
                 </a:gridCol>
                 <a:gridCol w="528320">
                   <a:extLst>
                     <a:ext uri="{9D8B030D-6E8A-4147-A177-3AD203B41FA5}">
-                      <a16:colId xmlns:a16="http://schemas.microsoft.com/office/drawing/2014/main" val="20006"/>
+                      <a16:colId xmlns:a16="http://schemas.microsoft.com/office/drawing/2014/main" xmlns="" val="20006"/>
                     </a:ext>
                   </a:extLst>
                 </a:gridCol>
                 <a:gridCol w="528320">
                   <a:extLst>
                     <a:ext uri="{9D8B030D-6E8A-4147-A177-3AD203B41FA5}">
-                      <a16:colId xmlns:a16="http://schemas.microsoft.com/office/drawing/2014/main" val="20007"/>
+                      <a16:colId xmlns:a16="http://schemas.microsoft.com/office/drawing/2014/main" xmlns="" val="20007"/>
                     </a:ext>
                   </a:extLst>
                 </a:gridCol>
                 <a:gridCol w="528320">
                   <a:extLst>
                     <a:ext uri="{9D8B030D-6E8A-4147-A177-3AD203B41FA5}">
-                      <a16:colId xmlns:a16="http://schemas.microsoft.com/office/drawing/2014/main" val="20008"/>
+                      <a16:colId xmlns:a16="http://schemas.microsoft.com/office/drawing/2014/main" xmlns="" val="20008"/>
                     </a:ext>
                   </a:extLst>
                 </a:gridCol>
                 <a:gridCol w="528320">
                   <a:extLst>
                     <a:ext uri="{9D8B030D-6E8A-4147-A177-3AD203B41FA5}">
-                      <a16:colId xmlns:a16="http://schemas.microsoft.com/office/drawing/2014/main" val="20009"/>
+                      <a16:colId xmlns:a16="http://schemas.microsoft.com/office/drawing/2014/main" xmlns="" val="20009"/>
                     </a:ext>
                   </a:extLst>
                 </a:gridCol>
@@ -11162,7 +11633,7 @@
                 </a:tc>
                 <a:extLst>
                   <a:ext uri="{0D108BD9-81ED-4DB2-BD59-A6C34878D82A}">
-                    <a16:rowId xmlns:a16="http://schemas.microsoft.com/office/drawing/2014/main" val="10000"/>
+                    <a16:rowId xmlns:a16="http://schemas.microsoft.com/office/drawing/2014/main" xmlns="" val="10000"/>
                   </a:ext>
                 </a:extLst>
               </a:tr>
@@ -11309,7 +11780,7 @@
                 </a:tc>
                 <a:extLst>
                   <a:ext uri="{0D108BD9-81ED-4DB2-BD59-A6C34878D82A}">
-                    <a16:rowId xmlns:a16="http://schemas.microsoft.com/office/drawing/2014/main" val="10001"/>
+                    <a16:rowId xmlns:a16="http://schemas.microsoft.com/office/drawing/2014/main" xmlns="" val="10001"/>
                   </a:ext>
                 </a:extLst>
               </a:tr>
@@ -11456,7 +11927,7 @@
                 </a:tc>
                 <a:extLst>
                   <a:ext uri="{0D108BD9-81ED-4DB2-BD59-A6C34878D82A}">
-                    <a16:rowId xmlns:a16="http://schemas.microsoft.com/office/drawing/2014/main" val="10002"/>
+                    <a16:rowId xmlns:a16="http://schemas.microsoft.com/office/drawing/2014/main" xmlns="" val="10002"/>
                   </a:ext>
                 </a:extLst>
               </a:tr>
@@ -11603,7 +12074,7 @@
                 </a:tc>
                 <a:extLst>
                   <a:ext uri="{0D108BD9-81ED-4DB2-BD59-A6C34878D82A}">
-                    <a16:rowId xmlns:a16="http://schemas.microsoft.com/office/drawing/2014/main" val="10003"/>
+                    <a16:rowId xmlns:a16="http://schemas.microsoft.com/office/drawing/2014/main" xmlns="" val="10003"/>
                   </a:ext>
                 </a:extLst>
               </a:tr>
@@ -11734,7 +12205,7 @@
                 </a:tc>
                 <a:extLst>
                   <a:ext uri="{0D108BD9-81ED-4DB2-BD59-A6C34878D82A}">
-                    <a16:rowId xmlns:a16="http://schemas.microsoft.com/office/drawing/2014/main" val="10004"/>
+                    <a16:rowId xmlns:a16="http://schemas.microsoft.com/office/drawing/2014/main" xmlns="" val="10004"/>
                   </a:ext>
                 </a:extLst>
               </a:tr>
@@ -11865,7 +12336,7 @@
                 </a:tc>
                 <a:extLst>
                   <a:ext uri="{0D108BD9-81ED-4DB2-BD59-A6C34878D82A}">
-                    <a16:rowId xmlns:a16="http://schemas.microsoft.com/office/drawing/2014/main" val="10005"/>
+                    <a16:rowId xmlns:a16="http://schemas.microsoft.com/office/drawing/2014/main" xmlns="" val="10005"/>
                   </a:ext>
                 </a:extLst>
               </a:tr>
@@ -11876,17 +12347,24 @@
     </p:spTree>
     <p:extLst>
       <p:ext uri="{BB962C8B-B14F-4D97-AF65-F5344CB8AC3E}">
-        <p14:creationId xmlns:p14="http://schemas.microsoft.com/office/powerpoint/2010/main" val="3594811647"/>
+        <p14:creationId xmlns:p14="http://schemas.microsoft.com/office/powerpoint/2010/main" val="1107925726"/>
       </p:ext>
     </p:extLst>
   </p:cSld>
   <p:clrMapOvr>
     <a:masterClrMapping/>
   </p:clrMapOvr>
+  <p:timing>
+    <p:tnLst>
+      <p:par>
+        <p:cTn id="1" dur="indefinite" restart="never" nodeType="tmRoot"/>
+      </p:par>
+    </p:tnLst>
+  </p:timing>
 </p:sld>
 </file>
 
-<file path=ppt/slides/slide24.xml><?xml version="1.0" encoding="utf-8"?>
+<file path=ppt/slides/slide25.xml><?xml version="1.0" encoding="utf-8"?>
 <p:sld xmlns:a="http://schemas.openxmlformats.org/drawingml/2006/main" xmlns:r="http://schemas.openxmlformats.org/officeDocument/2006/relationships" xmlns:p="http://schemas.openxmlformats.org/presentationml/2006/main">
   <p:cSld>
     <p:spTree>
@@ -11944,7 +12422,7 @@
             <a:fld id="{5DD3DB80-B894-403A-B48E-6FDC1A72010E}" type="slidenum">
               <a:rPr lang="zh-CN" altLang="en-US" smtClean="0"/>
               <a:pPr/>
-              <a:t>24</a:t>
+              <a:t>25</a:t>
             </a:fld>
             <a:endParaRPr lang="zh-CN" altLang="en-US"/>
           </a:p>
@@ -12082,70 +12560,70 @@
                 <a:gridCol w="528320">
                   <a:extLst>
                     <a:ext uri="{9D8B030D-6E8A-4147-A177-3AD203B41FA5}">
-                      <a16:colId xmlns:a16="http://schemas.microsoft.com/office/drawing/2014/main" val="20000"/>
+                      <a16:colId xmlns:a16="http://schemas.microsoft.com/office/drawing/2014/main" xmlns="" val="20000"/>
                     </a:ext>
                   </a:extLst>
                 </a:gridCol>
                 <a:gridCol w="528320">
                   <a:extLst>
                     <a:ext uri="{9D8B030D-6E8A-4147-A177-3AD203B41FA5}">
-                      <a16:colId xmlns:a16="http://schemas.microsoft.com/office/drawing/2014/main" val="20001"/>
+                      <a16:colId xmlns:a16="http://schemas.microsoft.com/office/drawing/2014/main" xmlns="" val="20001"/>
                     </a:ext>
                   </a:extLst>
                 </a:gridCol>
                 <a:gridCol w="528320">
                   <a:extLst>
                     <a:ext uri="{9D8B030D-6E8A-4147-A177-3AD203B41FA5}">
-                      <a16:colId xmlns:a16="http://schemas.microsoft.com/office/drawing/2014/main" val="20002"/>
+                      <a16:colId xmlns:a16="http://schemas.microsoft.com/office/drawing/2014/main" xmlns="" val="20002"/>
                     </a:ext>
                   </a:extLst>
                 </a:gridCol>
                 <a:gridCol w="528320">
                   <a:extLst>
                     <a:ext uri="{9D8B030D-6E8A-4147-A177-3AD203B41FA5}">
-                      <a16:colId xmlns:a16="http://schemas.microsoft.com/office/drawing/2014/main" val="20003"/>
+                      <a16:colId xmlns:a16="http://schemas.microsoft.com/office/drawing/2014/main" xmlns="" val="20003"/>
                     </a:ext>
                   </a:extLst>
                 </a:gridCol>
                 <a:gridCol w="528320">
                   <a:extLst>
                     <a:ext uri="{9D8B030D-6E8A-4147-A177-3AD203B41FA5}">
-                      <a16:colId xmlns:a16="http://schemas.microsoft.com/office/drawing/2014/main" val="20004"/>
+                      <a16:colId xmlns:a16="http://schemas.microsoft.com/office/drawing/2014/main" xmlns="" val="20004"/>
                     </a:ext>
                   </a:extLst>
                 </a:gridCol>
                 <a:gridCol w="528320">
                   <a:extLst>
                     <a:ext uri="{9D8B030D-6E8A-4147-A177-3AD203B41FA5}">
-                      <a16:colId xmlns:a16="http://schemas.microsoft.com/office/drawing/2014/main" val="20005"/>
+                      <a16:colId xmlns:a16="http://schemas.microsoft.com/office/drawing/2014/main" xmlns="" val="20005"/>
                     </a:ext>
                   </a:extLst>
                 </a:gridCol>
                 <a:gridCol w="528320">
                   <a:extLst>
                     <a:ext uri="{9D8B030D-6E8A-4147-A177-3AD203B41FA5}">
-                      <a16:colId xmlns:a16="http://schemas.microsoft.com/office/drawing/2014/main" val="20006"/>
+                      <a16:colId xmlns:a16="http://schemas.microsoft.com/office/drawing/2014/main" xmlns="" val="20006"/>
                     </a:ext>
                   </a:extLst>
                 </a:gridCol>
                 <a:gridCol w="528320">
                   <a:extLst>
                     <a:ext uri="{9D8B030D-6E8A-4147-A177-3AD203B41FA5}">
-                      <a16:colId xmlns:a16="http://schemas.microsoft.com/office/drawing/2014/main" val="20007"/>
+                      <a16:colId xmlns:a16="http://schemas.microsoft.com/office/drawing/2014/main" xmlns="" val="20007"/>
                     </a:ext>
                   </a:extLst>
                 </a:gridCol>
                 <a:gridCol w="528320">
                   <a:extLst>
                     <a:ext uri="{9D8B030D-6E8A-4147-A177-3AD203B41FA5}">
-                      <a16:colId xmlns:a16="http://schemas.microsoft.com/office/drawing/2014/main" val="20008"/>
+                      <a16:colId xmlns:a16="http://schemas.microsoft.com/office/drawing/2014/main" xmlns="" val="20008"/>
                     </a:ext>
                   </a:extLst>
                 </a:gridCol>
                 <a:gridCol w="528320">
                   <a:extLst>
                     <a:ext uri="{9D8B030D-6E8A-4147-A177-3AD203B41FA5}">
-                      <a16:colId xmlns:a16="http://schemas.microsoft.com/office/drawing/2014/main" val="20009"/>
+                      <a16:colId xmlns:a16="http://schemas.microsoft.com/office/drawing/2014/main" xmlns="" val="20009"/>
                     </a:ext>
                   </a:extLst>
                 </a:gridCol>
@@ -12293,7 +12771,7 @@
                 </a:tc>
                 <a:extLst>
                   <a:ext uri="{0D108BD9-81ED-4DB2-BD59-A6C34878D82A}">
-                    <a16:rowId xmlns:a16="http://schemas.microsoft.com/office/drawing/2014/main" val="10000"/>
+                    <a16:rowId xmlns:a16="http://schemas.microsoft.com/office/drawing/2014/main" xmlns="" val="10000"/>
                   </a:ext>
                 </a:extLst>
               </a:tr>
@@ -12440,7 +12918,7 @@
                 </a:tc>
                 <a:extLst>
                   <a:ext uri="{0D108BD9-81ED-4DB2-BD59-A6C34878D82A}">
-                    <a16:rowId xmlns:a16="http://schemas.microsoft.com/office/drawing/2014/main" val="10001"/>
+                    <a16:rowId xmlns:a16="http://schemas.microsoft.com/office/drawing/2014/main" xmlns="" val="10001"/>
                   </a:ext>
                 </a:extLst>
               </a:tr>
@@ -12587,7 +13065,7 @@
                 </a:tc>
                 <a:extLst>
                   <a:ext uri="{0D108BD9-81ED-4DB2-BD59-A6C34878D82A}">
-                    <a16:rowId xmlns:a16="http://schemas.microsoft.com/office/drawing/2014/main" val="10002"/>
+                    <a16:rowId xmlns:a16="http://schemas.microsoft.com/office/drawing/2014/main" xmlns="" val="10002"/>
                   </a:ext>
                 </a:extLst>
               </a:tr>
@@ -12734,7 +13212,7 @@
                 </a:tc>
                 <a:extLst>
                   <a:ext uri="{0D108BD9-81ED-4DB2-BD59-A6C34878D82A}">
-                    <a16:rowId xmlns:a16="http://schemas.microsoft.com/office/drawing/2014/main" val="10003"/>
+                    <a16:rowId xmlns:a16="http://schemas.microsoft.com/office/drawing/2014/main" xmlns="" val="10003"/>
                   </a:ext>
                 </a:extLst>
               </a:tr>
@@ -12865,7 +13343,7 @@
                 </a:tc>
                 <a:extLst>
                   <a:ext uri="{0D108BD9-81ED-4DB2-BD59-A6C34878D82A}">
-                    <a16:rowId xmlns:a16="http://schemas.microsoft.com/office/drawing/2014/main" val="10004"/>
+                    <a16:rowId xmlns:a16="http://schemas.microsoft.com/office/drawing/2014/main" xmlns="" val="10004"/>
                   </a:ext>
                 </a:extLst>
               </a:tr>
@@ -12996,7 +13474,7 @@
                 </a:tc>
                 <a:extLst>
                   <a:ext uri="{0D108BD9-81ED-4DB2-BD59-A6C34878D82A}">
-                    <a16:rowId xmlns:a16="http://schemas.microsoft.com/office/drawing/2014/main" val="10005"/>
+                    <a16:rowId xmlns:a16="http://schemas.microsoft.com/office/drawing/2014/main" xmlns="" val="10005"/>
                   </a:ext>
                 </a:extLst>
               </a:tr>
@@ -13137,10 +13615,17 @@
   <p:clrMapOvr>
     <a:masterClrMapping/>
   </p:clrMapOvr>
+  <p:timing>
+    <p:tnLst>
+      <p:par>
+        <p:cTn id="1" dur="indefinite" restart="never" nodeType="tmRoot"/>
+      </p:par>
+    </p:tnLst>
+  </p:timing>
 </p:sld>
 </file>
 
-<file path=ppt/slides/slide25.xml><?xml version="1.0" encoding="utf-8"?>
+<file path=ppt/slides/slide26.xml><?xml version="1.0" encoding="utf-8"?>
 <p:sld xmlns:a="http://schemas.openxmlformats.org/drawingml/2006/main" xmlns:r="http://schemas.openxmlformats.org/officeDocument/2006/relationships" xmlns:p="http://schemas.openxmlformats.org/presentationml/2006/main">
   <p:cSld>
     <p:spTree>
@@ -13198,7 +13683,7 @@
             <a:fld id="{5DD3DB80-B894-403A-B48E-6FDC1A72010E}" type="slidenum">
               <a:rPr lang="zh-CN" altLang="en-US" smtClean="0"/>
               <a:pPr/>
-              <a:t>25</a:t>
+              <a:t>26</a:t>
             </a:fld>
             <a:endParaRPr lang="zh-CN" altLang="en-US"/>
           </a:p>
@@ -13362,42 +13847,42 @@
                 <a:gridCol w="1110275">
                   <a:extLst>
                     <a:ext uri="{9D8B030D-6E8A-4147-A177-3AD203B41FA5}">
-                      <a16:colId xmlns:a16="http://schemas.microsoft.com/office/drawing/2014/main" val="20000"/>
+                      <a16:colId xmlns:a16="http://schemas.microsoft.com/office/drawing/2014/main" xmlns="" val="20000"/>
                     </a:ext>
                   </a:extLst>
                 </a:gridCol>
                 <a:gridCol w="1098973">
                   <a:extLst>
                     <a:ext uri="{9D8B030D-6E8A-4147-A177-3AD203B41FA5}">
-                      <a16:colId xmlns:a16="http://schemas.microsoft.com/office/drawing/2014/main" val="20001"/>
+                      <a16:colId xmlns:a16="http://schemas.microsoft.com/office/drawing/2014/main" xmlns="" val="20001"/>
                     </a:ext>
                   </a:extLst>
                 </a:gridCol>
                 <a:gridCol w="1098973">
                   <a:extLst>
                     <a:ext uri="{9D8B030D-6E8A-4147-A177-3AD203B41FA5}">
-                      <a16:colId xmlns:a16="http://schemas.microsoft.com/office/drawing/2014/main" val="20002"/>
+                      <a16:colId xmlns:a16="http://schemas.microsoft.com/office/drawing/2014/main" xmlns="" val="20002"/>
                     </a:ext>
                   </a:extLst>
                 </a:gridCol>
                 <a:gridCol w="1098973">
                   <a:extLst>
                     <a:ext uri="{9D8B030D-6E8A-4147-A177-3AD203B41FA5}">
-                      <a16:colId xmlns:a16="http://schemas.microsoft.com/office/drawing/2014/main" val="20003"/>
+                      <a16:colId xmlns:a16="http://schemas.microsoft.com/office/drawing/2014/main" xmlns="" val="20003"/>
                     </a:ext>
                   </a:extLst>
                 </a:gridCol>
                 <a:gridCol w="1098973">
                   <a:extLst>
                     <a:ext uri="{9D8B030D-6E8A-4147-A177-3AD203B41FA5}">
-                      <a16:colId xmlns:a16="http://schemas.microsoft.com/office/drawing/2014/main" val="20004"/>
+                      <a16:colId xmlns:a16="http://schemas.microsoft.com/office/drawing/2014/main" xmlns="" val="20004"/>
                     </a:ext>
                   </a:extLst>
                 </a:gridCol>
                 <a:gridCol w="1098973">
                   <a:extLst>
                     <a:ext uri="{9D8B030D-6E8A-4147-A177-3AD203B41FA5}">
-                      <a16:colId xmlns:a16="http://schemas.microsoft.com/office/drawing/2014/main" val="20005"/>
+                      <a16:colId xmlns:a16="http://schemas.microsoft.com/office/drawing/2014/main" xmlns="" val="20005"/>
                     </a:ext>
                   </a:extLst>
                 </a:gridCol>
@@ -13485,7 +13970,7 @@
                 </a:tc>
                 <a:extLst>
                   <a:ext uri="{0D108BD9-81ED-4DB2-BD59-A6C34878D82A}">
-                    <a16:rowId xmlns:a16="http://schemas.microsoft.com/office/drawing/2014/main" val="10000"/>
+                    <a16:rowId xmlns:a16="http://schemas.microsoft.com/office/drawing/2014/main" xmlns="" val="10000"/>
                   </a:ext>
                 </a:extLst>
               </a:tr>
@@ -13576,7 +14061,7 @@
                 </a:tc>
                 <a:extLst>
                   <a:ext uri="{0D108BD9-81ED-4DB2-BD59-A6C34878D82A}">
-                    <a16:rowId xmlns:a16="http://schemas.microsoft.com/office/drawing/2014/main" val="10001"/>
+                    <a16:rowId xmlns:a16="http://schemas.microsoft.com/office/drawing/2014/main" xmlns="" val="10001"/>
                   </a:ext>
                 </a:extLst>
               </a:tr>
@@ -13622,8 +14107,8 @@
         </p:nvSpPr>
         <p:spPr>
           <a:xfrm>
-            <a:off x="4717554" y="4189739"/>
-            <a:ext cx="6854762" cy="1323439"/>
+            <a:off x="4885805" y="4189739"/>
+            <a:ext cx="6518259" cy="1015663"/>
           </a:xfrm>
           <a:prstGeom prst="rect">
             <a:avLst/>
@@ -13662,19 +14147,13 @@
             </a:pPr>
             <a:r>
               <a:rPr lang="en-US" altLang="zh-CN" sz="2000" dirty="0"/>
-              <a:t>26 Classes</a:t>
-            </a:r>
-          </a:p>
-          <a:p>
-            <a:pPr marL="342900" indent="-342900" algn="just">
-              <a:buFont typeface="Arial" panose="020B0604020202020204" pitchFamily="34" charset="0"/>
-              <a:buChar char="•"/>
-            </a:pPr>
-            <a:r>
-              <a:rPr lang="en-US" altLang="zh-CN" sz="2000" dirty="0"/>
-              <a:t>Loss function--non-convex, maybe only get local optima</a:t>
-            </a:r>
-            <a:endParaRPr lang="zh-CN" altLang="en-US" sz="2000" dirty="0"/>
+              <a:t>26 </a:t>
+            </a:r>
+            <a:r>
+              <a:rPr lang="en-US" altLang="zh-CN" sz="2000" dirty="0" smtClean="0"/>
+              <a:t>Classes</a:t>
+            </a:r>
+            <a:endParaRPr lang="en-US" altLang="zh-CN" sz="2000" dirty="0"/>
           </a:p>
         </p:txBody>
       </p:sp>
@@ -13688,10 +14167,17 @@
   <p:clrMapOvr>
     <a:masterClrMapping/>
   </p:clrMapOvr>
+  <p:timing>
+    <p:tnLst>
+      <p:par>
+        <p:cTn id="1" dur="indefinite" restart="never" nodeType="tmRoot"/>
+      </p:par>
+    </p:tnLst>
+  </p:timing>
 </p:sld>
 </file>
 
-<file path=ppt/slides/slide26.xml><?xml version="1.0" encoding="utf-8"?>
+<file path=ppt/slides/slide27.xml><?xml version="1.0" encoding="utf-8"?>
 <p:sld xmlns:a="http://schemas.openxmlformats.org/drawingml/2006/main" xmlns:r="http://schemas.openxmlformats.org/officeDocument/2006/relationships" xmlns:p="http://schemas.openxmlformats.org/presentationml/2006/main">
   <p:cSld>
     <p:spTree>
@@ -13713,7 +14199,7 @@
           <p:cNvPr id="2" name="标题 1">
             <a:extLst>
               <a:ext uri="{FF2B5EF4-FFF2-40B4-BE49-F238E27FC236}">
-                <a16:creationId xmlns:a16="http://schemas.microsoft.com/office/drawing/2014/main" id="{1864F89D-DBDF-46B7-86F5-D7555A9BFA47}"/>
+                <a16:creationId xmlns:a16="http://schemas.microsoft.com/office/drawing/2014/main" xmlns="" id="{1864F89D-DBDF-46B7-86F5-D7555A9BFA47}"/>
               </a:ext>
             </a:extLst>
           </p:cNvPr>
@@ -13742,7 +14228,7 @@
           <p:cNvPr id="5" name="1a0afefe-8d8e-4304-8fde-5df01c78f0d9" descr="本素材由iSlide™ 提供&#10;iSlide™尊重知识产权并注重保护用户享有的各项权利。郑重提醒您：&#10;iSlide™插件中提供的任何信息内容的所有权、知识产权归其原始权利人或权利受让人所有，您免费/购买获得的是信息内容的使用权，并受下述条款的约束；&#10;1. 您仅可以个人非商业用途使用该等信息内容，不可将信息内容的全部或部分用于出售，或以出租、出借、转让、分销、发布等其他任何方式供他人使用；&#10;2. 禁止在接入互联网或移动互联网的任何网站、平台、应用或程序上以任何方式为他人提供iSlide™插件资源内容的下载。&#10;The resource is supplied by iSlide™.&#10;iSlide™ respects all intellectual property rights and protects all the rights its users acquired.Solemnly remind you:&#10;The ownership and intellectual property of the resources supplied in iSlide Add-in belongs to its owner or the assignee of this ownership.you only acquired the usage of the resources supplied in iSlide Add-in, as well as respected the following restrain terms:&#10;1.You are only allowed to use such resource for personal and non-commercial aim, not allowed to use such resource or part of it for the sale; or rent, lend, transfer to others; or distribution or release it in any way.&#10;2.You are not permitted to provide the resource of iSlide Add-in in any website, platform, application access to the Internet or mobile Internet." title="iSlide™ 版权声明  COPYRIGHT NOTICE">
             <a:extLst>
               <a:ext uri="{FF2B5EF4-FFF2-40B4-BE49-F238E27FC236}">
-                <a16:creationId xmlns:a16="http://schemas.microsoft.com/office/drawing/2014/main" id="{8F428C0E-F962-42D7-BD1B-59E6CE01CC31}"/>
+                <a16:creationId xmlns:a16="http://schemas.microsoft.com/office/drawing/2014/main" xmlns="" id="{8F428C0E-F962-42D7-BD1B-59E6CE01CC31}"/>
               </a:ext>
             </a:extLst>
           </p:cNvPr>
@@ -13768,7 +14254,7 @@
             <p:cNvPr id="6" name="直接连接符 5">
               <a:extLst>
                 <a:ext uri="{FF2B5EF4-FFF2-40B4-BE49-F238E27FC236}">
-                  <a16:creationId xmlns:a16="http://schemas.microsoft.com/office/drawing/2014/main" id="{5BF9A06E-F92B-457D-8C69-3308A05363CD}"/>
+                  <a16:creationId xmlns:a16="http://schemas.microsoft.com/office/drawing/2014/main" xmlns="" id="{5BF9A06E-F92B-457D-8C69-3308A05363CD}"/>
                 </a:ext>
               </a:extLst>
             </p:cNvPr>
@@ -13806,7 +14292,7 @@
             <p:cNvPr id="7" name="ïsḻiḍê">
               <a:extLst>
                 <a:ext uri="{FF2B5EF4-FFF2-40B4-BE49-F238E27FC236}">
-                  <a16:creationId xmlns:a16="http://schemas.microsoft.com/office/drawing/2014/main" id="{E9293348-5126-4BD8-9766-47F35190779F}"/>
+                  <a16:creationId xmlns:a16="http://schemas.microsoft.com/office/drawing/2014/main" xmlns="" id="{E9293348-5126-4BD8-9766-47F35190779F}"/>
                 </a:ext>
               </a:extLst>
             </p:cNvPr>
@@ -13848,7 +14334,7 @@
             <p:cNvPr id="8" name="iŝḻíḍè">
               <a:extLst>
                 <a:ext uri="{FF2B5EF4-FFF2-40B4-BE49-F238E27FC236}">
-                  <a16:creationId xmlns:a16="http://schemas.microsoft.com/office/drawing/2014/main" id="{37C14182-9AD9-4035-BD29-5698CD49BB31}"/>
+                  <a16:creationId xmlns:a16="http://schemas.microsoft.com/office/drawing/2014/main" xmlns="" id="{37C14182-9AD9-4035-BD29-5698CD49BB31}"/>
                 </a:ext>
               </a:extLst>
             </p:cNvPr>
@@ -13892,7 +14378,7 @@
             <p:cNvPr id="12" name="ïṡḻidè">
               <a:extLst>
                 <a:ext uri="{FF2B5EF4-FFF2-40B4-BE49-F238E27FC236}">
-                  <a16:creationId xmlns:a16="http://schemas.microsoft.com/office/drawing/2014/main" id="{DBAB11C0-4810-4A94-8F28-13E26E0224EB}"/>
+                  <a16:creationId xmlns:a16="http://schemas.microsoft.com/office/drawing/2014/main" xmlns="" id="{DBAB11C0-4810-4A94-8F28-13E26E0224EB}"/>
                 </a:ext>
               </a:extLst>
             </p:cNvPr>
@@ -13948,7 +14434,7 @@
             <p:cNvPr id="13" name="ïṥļîḍê">
               <a:extLst>
                 <a:ext uri="{FF2B5EF4-FFF2-40B4-BE49-F238E27FC236}">
-                  <a16:creationId xmlns:a16="http://schemas.microsoft.com/office/drawing/2014/main" id="{3E47EB4A-3E15-4AA0-A30A-7F8B22A9DDBB}"/>
+                  <a16:creationId xmlns:a16="http://schemas.microsoft.com/office/drawing/2014/main" xmlns="" id="{3E47EB4A-3E15-4AA0-A30A-7F8B22A9DDBB}"/>
                 </a:ext>
               </a:extLst>
             </p:cNvPr>
@@ -14018,7 +14504,7 @@
           <p:cNvPr id="17" name="îşḻîḑê">
             <a:extLst>
               <a:ext uri="{FF2B5EF4-FFF2-40B4-BE49-F238E27FC236}">
-                <a16:creationId xmlns:a16="http://schemas.microsoft.com/office/drawing/2014/main" id="{F5F91314-A44B-A34F-AEA0-19A566165C3A}"/>
+                <a16:creationId xmlns:a16="http://schemas.microsoft.com/office/drawing/2014/main" xmlns="" id="{F5F91314-A44B-A34F-AEA0-19A566165C3A}"/>
               </a:ext>
             </a:extLst>
           </p:cNvPr>
@@ -14072,7 +14558,7 @@
           <p:cNvPr id="20" name="ï$ḷïdè">
             <a:extLst>
               <a:ext uri="{FF2B5EF4-FFF2-40B4-BE49-F238E27FC236}">
-                <a16:creationId xmlns:a16="http://schemas.microsoft.com/office/drawing/2014/main" id="{C9007282-385E-2041-A394-05C56AC0CF18}"/>
+                <a16:creationId xmlns:a16="http://schemas.microsoft.com/office/drawing/2014/main" xmlns="" id="{C9007282-385E-2041-A394-05C56AC0CF18}"/>
               </a:ext>
             </a:extLst>
           </p:cNvPr>
@@ -14139,7 +14625,7 @@
           <p:cNvPr id="21" name="îşḻîḑê">
             <a:extLst>
               <a:ext uri="{FF2B5EF4-FFF2-40B4-BE49-F238E27FC236}">
-                <a16:creationId xmlns:a16="http://schemas.microsoft.com/office/drawing/2014/main" id="{35941E75-FA42-4B26-8228-95005F0AAB6B}"/>
+                <a16:creationId xmlns:a16="http://schemas.microsoft.com/office/drawing/2014/main" xmlns="" id="{35941E75-FA42-4B26-8228-95005F0AAB6B}"/>
               </a:ext>
             </a:extLst>
           </p:cNvPr>
@@ -14193,7 +14679,7 @@
           <p:cNvPr id="22" name="ï$ḷïdè">
             <a:extLst>
               <a:ext uri="{FF2B5EF4-FFF2-40B4-BE49-F238E27FC236}">
-                <a16:creationId xmlns:a16="http://schemas.microsoft.com/office/drawing/2014/main" id="{52CEBE51-3AD1-443A-B980-D18C9C1CA3A7}"/>
+                <a16:creationId xmlns:a16="http://schemas.microsoft.com/office/drawing/2014/main" xmlns="" id="{52CEBE51-3AD1-443A-B980-D18C9C1CA3A7}"/>
               </a:ext>
             </a:extLst>
           </p:cNvPr>
@@ -14260,7 +14746,7 @@
           <p:cNvPr id="25" name="îSļîḓé">
             <a:extLst>
               <a:ext uri="{FF2B5EF4-FFF2-40B4-BE49-F238E27FC236}">
-                <a16:creationId xmlns:a16="http://schemas.microsoft.com/office/drawing/2014/main" id="{6EAE26A0-8683-4250-BF86-DE7A50829B53}"/>
+                <a16:creationId xmlns:a16="http://schemas.microsoft.com/office/drawing/2014/main" xmlns="" id="{6EAE26A0-8683-4250-BF86-DE7A50829B53}"/>
               </a:ext>
             </a:extLst>
           </p:cNvPr>
@@ -14316,7 +14802,7 @@
           <p:cNvPr id="26" name="ïS1îďè">
             <a:extLst>
               <a:ext uri="{FF2B5EF4-FFF2-40B4-BE49-F238E27FC236}">
-                <a16:creationId xmlns:a16="http://schemas.microsoft.com/office/drawing/2014/main" id="{13C89799-23CA-40D4-AFAD-7C9E253AA8E9}"/>
+                <a16:creationId xmlns:a16="http://schemas.microsoft.com/office/drawing/2014/main" xmlns="" id="{13C89799-23CA-40D4-AFAD-7C9E253AA8E9}"/>
               </a:ext>
             </a:extLst>
           </p:cNvPr>
@@ -14383,7 +14869,7 @@
           <p:cNvPr id="27" name="íṣḻîďe">
             <a:extLst>
               <a:ext uri="{FF2B5EF4-FFF2-40B4-BE49-F238E27FC236}">
-                <a16:creationId xmlns:a16="http://schemas.microsoft.com/office/drawing/2014/main" id="{671A3E52-1CE9-40A8-809F-D7FD4FC29DA7}"/>
+                <a16:creationId xmlns:a16="http://schemas.microsoft.com/office/drawing/2014/main" xmlns="" id="{671A3E52-1CE9-40A8-809F-D7FD4FC29DA7}"/>
               </a:ext>
             </a:extLst>
           </p:cNvPr>
@@ -14450,7 +14936,7 @@
           <p:cNvPr id="28" name="íśḷïḋe">
             <a:extLst>
               <a:ext uri="{FF2B5EF4-FFF2-40B4-BE49-F238E27FC236}">
-                <a16:creationId xmlns:a16="http://schemas.microsoft.com/office/drawing/2014/main" id="{4518CF53-158C-4C85-935A-71FB7B559162}"/>
+                <a16:creationId xmlns:a16="http://schemas.microsoft.com/office/drawing/2014/main" xmlns="" id="{4518CF53-158C-4C85-935A-71FB7B559162}"/>
               </a:ext>
             </a:extLst>
           </p:cNvPr>
@@ -14511,10 +14997,17 @@
   <p:clrMapOvr>
     <a:masterClrMapping/>
   </p:clrMapOvr>
+  <p:timing>
+    <p:tnLst>
+      <p:par>
+        <p:cTn id="1" dur="indefinite" restart="never" nodeType="tmRoot"/>
+      </p:par>
+    </p:tnLst>
+  </p:timing>
 </p:sld>
 </file>
 
-<file path=ppt/slides/slide27.xml><?xml version="1.0" encoding="utf-8"?>
+<file path=ppt/slides/slide28.xml><?xml version="1.0" encoding="utf-8"?>
 <p:sld xmlns:a="http://schemas.openxmlformats.org/drawingml/2006/main" xmlns:r="http://schemas.openxmlformats.org/officeDocument/2006/relationships" xmlns:p="http://schemas.openxmlformats.org/presentationml/2006/main">
   <p:cSld>
     <p:spTree>
@@ -14599,7 +15092,7 @@
           <p:cNvPr id="5" name="文本框 4">
             <a:extLst>
               <a:ext uri="{FF2B5EF4-FFF2-40B4-BE49-F238E27FC236}">
-                <a16:creationId xmlns:a16="http://schemas.microsoft.com/office/drawing/2014/main" id="{122E3E2F-9DDE-4D94-A150-AF438CB8E6CA}"/>
+                <a16:creationId xmlns:a16="http://schemas.microsoft.com/office/drawing/2014/main" xmlns="" id="{122E3E2F-9DDE-4D94-A150-AF438CB8E6CA}"/>
               </a:ext>
             </a:extLst>
           </p:cNvPr>
@@ -14658,221 +15151,13 @@
   <p:clrMapOvr>
     <a:masterClrMapping/>
   </p:clrMapOvr>
-</p:sld>
-</file>
-
-<file path=ppt/slides/slide28.xml><?xml version="1.0" encoding="utf-8"?>
-<p:sld xmlns:a="http://schemas.openxmlformats.org/drawingml/2006/main" xmlns:r="http://schemas.openxmlformats.org/officeDocument/2006/relationships" xmlns:p="http://schemas.openxmlformats.org/presentationml/2006/main">
-  <p:cSld>
-    <p:spTree>
-      <p:nvGrpSpPr>
-        <p:cNvPr id="1" name=""/>
-        <p:cNvGrpSpPr/>
-        <p:nvPr/>
-      </p:nvGrpSpPr>
-      <p:grpSpPr>
-        <a:xfrm>
-          <a:off x="0" y="0"/>
-          <a:ext cx="0" cy="0"/>
-          <a:chOff x="0" y="0"/>
-          <a:chExt cx="0" cy="0"/>
-        </a:xfrm>
-      </p:grpSpPr>
-      <p:sp>
-        <p:nvSpPr>
-          <p:cNvPr id="2" name="Title 1">
-            <a:extLst>
-              <a:ext uri="{FF2B5EF4-FFF2-40B4-BE49-F238E27FC236}">
-                <a16:creationId xmlns:a16="http://schemas.microsoft.com/office/drawing/2014/main" id="{373C22C7-151E-9244-AA34-BDFD1EFAB060}"/>
-              </a:ext>
-            </a:extLst>
-          </p:cNvPr>
-          <p:cNvSpPr>
-            <a:spLocks noGrp="1"/>
-          </p:cNvSpPr>
-          <p:nvPr>
-            <p:ph type="title"/>
-          </p:nvPr>
-        </p:nvSpPr>
-        <p:spPr/>
-        <p:txBody>
-          <a:bodyPr/>
-          <a:lstStyle/>
-          <a:p>
-            <a:r>
-              <a:rPr lang="en-US" dirty="0"/>
-              <a:t>Demo</a:t>
-            </a:r>
-          </a:p>
-        </p:txBody>
-      </p:sp>
-      <p:sp>
-        <p:nvSpPr>
-          <p:cNvPr id="3" name="Footer Placeholder 2">
-            <a:extLst>
-              <a:ext uri="{FF2B5EF4-FFF2-40B4-BE49-F238E27FC236}">
-                <a16:creationId xmlns:a16="http://schemas.microsoft.com/office/drawing/2014/main" id="{76EA2980-B8F0-E241-8F6F-7B50746FCE29}"/>
-              </a:ext>
-            </a:extLst>
-          </p:cNvPr>
-          <p:cNvSpPr>
-            <a:spLocks noGrp="1"/>
-          </p:cNvSpPr>
-          <p:nvPr>
-            <p:ph type="ftr" sz="quarter" idx="11"/>
-          </p:nvPr>
-        </p:nvSpPr>
-        <p:spPr/>
-        <p:txBody>
-          <a:bodyPr/>
-          <a:lstStyle/>
-          <a:p>
-            <a:r>
-              <a:rPr lang="en-US" altLang="zh-CN"/>
-              <a:t>www.islide.cc</a:t>
-            </a:r>
-            <a:endParaRPr lang="zh-CN" altLang="en-US" dirty="0"/>
-          </a:p>
-        </p:txBody>
-      </p:sp>
-      <p:sp>
-        <p:nvSpPr>
-          <p:cNvPr id="4" name="Slide Number Placeholder 3">
-            <a:extLst>
-              <a:ext uri="{FF2B5EF4-FFF2-40B4-BE49-F238E27FC236}">
-                <a16:creationId xmlns:a16="http://schemas.microsoft.com/office/drawing/2014/main" id="{4780A2A2-A16E-2D45-958A-459C94BBE2FE}"/>
-              </a:ext>
-            </a:extLst>
-          </p:cNvPr>
-          <p:cNvSpPr>
-            <a:spLocks noGrp="1"/>
-          </p:cNvSpPr>
-          <p:nvPr>
-            <p:ph type="sldNum" sz="quarter" idx="12"/>
-          </p:nvPr>
-        </p:nvSpPr>
-        <p:spPr/>
-        <p:txBody>
-          <a:bodyPr/>
-          <a:lstStyle/>
-          <a:p>
-            <a:fld id="{5DD3DB80-B894-403A-B48E-6FDC1A72010E}" type="slidenum">
-              <a:rPr lang="zh-CN" altLang="en-US" smtClean="0"/>
-              <a:pPr/>
-              <a:t>28</a:t>
-            </a:fld>
-            <a:endParaRPr lang="zh-CN" altLang="en-US"/>
-          </a:p>
-        </p:txBody>
-      </p:sp>
-      <p:sp>
-        <p:nvSpPr>
-          <p:cNvPr id="5" name="TextBox 4">
-            <a:extLst>
-              <a:ext uri="{FF2B5EF4-FFF2-40B4-BE49-F238E27FC236}">
-                <a16:creationId xmlns:a16="http://schemas.microsoft.com/office/drawing/2014/main" id="{72DC4038-0469-7D4A-8F17-59EF6BC15F2E}"/>
-              </a:ext>
-            </a:extLst>
-          </p:cNvPr>
-          <p:cNvSpPr txBox="1"/>
-          <p:nvPr/>
-        </p:nvSpPr>
-        <p:spPr>
-          <a:xfrm>
-            <a:off x="669924" y="1315092"/>
-            <a:ext cx="5063056" cy="461665"/>
-          </a:xfrm>
-          <a:prstGeom prst="rect">
-            <a:avLst/>
-          </a:prstGeom>
-          <a:noFill/>
-        </p:spPr>
-        <p:txBody>
-          <a:bodyPr wrap="square" rtlCol="0">
-            <a:spAutoFit/>
-          </a:bodyPr>
-          <a:lstStyle/>
-          <a:p>
-            <a:r>
-              <a:rPr lang="en-US" sz="2400" dirty="0"/>
-              <a:t>The Function of Identification Image</a:t>
-            </a:r>
-          </a:p>
-        </p:txBody>
-      </p:sp>
-      <p:sp>
-        <p:nvSpPr>
-          <p:cNvPr id="7" name="TextBox 6">
-            <a:extLst>
-              <a:ext uri="{FF2B5EF4-FFF2-40B4-BE49-F238E27FC236}">
-                <a16:creationId xmlns:a16="http://schemas.microsoft.com/office/drawing/2014/main" id="{8BBE4B03-D72A-2446-A6B8-98789E3802A5}"/>
-              </a:ext>
-            </a:extLst>
-          </p:cNvPr>
-          <p:cNvSpPr txBox="1"/>
-          <p:nvPr/>
-        </p:nvSpPr>
-        <p:spPr>
-          <a:xfrm>
-            <a:off x="863029" y="2137025"/>
-            <a:ext cx="8948791" cy="958596"/>
-          </a:xfrm>
-          <a:prstGeom prst="rect">
-            <a:avLst/>
-          </a:prstGeom>
-          <a:noFill/>
-        </p:spPr>
-        <p:txBody>
-          <a:bodyPr wrap="square" rtlCol="0">
-            <a:spAutoFit/>
-          </a:bodyPr>
-          <a:lstStyle/>
-          <a:p>
-            <a:pPr marL="285750" indent="-285750">
-              <a:lnSpc>
-                <a:spcPct val="150000"/>
-              </a:lnSpc>
-              <a:buFont typeface="Arial" panose="020B0604020202020204" pitchFamily="34" charset="0"/>
-              <a:buChar char="•"/>
-            </a:pPr>
-            <a:r>
-              <a:rPr lang="en-US" sz="2000" dirty="0"/>
-              <a:t>The Python program will identify the word in the image</a:t>
-            </a:r>
-          </a:p>
-          <a:p>
-            <a:pPr marL="285750" indent="-285750">
-              <a:lnSpc>
-                <a:spcPct val="150000"/>
-              </a:lnSpc>
-              <a:buFont typeface="Arial" panose="020B0604020202020204" pitchFamily="34" charset="0"/>
-              <a:buChar char="•"/>
-            </a:pPr>
-            <a:r>
-              <a:rPr lang="en-US" sz="2000" dirty="0"/>
-              <a:t>The camera will recognize the </a:t>
-            </a:r>
-            <a:r>
-              <a:rPr lang="en-US" sz="2000" b="1" dirty="0"/>
-              <a:t>feature points </a:t>
-            </a:r>
-            <a:r>
-              <a:rPr lang="en-US" sz="2000" dirty="0"/>
-              <a:t>in the image</a:t>
-            </a:r>
-          </a:p>
-        </p:txBody>
-      </p:sp>
-    </p:spTree>
-    <p:extLst>
-      <p:ext uri="{BB962C8B-B14F-4D97-AF65-F5344CB8AC3E}">
-        <p14:creationId xmlns:p14="http://schemas.microsoft.com/office/powerpoint/2010/main" val="2822614940"/>
-      </p:ext>
-    </p:extLst>
-  </p:cSld>
-  <p:clrMapOvr>
-    <a:masterClrMapping/>
-  </p:clrMapOvr>
+  <p:timing>
+    <p:tnLst>
+      <p:par>
+        <p:cTn id="1" dur="indefinite" restart="never" nodeType="tmRoot"/>
+      </p:par>
+    </p:tnLst>
+  </p:timing>
 </p:sld>
 </file>
 
@@ -14898,7 +15183,7 @@
           <p:cNvPr id="2" name="Title 1">
             <a:extLst>
               <a:ext uri="{FF2B5EF4-FFF2-40B4-BE49-F238E27FC236}">
-                <a16:creationId xmlns:a16="http://schemas.microsoft.com/office/drawing/2014/main" id="{18C00788-A62C-5743-A56A-FA0FDAD841A8}"/>
+                <a16:creationId xmlns:a16="http://schemas.microsoft.com/office/drawing/2014/main" xmlns="" id="{373C22C7-151E-9244-AA34-BDFD1EFAB060}"/>
               </a:ext>
             </a:extLst>
           </p:cNvPr>
@@ -14923,10 +15208,39 @@
       </p:sp>
       <p:sp>
         <p:nvSpPr>
+          <p:cNvPr id="3" name="Footer Placeholder 2">
+            <a:extLst>
+              <a:ext uri="{FF2B5EF4-FFF2-40B4-BE49-F238E27FC236}">
+                <a16:creationId xmlns:a16="http://schemas.microsoft.com/office/drawing/2014/main" xmlns="" id="{76EA2980-B8F0-E241-8F6F-7B50746FCE29}"/>
+              </a:ext>
+            </a:extLst>
+          </p:cNvPr>
+          <p:cNvSpPr>
+            <a:spLocks noGrp="1"/>
+          </p:cNvSpPr>
+          <p:nvPr>
+            <p:ph type="ftr" sz="quarter" idx="11"/>
+          </p:nvPr>
+        </p:nvSpPr>
+        <p:spPr/>
+        <p:txBody>
+          <a:bodyPr/>
+          <a:lstStyle/>
+          <a:p>
+            <a:r>
+              <a:rPr lang="en-US" altLang="zh-CN"/>
+              <a:t>www.islide.cc</a:t>
+            </a:r>
+            <a:endParaRPr lang="zh-CN" altLang="en-US" dirty="0"/>
+          </a:p>
+        </p:txBody>
+      </p:sp>
+      <p:sp>
+        <p:nvSpPr>
           <p:cNvPr id="4" name="Slide Number Placeholder 3">
             <a:extLst>
               <a:ext uri="{FF2B5EF4-FFF2-40B4-BE49-F238E27FC236}">
-                <a16:creationId xmlns:a16="http://schemas.microsoft.com/office/drawing/2014/main" id="{408CA041-C818-3D48-AFA6-AE487ECB6F73}"/>
+                <a16:creationId xmlns:a16="http://schemas.microsoft.com/office/drawing/2014/main" xmlns="" id="{4780A2A2-A16E-2D45-958A-459C94BBE2FE}"/>
               </a:ext>
             </a:extLst>
           </p:cNvPr>
@@ -14953,681 +15267,119 @@
       </p:sp>
       <p:sp>
         <p:nvSpPr>
-          <p:cNvPr id="5" name="连接器 3">
+          <p:cNvPr id="5" name="TextBox 4">
             <a:extLst>
               <a:ext uri="{FF2B5EF4-FFF2-40B4-BE49-F238E27FC236}">
-                <a16:creationId xmlns:a16="http://schemas.microsoft.com/office/drawing/2014/main" id="{115B6044-FF00-AD45-8B5A-2F2FB602AFF8}"/>
+                <a16:creationId xmlns:a16="http://schemas.microsoft.com/office/drawing/2014/main" xmlns="" id="{72DC4038-0469-7D4A-8F17-59EF6BC15F2E}"/>
               </a:ext>
             </a:extLst>
           </p:cNvPr>
-          <p:cNvSpPr/>
+          <p:cNvSpPr txBox="1"/>
           <p:nvPr/>
         </p:nvSpPr>
         <p:spPr>
           <a:xfrm>
-            <a:off x="4199024" y="1390292"/>
-            <a:ext cx="1260000" cy="1260000"/>
+            <a:off x="669924" y="1315092"/>
+            <a:ext cx="5063056" cy="461665"/>
           </a:xfrm>
-          <a:prstGeom prst="flowChartConnector">
+          <a:prstGeom prst="rect">
             <a:avLst/>
           </a:prstGeom>
+          <a:noFill/>
         </p:spPr>
-        <p:style>
-          <a:lnRef idx="2">
-            <a:schemeClr val="accent1">
-              <a:shade val="50000"/>
-            </a:schemeClr>
-          </a:lnRef>
-          <a:fillRef idx="1">
-            <a:schemeClr val="accent1"/>
-          </a:fillRef>
-          <a:effectRef idx="0">
-            <a:schemeClr val="accent1"/>
-          </a:effectRef>
-          <a:fontRef idx="minor">
-            <a:schemeClr val="lt1"/>
-          </a:fontRef>
-        </p:style>
         <p:txBody>
-          <a:bodyPr rtlCol="0" anchor="ctr"/>
+          <a:bodyPr wrap="square" rtlCol="0">
+            <a:spAutoFit/>
+          </a:bodyPr>
           <a:lstStyle/>
           <a:p>
-            <a:pPr algn="ctr"/>
-            <a:r>
-              <a:rPr kumimoji="1" lang="en-US" altLang="zh-CN" dirty="0"/>
-              <a:t>unity</a:t>
-            </a:r>
-            <a:endParaRPr kumimoji="1" lang="zh-CN" altLang="en-US" dirty="0"/>
+            <a:r>
+              <a:rPr lang="en-US" sz="2400" dirty="0"/>
+              <a:t>The Function of Identification Image</a:t>
+            </a:r>
           </a:p>
         </p:txBody>
       </p:sp>
       <p:sp>
         <p:nvSpPr>
-          <p:cNvPr id="6" name="流程 4">
+          <p:cNvPr id="7" name="TextBox 6">
             <a:extLst>
               <a:ext uri="{FF2B5EF4-FFF2-40B4-BE49-F238E27FC236}">
-                <a16:creationId xmlns:a16="http://schemas.microsoft.com/office/drawing/2014/main" id="{207AA8D2-8CE3-C448-A8A0-14D0C5BC7CFD}"/>
+                <a16:creationId xmlns:a16="http://schemas.microsoft.com/office/drawing/2014/main" xmlns="" id="{8BBE4B03-D72A-2446-A6B8-98789E3802A5}"/>
               </a:ext>
             </a:extLst>
           </p:cNvPr>
-          <p:cNvSpPr/>
+          <p:cNvSpPr txBox="1"/>
           <p:nvPr/>
         </p:nvSpPr>
         <p:spPr>
           <a:xfrm>
-            <a:off x="7506361" y="1636719"/>
-            <a:ext cx="1505292" cy="794084"/>
+            <a:off x="863029" y="2137025"/>
+            <a:ext cx="8948791" cy="958596"/>
           </a:xfrm>
-          <a:prstGeom prst="flowChartProcess">
+          <a:prstGeom prst="rect">
             <a:avLst/>
           </a:prstGeom>
+          <a:noFill/>
         </p:spPr>
-        <p:style>
-          <a:lnRef idx="2">
-            <a:schemeClr val="accent1">
-              <a:shade val="50000"/>
-            </a:schemeClr>
-          </a:lnRef>
-          <a:fillRef idx="1">
-            <a:schemeClr val="accent1"/>
-          </a:fillRef>
-          <a:effectRef idx="0">
-            <a:schemeClr val="accent1"/>
-          </a:effectRef>
-          <a:fontRef idx="minor">
-            <a:schemeClr val="lt1"/>
-          </a:fontRef>
-        </p:style>
         <p:txBody>
-          <a:bodyPr rtlCol="0" anchor="ctr"/>
+          <a:bodyPr wrap="square" rtlCol="0">
+            <a:spAutoFit/>
+          </a:bodyPr>
           <a:lstStyle/>
           <a:p>
-            <a:pPr algn="ctr"/>
-            <a:r>
-              <a:rPr kumimoji="1" lang="en-US" altLang="zh-CN" dirty="0"/>
-              <a:t>Inform</a:t>
-            </a:r>
-            <a:r>
-              <a:rPr kumimoji="1" lang="zh-CN" altLang="en-US" dirty="0"/>
-              <a:t> </a:t>
-            </a:r>
-            <a:r>
-              <a:rPr kumimoji="1" lang="en-US" altLang="zh-CN" dirty="0"/>
-              <a:t>file</a:t>
-            </a:r>
-            <a:endParaRPr kumimoji="1" lang="zh-CN" altLang="en-US" dirty="0"/>
+            <a:pPr marL="285750" indent="-285750">
+              <a:lnSpc>
+                <a:spcPct val="150000"/>
+              </a:lnSpc>
+              <a:buFont typeface="Arial" panose="020B0604020202020204" pitchFamily="34" charset="0"/>
+              <a:buChar char="•"/>
+            </a:pPr>
+            <a:r>
+              <a:rPr lang="en-US" sz="2000" dirty="0"/>
+              <a:t>The Python program will identify the word in the image</a:t>
+            </a:r>
+          </a:p>
+          <a:p>
+            <a:pPr marL="285750" indent="-285750">
+              <a:lnSpc>
+                <a:spcPct val="150000"/>
+              </a:lnSpc>
+              <a:buFont typeface="Arial" panose="020B0604020202020204" pitchFamily="34" charset="0"/>
+              <a:buChar char="•"/>
+            </a:pPr>
+            <a:r>
+              <a:rPr lang="en-US" sz="2000" dirty="0"/>
+              <a:t>The camera will recognize the </a:t>
+            </a:r>
+            <a:r>
+              <a:rPr lang="en-US" sz="2000" b="1" dirty="0"/>
+              <a:t>feature points </a:t>
+            </a:r>
+            <a:r>
+              <a:rPr lang="en-US" sz="2000" dirty="0"/>
+              <a:t>in the image</a:t>
+            </a:r>
           </a:p>
         </p:txBody>
       </p:sp>
-      <p:sp>
-        <p:nvSpPr>
-          <p:cNvPr id="7" name="连接器 5">
-            <a:extLst>
-              <a:ext uri="{FF2B5EF4-FFF2-40B4-BE49-F238E27FC236}">
-                <a16:creationId xmlns:a16="http://schemas.microsoft.com/office/drawing/2014/main" id="{BD438100-CC43-314A-AC02-EE32A142A887}"/>
-              </a:ext>
-            </a:extLst>
-          </p:cNvPr>
-          <p:cNvSpPr/>
-          <p:nvPr/>
-        </p:nvSpPr>
-        <p:spPr>
-          <a:xfrm>
-            <a:off x="4199024" y="4591279"/>
-            <a:ext cx="1260000" cy="1260000"/>
-          </a:xfrm>
-          <a:prstGeom prst="flowChartConnector">
-            <a:avLst/>
-          </a:prstGeom>
-        </p:spPr>
-        <p:style>
-          <a:lnRef idx="2">
-            <a:schemeClr val="accent1">
-              <a:shade val="50000"/>
-            </a:schemeClr>
-          </a:lnRef>
-          <a:fillRef idx="1">
-            <a:schemeClr val="accent1"/>
-          </a:fillRef>
-          <a:effectRef idx="0">
-            <a:schemeClr val="accent1"/>
-          </a:effectRef>
-          <a:fontRef idx="minor">
-            <a:schemeClr val="lt1"/>
-          </a:fontRef>
-        </p:style>
-        <p:txBody>
-          <a:bodyPr rtlCol="0" anchor="ctr"/>
-          <a:lstStyle/>
-          <a:p>
-            <a:pPr algn="ctr"/>
-            <a:r>
-              <a:rPr kumimoji="1" lang="en-US" altLang="zh-CN" dirty="0"/>
-              <a:t>python</a:t>
-            </a:r>
-            <a:endParaRPr kumimoji="1" lang="zh-CN" altLang="en-US" dirty="0"/>
-          </a:p>
-        </p:txBody>
-      </p:sp>
-      <p:sp>
-        <p:nvSpPr>
-          <p:cNvPr id="8" name="流程 6">
-            <a:extLst>
-              <a:ext uri="{FF2B5EF4-FFF2-40B4-BE49-F238E27FC236}">
-                <a16:creationId xmlns:a16="http://schemas.microsoft.com/office/drawing/2014/main" id="{17E0D0BE-B303-4C45-ACFE-D73EEE91B674}"/>
-              </a:ext>
-            </a:extLst>
-          </p:cNvPr>
-          <p:cNvSpPr/>
-          <p:nvPr/>
-        </p:nvSpPr>
-        <p:spPr>
-          <a:xfrm>
-            <a:off x="7506361" y="3184010"/>
-            <a:ext cx="1505292" cy="794084"/>
-          </a:xfrm>
-          <a:prstGeom prst="flowChartProcess">
-            <a:avLst/>
-          </a:prstGeom>
-        </p:spPr>
-        <p:style>
-          <a:lnRef idx="2">
-            <a:schemeClr val="accent1">
-              <a:shade val="50000"/>
-            </a:schemeClr>
-          </a:lnRef>
-          <a:fillRef idx="1">
-            <a:schemeClr val="accent1"/>
-          </a:fillRef>
-          <a:effectRef idx="0">
-            <a:schemeClr val="accent1"/>
-          </a:effectRef>
-          <a:fontRef idx="minor">
-            <a:schemeClr val="lt1"/>
-          </a:fontRef>
-        </p:style>
-        <p:txBody>
-          <a:bodyPr rtlCol="0" anchor="ctr"/>
-          <a:lstStyle/>
-          <a:p>
-            <a:pPr algn="ctr"/>
-            <a:r>
-              <a:rPr kumimoji="1" lang="en-US" altLang="zh-CN" dirty="0"/>
-              <a:t>Response</a:t>
-            </a:r>
-            <a:r>
-              <a:rPr kumimoji="1" lang="zh-CN" altLang="en-US" dirty="0"/>
-              <a:t> </a:t>
-            </a:r>
-            <a:r>
-              <a:rPr kumimoji="1" lang="en-US" altLang="zh-CN" dirty="0"/>
-              <a:t>file</a:t>
-            </a:r>
-            <a:endParaRPr kumimoji="1" lang="zh-CN" altLang="en-US" dirty="0"/>
-          </a:p>
-        </p:txBody>
-      </p:sp>
-      <p:sp>
-        <p:nvSpPr>
-          <p:cNvPr id="9" name="流程 7">
-            <a:extLst>
-              <a:ext uri="{FF2B5EF4-FFF2-40B4-BE49-F238E27FC236}">
-                <a16:creationId xmlns:a16="http://schemas.microsoft.com/office/drawing/2014/main" id="{89C330A3-1805-6C4F-AE6C-A640654AD9CD}"/>
-              </a:ext>
-            </a:extLst>
-          </p:cNvPr>
-          <p:cNvSpPr/>
-          <p:nvPr/>
-        </p:nvSpPr>
-        <p:spPr>
-          <a:xfrm>
-            <a:off x="7506361" y="4838107"/>
-            <a:ext cx="1505292" cy="794084"/>
-          </a:xfrm>
-          <a:prstGeom prst="flowChartProcess">
-            <a:avLst/>
-          </a:prstGeom>
-        </p:spPr>
-        <p:style>
-          <a:lnRef idx="2">
-            <a:schemeClr val="accent1">
-              <a:shade val="50000"/>
-            </a:schemeClr>
-          </a:lnRef>
-          <a:fillRef idx="1">
-            <a:schemeClr val="accent1"/>
-          </a:fillRef>
-          <a:effectRef idx="0">
-            <a:schemeClr val="accent1"/>
-          </a:effectRef>
-          <a:fontRef idx="minor">
-            <a:schemeClr val="lt1"/>
-          </a:fontRef>
-        </p:style>
-        <p:txBody>
-          <a:bodyPr rtlCol="0" anchor="ctr"/>
-          <a:lstStyle/>
-          <a:p>
-            <a:pPr algn="ctr"/>
-            <a:r>
-              <a:rPr kumimoji="1" lang="en-US" altLang="zh-CN" dirty="0"/>
-              <a:t>Value</a:t>
-            </a:r>
-            <a:r>
-              <a:rPr kumimoji="1" lang="zh-CN" altLang="en-US" dirty="0"/>
-              <a:t> </a:t>
-            </a:r>
-            <a:r>
-              <a:rPr kumimoji="1" lang="en-US" altLang="zh-CN" dirty="0"/>
-              <a:t>file</a:t>
-            </a:r>
-            <a:endParaRPr kumimoji="1" lang="zh-CN" altLang="en-US" dirty="0"/>
-          </a:p>
-        </p:txBody>
-      </p:sp>
-      <p:sp>
-        <p:nvSpPr>
-          <p:cNvPr id="10" name="流程 8">
-            <a:extLst>
-              <a:ext uri="{FF2B5EF4-FFF2-40B4-BE49-F238E27FC236}">
-                <a16:creationId xmlns:a16="http://schemas.microsoft.com/office/drawing/2014/main" id="{63708E52-8256-8448-990E-448F851D611E}"/>
-              </a:ext>
-            </a:extLst>
-          </p:cNvPr>
-          <p:cNvSpPr/>
-          <p:nvPr/>
-        </p:nvSpPr>
-        <p:spPr>
-          <a:xfrm>
-            <a:off x="2177720" y="3279283"/>
-            <a:ext cx="830179" cy="794084"/>
-          </a:xfrm>
-          <a:prstGeom prst="flowChartProcess">
-            <a:avLst/>
-          </a:prstGeom>
-        </p:spPr>
-        <p:style>
-          <a:lnRef idx="2">
-            <a:schemeClr val="accent1">
-              <a:shade val="50000"/>
-            </a:schemeClr>
-          </a:lnRef>
-          <a:fillRef idx="1">
-            <a:schemeClr val="accent1"/>
-          </a:fillRef>
-          <a:effectRef idx="0">
-            <a:schemeClr val="accent1"/>
-          </a:effectRef>
-          <a:fontRef idx="minor">
-            <a:schemeClr val="lt1"/>
-          </a:fontRef>
-        </p:style>
-        <p:txBody>
-          <a:bodyPr rtlCol="0" anchor="ctr"/>
-          <a:lstStyle/>
-          <a:p>
-            <a:pPr algn="ctr"/>
-            <a:r>
-              <a:rPr kumimoji="1" lang="en-US" altLang="zh-CN" dirty="0"/>
-              <a:t>image</a:t>
-            </a:r>
-            <a:endParaRPr kumimoji="1" lang="zh-CN" altLang="en-US" dirty="0"/>
-          </a:p>
-        </p:txBody>
-      </p:sp>
-      <p:cxnSp>
-        <p:nvCxnSpPr>
-          <p:cNvPr id="11" name="直线箭头连接符 10">
-            <a:extLst>
-              <a:ext uri="{FF2B5EF4-FFF2-40B4-BE49-F238E27FC236}">
-                <a16:creationId xmlns:a16="http://schemas.microsoft.com/office/drawing/2014/main" id="{6A9DB215-37B9-2C45-9ECF-6E90F2E3A0F6}"/>
-              </a:ext>
-            </a:extLst>
-          </p:cNvPr>
-          <p:cNvCxnSpPr>
-            <a:cxnSpLocks/>
-            <a:stCxn id="5" idx="6"/>
-            <a:endCxn id="6" idx="1"/>
-          </p:cNvCxnSpPr>
-          <p:nvPr/>
-        </p:nvCxnSpPr>
-        <p:spPr>
-          <a:xfrm>
-            <a:off x="5459024" y="2020292"/>
-            <a:ext cx="2047337" cy="13469"/>
-          </a:xfrm>
-          <a:prstGeom prst="straightConnector1">
-            <a:avLst/>
-          </a:prstGeom>
-          <a:ln>
-            <a:tailEnd type="triangle"/>
-          </a:ln>
-        </p:spPr>
-        <p:style>
-          <a:lnRef idx="1">
-            <a:schemeClr val="accent1"/>
-          </a:lnRef>
-          <a:fillRef idx="0">
-            <a:schemeClr val="accent1"/>
-          </a:fillRef>
-          <a:effectRef idx="0">
-            <a:schemeClr val="accent1"/>
-          </a:effectRef>
-          <a:fontRef idx="minor">
-            <a:schemeClr val="tx1"/>
-          </a:fontRef>
-        </p:style>
-      </p:cxnSp>
-      <p:cxnSp>
-        <p:nvCxnSpPr>
-          <p:cNvPr id="12" name="直线箭头连接符 12">
-            <a:extLst>
-              <a:ext uri="{FF2B5EF4-FFF2-40B4-BE49-F238E27FC236}">
-                <a16:creationId xmlns:a16="http://schemas.microsoft.com/office/drawing/2014/main" id="{04C44247-3AD5-1442-984B-15501132AD4E}"/>
-              </a:ext>
-            </a:extLst>
-          </p:cNvPr>
-          <p:cNvCxnSpPr>
-            <a:cxnSpLocks/>
-            <a:stCxn id="6" idx="2"/>
-            <a:endCxn id="7" idx="0"/>
-          </p:cNvCxnSpPr>
-          <p:nvPr/>
-        </p:nvCxnSpPr>
-        <p:spPr>
-          <a:xfrm flipH="1">
-            <a:off x="4829024" y="2430803"/>
-            <a:ext cx="3429983" cy="2160476"/>
-          </a:xfrm>
-          <a:prstGeom prst="straightConnector1">
-            <a:avLst/>
-          </a:prstGeom>
-          <a:ln>
-            <a:tailEnd type="triangle"/>
-          </a:ln>
-        </p:spPr>
-        <p:style>
-          <a:lnRef idx="1">
-            <a:schemeClr val="accent1"/>
-          </a:lnRef>
-          <a:fillRef idx="0">
-            <a:schemeClr val="accent1"/>
-          </a:fillRef>
-          <a:effectRef idx="0">
-            <a:schemeClr val="accent1"/>
-          </a:effectRef>
-          <a:fontRef idx="minor">
-            <a:schemeClr val="tx1"/>
-          </a:fontRef>
-        </p:style>
-      </p:cxnSp>
-      <p:cxnSp>
-        <p:nvCxnSpPr>
-          <p:cNvPr id="13" name="直线箭头连接符 14">
-            <a:extLst>
-              <a:ext uri="{FF2B5EF4-FFF2-40B4-BE49-F238E27FC236}">
-                <a16:creationId xmlns:a16="http://schemas.microsoft.com/office/drawing/2014/main" id="{86B72BDC-1DA2-6243-80DF-170A74BD3974}"/>
-              </a:ext>
-            </a:extLst>
-          </p:cNvPr>
-          <p:cNvCxnSpPr>
-            <a:cxnSpLocks/>
-            <a:stCxn id="7" idx="7"/>
-            <a:endCxn id="8" idx="1"/>
-          </p:cNvCxnSpPr>
-          <p:nvPr/>
-        </p:nvCxnSpPr>
-        <p:spPr>
-          <a:xfrm flipV="1">
-            <a:off x="5274501" y="3581052"/>
-            <a:ext cx="2231860" cy="1194750"/>
-          </a:xfrm>
-          <a:prstGeom prst="straightConnector1">
-            <a:avLst/>
-          </a:prstGeom>
-          <a:ln>
-            <a:tailEnd type="triangle"/>
-          </a:ln>
-        </p:spPr>
-        <p:style>
-          <a:lnRef idx="1">
-            <a:schemeClr val="accent1"/>
-          </a:lnRef>
-          <a:fillRef idx="0">
-            <a:schemeClr val="accent1"/>
-          </a:fillRef>
-          <a:effectRef idx="0">
-            <a:schemeClr val="accent1"/>
-          </a:effectRef>
-          <a:fontRef idx="minor">
-            <a:schemeClr val="tx1"/>
-          </a:fontRef>
-        </p:style>
-      </p:cxnSp>
-      <p:cxnSp>
-        <p:nvCxnSpPr>
-          <p:cNvPr id="14" name="直线箭头连接符 16">
-            <a:extLst>
-              <a:ext uri="{FF2B5EF4-FFF2-40B4-BE49-F238E27FC236}">
-                <a16:creationId xmlns:a16="http://schemas.microsoft.com/office/drawing/2014/main" id="{8B405D7A-877B-2E4B-8441-2ECF563F72FD}"/>
-              </a:ext>
-            </a:extLst>
-          </p:cNvPr>
-          <p:cNvCxnSpPr>
-            <a:cxnSpLocks/>
-            <a:stCxn id="7" idx="6"/>
-            <a:endCxn id="9" idx="1"/>
-          </p:cNvCxnSpPr>
-          <p:nvPr/>
-        </p:nvCxnSpPr>
-        <p:spPr>
-          <a:xfrm>
-            <a:off x="5459024" y="5221279"/>
-            <a:ext cx="2047337" cy="13870"/>
-          </a:xfrm>
-          <a:prstGeom prst="straightConnector1">
-            <a:avLst/>
-          </a:prstGeom>
-          <a:ln>
-            <a:tailEnd type="triangle"/>
-          </a:ln>
-        </p:spPr>
-        <p:style>
-          <a:lnRef idx="1">
-            <a:schemeClr val="accent1"/>
-          </a:lnRef>
-          <a:fillRef idx="0">
-            <a:schemeClr val="accent1"/>
-          </a:fillRef>
-          <a:effectRef idx="0">
-            <a:schemeClr val="accent1"/>
-          </a:effectRef>
-          <a:fontRef idx="minor">
-            <a:schemeClr val="tx1"/>
-          </a:fontRef>
-        </p:style>
-      </p:cxnSp>
-      <p:cxnSp>
-        <p:nvCxnSpPr>
-          <p:cNvPr id="15" name="直线箭头连接符 18">
-            <a:extLst>
-              <a:ext uri="{FF2B5EF4-FFF2-40B4-BE49-F238E27FC236}">
-                <a16:creationId xmlns:a16="http://schemas.microsoft.com/office/drawing/2014/main" id="{7FF66BCB-F7D4-574E-A6A3-4CF9C714D6F1}"/>
-              </a:ext>
-            </a:extLst>
-          </p:cNvPr>
-          <p:cNvCxnSpPr>
-            <a:cxnSpLocks/>
-            <a:stCxn id="8" idx="1"/>
-            <a:endCxn id="5" idx="5"/>
-          </p:cNvCxnSpPr>
-          <p:nvPr/>
-        </p:nvCxnSpPr>
-        <p:spPr>
-          <a:xfrm flipH="1" flipV="1">
-            <a:off x="5274501" y="2465769"/>
-            <a:ext cx="2231860" cy="1115283"/>
-          </a:xfrm>
-          <a:prstGeom prst="straightConnector1">
-            <a:avLst/>
-          </a:prstGeom>
-          <a:ln>
-            <a:tailEnd type="triangle"/>
-          </a:ln>
-        </p:spPr>
-        <p:style>
-          <a:lnRef idx="1">
-            <a:schemeClr val="accent1"/>
-          </a:lnRef>
-          <a:fillRef idx="0">
-            <a:schemeClr val="accent1"/>
-          </a:fillRef>
-          <a:effectRef idx="0">
-            <a:schemeClr val="accent1"/>
-          </a:effectRef>
-          <a:fontRef idx="minor">
-            <a:schemeClr val="tx1"/>
-          </a:fontRef>
-        </p:style>
-      </p:cxnSp>
-      <p:cxnSp>
-        <p:nvCxnSpPr>
-          <p:cNvPr id="16" name="直线箭头连接符 20">
-            <a:extLst>
-              <a:ext uri="{FF2B5EF4-FFF2-40B4-BE49-F238E27FC236}">
-                <a16:creationId xmlns:a16="http://schemas.microsoft.com/office/drawing/2014/main" id="{674FBF86-D7DC-1E46-AB2D-87AC86E13E8F}"/>
-              </a:ext>
-            </a:extLst>
-          </p:cNvPr>
-          <p:cNvCxnSpPr>
-            <a:cxnSpLocks/>
-            <a:stCxn id="9" idx="0"/>
-            <a:endCxn id="5" idx="4"/>
-          </p:cNvCxnSpPr>
-          <p:nvPr/>
-        </p:nvCxnSpPr>
-        <p:spPr>
-          <a:xfrm flipH="1" flipV="1">
-            <a:off x="4829024" y="2650292"/>
-            <a:ext cx="3429983" cy="2187815"/>
-          </a:xfrm>
-          <a:prstGeom prst="straightConnector1">
-            <a:avLst/>
-          </a:prstGeom>
-          <a:ln>
-            <a:tailEnd type="triangle"/>
-          </a:ln>
-        </p:spPr>
-        <p:style>
-          <a:lnRef idx="1">
-            <a:schemeClr val="accent1"/>
-          </a:lnRef>
-          <a:fillRef idx="0">
-            <a:schemeClr val="accent1"/>
-          </a:fillRef>
-          <a:effectRef idx="0">
-            <a:schemeClr val="accent1"/>
-          </a:effectRef>
-          <a:fontRef idx="minor">
-            <a:schemeClr val="tx1"/>
-          </a:fontRef>
-        </p:style>
-      </p:cxnSp>
-      <p:cxnSp>
-        <p:nvCxnSpPr>
-          <p:cNvPr id="17" name="直线箭头连接符 24">
-            <a:extLst>
-              <a:ext uri="{FF2B5EF4-FFF2-40B4-BE49-F238E27FC236}">
-                <a16:creationId xmlns:a16="http://schemas.microsoft.com/office/drawing/2014/main" id="{020C84F4-2EEA-E044-A8CE-F90698152568}"/>
-              </a:ext>
-            </a:extLst>
-          </p:cNvPr>
-          <p:cNvCxnSpPr>
-            <a:cxnSpLocks/>
-            <a:stCxn id="10" idx="2"/>
-            <a:endCxn id="7" idx="2"/>
-          </p:cNvCxnSpPr>
-          <p:nvPr/>
-        </p:nvCxnSpPr>
-        <p:spPr>
-          <a:xfrm>
-            <a:off x="2592810" y="4073367"/>
-            <a:ext cx="1606214" cy="1147912"/>
-          </a:xfrm>
-          <a:prstGeom prst="straightConnector1">
-            <a:avLst/>
-          </a:prstGeom>
-          <a:ln>
-            <a:tailEnd type="triangle"/>
-          </a:ln>
-        </p:spPr>
-        <p:style>
-          <a:lnRef idx="1">
-            <a:schemeClr val="accent1"/>
-          </a:lnRef>
-          <a:fillRef idx="0">
-            <a:schemeClr val="accent1"/>
-          </a:fillRef>
-          <a:effectRef idx="0">
-            <a:schemeClr val="accent1"/>
-          </a:effectRef>
-          <a:fontRef idx="minor">
-            <a:schemeClr val="tx1"/>
-          </a:fontRef>
-        </p:style>
-      </p:cxnSp>
-      <p:cxnSp>
-        <p:nvCxnSpPr>
-          <p:cNvPr id="18" name="直线箭头连接符 38">
-            <a:extLst>
-              <a:ext uri="{FF2B5EF4-FFF2-40B4-BE49-F238E27FC236}">
-                <a16:creationId xmlns:a16="http://schemas.microsoft.com/office/drawing/2014/main" id="{C6DD7EBC-705C-524A-9292-6AE21DCA8CEB}"/>
-              </a:ext>
-            </a:extLst>
-          </p:cNvPr>
-          <p:cNvCxnSpPr>
-            <a:stCxn id="5" idx="2"/>
-            <a:endCxn id="10" idx="0"/>
-          </p:cNvCxnSpPr>
-          <p:nvPr/>
-        </p:nvCxnSpPr>
-        <p:spPr>
-          <a:xfrm flipH="1">
-            <a:off x="2592810" y="2020292"/>
-            <a:ext cx="1606214" cy="1258991"/>
-          </a:xfrm>
-          <a:prstGeom prst="straightConnector1">
-            <a:avLst/>
-          </a:prstGeom>
-          <a:ln>
-            <a:tailEnd type="triangle"/>
-          </a:ln>
-        </p:spPr>
-        <p:style>
-          <a:lnRef idx="1">
-            <a:schemeClr val="accent1"/>
-          </a:lnRef>
-          <a:fillRef idx="0">
-            <a:schemeClr val="accent1"/>
-          </a:fillRef>
-          <a:effectRef idx="0">
-            <a:schemeClr val="accent1"/>
-          </a:effectRef>
-          <a:fontRef idx="minor">
-            <a:schemeClr val="tx1"/>
-          </a:fontRef>
-        </p:style>
-      </p:cxnSp>
     </p:spTree>
     <p:extLst>
       <p:ext uri="{BB962C8B-B14F-4D97-AF65-F5344CB8AC3E}">
-        <p14:creationId xmlns:p14="http://schemas.microsoft.com/office/powerpoint/2010/main" val="3713885708"/>
+        <p14:creationId xmlns:p14="http://schemas.microsoft.com/office/powerpoint/2010/main" val="2822614940"/>
       </p:ext>
     </p:extLst>
   </p:cSld>
   <p:clrMapOvr>
     <a:masterClrMapping/>
   </p:clrMapOvr>
+  <p:timing>
+    <p:tnLst>
+      <p:par>
+        <p:cTn id="1" dur="indefinite" restart="never" nodeType="tmRoot"/>
+      </p:par>
+    </p:tnLst>
+  </p:timing>
 </p:sld>
 </file>
 
@@ -15653,7 +15405,7 @@
           <p:cNvPr id="2" name="标题 1">
             <a:extLst>
               <a:ext uri="{FF2B5EF4-FFF2-40B4-BE49-F238E27FC236}">
-                <a16:creationId xmlns:a16="http://schemas.microsoft.com/office/drawing/2014/main" id="{90456DC4-8CC3-47C7-BF84-99BEF39391F7}"/>
+                <a16:creationId xmlns:a16="http://schemas.microsoft.com/office/drawing/2014/main" xmlns="" id="{90456DC4-8CC3-47C7-BF84-99BEF39391F7}"/>
               </a:ext>
             </a:extLst>
           </p:cNvPr>
@@ -15686,7 +15438,7 @@
           <p:cNvPr id="4" name="灯片编号占位符 3">
             <a:extLst>
               <a:ext uri="{FF2B5EF4-FFF2-40B4-BE49-F238E27FC236}">
-                <a16:creationId xmlns:a16="http://schemas.microsoft.com/office/drawing/2014/main" id="{6B549D38-BAF9-43C1-B764-4EC6F7C2779A}"/>
+                <a16:creationId xmlns:a16="http://schemas.microsoft.com/office/drawing/2014/main" xmlns="" id="{6B549D38-BAF9-43C1-B764-4EC6F7C2779A}"/>
               </a:ext>
             </a:extLst>
           </p:cNvPr>
@@ -15716,7 +15468,7 @@
           <p:cNvPr id="5" name="5b7040e3-f2f7-4b34-b7e6-4f725bc5ff82" descr="本素材由iSlide™ 提供&#10;iSlide™尊重知识产权并注重保护用户享有的各项权利。郑重提醒您：&#10;iSlide™插件中提供的任何信息内容的所有权、知识产权归其原始权利人或权利受让人所有，您免费/购买获得的是信息内容的使用权，并受下述条款的约束；&#10;1. 您仅可以个人非商业用途使用该等信息内容，不可将信息内容的全部或部分用于出售，或以出租、出借、转让、分销、发布等其他任何方式供他人使用；&#10;2. 禁止在接入互联网或移动互联网的任何网站、平台、应用或程序上以任何方式为他人提供iSlide™插件资源内容的下载。&#10;The resource is supplied by iSlide™.&#10;iSlide™ respects all intellectual property rights and protects all the rights its users acquired.Solemnly remind you:&#10;The ownership and intellectual property of the resources supplied in iSlide Add-in belongs to its owner or the assignee of this ownership.you only acquired the usage of the resources supplied in iSlide Add-in, as well as respected the following restrain terms:&#10;1.You are only allowed to use such resource for personal and non-commercial aim, not allowed to use such resource or part of it for the sale; or rent, lend, transfer to others; or distribution or release it in any way.&#10;2.You are not permitted to provide the resource of iSlide Add-in in any website, platform, application access to the Internet or mobile Internet." title="iSlide™ 版权声明  COPYRIGHT NOTICE">
             <a:extLst>
               <a:ext uri="{FF2B5EF4-FFF2-40B4-BE49-F238E27FC236}">
-                <a16:creationId xmlns:a16="http://schemas.microsoft.com/office/drawing/2014/main" id="{B932A89A-D936-4241-A3CF-B55E59E168F8}"/>
+                <a16:creationId xmlns:a16="http://schemas.microsoft.com/office/drawing/2014/main" xmlns="" id="{B932A89A-D936-4241-A3CF-B55E59E168F8}"/>
               </a:ext>
             </a:extLst>
           </p:cNvPr>
@@ -15742,7 +15494,7 @@
             <p:cNvPr id="6" name="îṣ1iḋê">
               <a:extLst>
                 <a:ext uri="{FF2B5EF4-FFF2-40B4-BE49-F238E27FC236}">
-                  <a16:creationId xmlns:a16="http://schemas.microsoft.com/office/drawing/2014/main" id="{99E0B2FE-CB38-4B3F-AA64-FEAB191261E4}"/>
+                  <a16:creationId xmlns:a16="http://schemas.microsoft.com/office/drawing/2014/main" xmlns="" id="{99E0B2FE-CB38-4B3F-AA64-FEAB191261E4}"/>
                 </a:ext>
               </a:extLst>
             </p:cNvPr>
@@ -15780,7 +15532,7 @@
             <p:cNvPr id="7" name="iśľïde">
               <a:extLst>
                 <a:ext uri="{FF2B5EF4-FFF2-40B4-BE49-F238E27FC236}">
-                  <a16:creationId xmlns:a16="http://schemas.microsoft.com/office/drawing/2014/main" id="{13974122-EF5D-4B84-9B30-860C931A6915}"/>
+                  <a16:creationId xmlns:a16="http://schemas.microsoft.com/office/drawing/2014/main" xmlns="" id="{13974122-EF5D-4B84-9B30-860C931A6915}"/>
                 </a:ext>
               </a:extLst>
             </p:cNvPr>
@@ -15835,7 +15587,7 @@
             <p:cNvPr id="9" name="îşḻïďê">
               <a:extLst>
                 <a:ext uri="{FF2B5EF4-FFF2-40B4-BE49-F238E27FC236}">
-                  <a16:creationId xmlns:a16="http://schemas.microsoft.com/office/drawing/2014/main" id="{7C9BD413-7FAB-46CD-B434-D50AF809EE92}"/>
+                  <a16:creationId xmlns:a16="http://schemas.microsoft.com/office/drawing/2014/main" xmlns="" id="{7C9BD413-7FAB-46CD-B434-D50AF809EE92}"/>
                 </a:ext>
               </a:extLst>
             </p:cNvPr>
@@ -15868,7 +15620,7 @@
             <p:cNvPr id="11" name="îŝḷïḓè">
               <a:extLst>
                 <a:ext uri="{FF2B5EF4-FFF2-40B4-BE49-F238E27FC236}">
-                  <a16:creationId xmlns:a16="http://schemas.microsoft.com/office/drawing/2014/main" id="{493089EB-DB55-4BD6-B04C-65623E66B378}"/>
+                  <a16:creationId xmlns:a16="http://schemas.microsoft.com/office/drawing/2014/main" xmlns="" id="{493089EB-DB55-4BD6-B04C-65623E66B378}"/>
                 </a:ext>
               </a:extLst>
             </p:cNvPr>
@@ -15921,10 +15673,779 @@
   <p:clrMapOvr>
     <a:masterClrMapping/>
   </p:clrMapOvr>
+  <p:timing>
+    <p:tnLst>
+      <p:par>
+        <p:cTn id="1" dur="indefinite" restart="never" nodeType="tmRoot"/>
+      </p:par>
+    </p:tnLst>
+  </p:timing>
 </p:sld>
 </file>
 
 <file path=ppt/slides/slide30.xml><?xml version="1.0" encoding="utf-8"?>
+<p:sld xmlns:a="http://schemas.openxmlformats.org/drawingml/2006/main" xmlns:r="http://schemas.openxmlformats.org/officeDocument/2006/relationships" xmlns:p="http://schemas.openxmlformats.org/presentationml/2006/main">
+  <p:cSld>
+    <p:spTree>
+      <p:nvGrpSpPr>
+        <p:cNvPr id="1" name=""/>
+        <p:cNvGrpSpPr/>
+        <p:nvPr/>
+      </p:nvGrpSpPr>
+      <p:grpSpPr>
+        <a:xfrm>
+          <a:off x="0" y="0"/>
+          <a:ext cx="0" cy="0"/>
+          <a:chOff x="0" y="0"/>
+          <a:chExt cx="0" cy="0"/>
+        </a:xfrm>
+      </p:grpSpPr>
+      <p:sp>
+        <p:nvSpPr>
+          <p:cNvPr id="2" name="Title 1">
+            <a:extLst>
+              <a:ext uri="{FF2B5EF4-FFF2-40B4-BE49-F238E27FC236}">
+                <a16:creationId xmlns:a16="http://schemas.microsoft.com/office/drawing/2014/main" xmlns="" id="{18C00788-A62C-5743-A56A-FA0FDAD841A8}"/>
+              </a:ext>
+            </a:extLst>
+          </p:cNvPr>
+          <p:cNvSpPr>
+            <a:spLocks noGrp="1"/>
+          </p:cNvSpPr>
+          <p:nvPr>
+            <p:ph type="title"/>
+          </p:nvPr>
+        </p:nvSpPr>
+        <p:spPr/>
+        <p:txBody>
+          <a:bodyPr/>
+          <a:lstStyle/>
+          <a:p>
+            <a:r>
+              <a:rPr lang="en-US" dirty="0"/>
+              <a:t>Demo</a:t>
+            </a:r>
+          </a:p>
+        </p:txBody>
+      </p:sp>
+      <p:sp>
+        <p:nvSpPr>
+          <p:cNvPr id="4" name="Slide Number Placeholder 3">
+            <a:extLst>
+              <a:ext uri="{FF2B5EF4-FFF2-40B4-BE49-F238E27FC236}">
+                <a16:creationId xmlns:a16="http://schemas.microsoft.com/office/drawing/2014/main" xmlns="" id="{408CA041-C818-3D48-AFA6-AE487ECB6F73}"/>
+              </a:ext>
+            </a:extLst>
+          </p:cNvPr>
+          <p:cNvSpPr>
+            <a:spLocks noGrp="1"/>
+          </p:cNvSpPr>
+          <p:nvPr>
+            <p:ph type="sldNum" sz="quarter" idx="12"/>
+          </p:nvPr>
+        </p:nvSpPr>
+        <p:spPr/>
+        <p:txBody>
+          <a:bodyPr/>
+          <a:lstStyle/>
+          <a:p>
+            <a:fld id="{5DD3DB80-B894-403A-B48E-6FDC1A72010E}" type="slidenum">
+              <a:rPr lang="zh-CN" altLang="en-US" smtClean="0"/>
+              <a:pPr/>
+              <a:t>30</a:t>
+            </a:fld>
+            <a:endParaRPr lang="zh-CN" altLang="en-US"/>
+          </a:p>
+        </p:txBody>
+      </p:sp>
+      <p:sp>
+        <p:nvSpPr>
+          <p:cNvPr id="5" name="连接器 3">
+            <a:extLst>
+              <a:ext uri="{FF2B5EF4-FFF2-40B4-BE49-F238E27FC236}">
+                <a16:creationId xmlns:a16="http://schemas.microsoft.com/office/drawing/2014/main" xmlns="" id="{115B6044-FF00-AD45-8B5A-2F2FB602AFF8}"/>
+              </a:ext>
+            </a:extLst>
+          </p:cNvPr>
+          <p:cNvSpPr/>
+          <p:nvPr/>
+        </p:nvSpPr>
+        <p:spPr>
+          <a:xfrm>
+            <a:off x="4199024" y="1390292"/>
+            <a:ext cx="1260000" cy="1260000"/>
+          </a:xfrm>
+          <a:prstGeom prst="flowChartConnector">
+            <a:avLst/>
+          </a:prstGeom>
+        </p:spPr>
+        <p:style>
+          <a:lnRef idx="2">
+            <a:schemeClr val="accent1">
+              <a:shade val="50000"/>
+            </a:schemeClr>
+          </a:lnRef>
+          <a:fillRef idx="1">
+            <a:schemeClr val="accent1"/>
+          </a:fillRef>
+          <a:effectRef idx="0">
+            <a:schemeClr val="accent1"/>
+          </a:effectRef>
+          <a:fontRef idx="minor">
+            <a:schemeClr val="lt1"/>
+          </a:fontRef>
+        </p:style>
+        <p:txBody>
+          <a:bodyPr rtlCol="0" anchor="ctr"/>
+          <a:lstStyle/>
+          <a:p>
+            <a:pPr algn="ctr"/>
+            <a:r>
+              <a:rPr kumimoji="1" lang="en-US" altLang="zh-CN" dirty="0"/>
+              <a:t>unity</a:t>
+            </a:r>
+            <a:endParaRPr kumimoji="1" lang="zh-CN" altLang="en-US" dirty="0"/>
+          </a:p>
+        </p:txBody>
+      </p:sp>
+      <p:sp>
+        <p:nvSpPr>
+          <p:cNvPr id="6" name="流程 4">
+            <a:extLst>
+              <a:ext uri="{FF2B5EF4-FFF2-40B4-BE49-F238E27FC236}">
+                <a16:creationId xmlns:a16="http://schemas.microsoft.com/office/drawing/2014/main" xmlns="" id="{207AA8D2-8CE3-C448-A8A0-14D0C5BC7CFD}"/>
+              </a:ext>
+            </a:extLst>
+          </p:cNvPr>
+          <p:cNvSpPr/>
+          <p:nvPr/>
+        </p:nvSpPr>
+        <p:spPr>
+          <a:xfrm>
+            <a:off x="7506361" y="1636719"/>
+            <a:ext cx="1505292" cy="794084"/>
+          </a:xfrm>
+          <a:prstGeom prst="flowChartProcess">
+            <a:avLst/>
+          </a:prstGeom>
+        </p:spPr>
+        <p:style>
+          <a:lnRef idx="2">
+            <a:schemeClr val="accent1">
+              <a:shade val="50000"/>
+            </a:schemeClr>
+          </a:lnRef>
+          <a:fillRef idx="1">
+            <a:schemeClr val="accent1"/>
+          </a:fillRef>
+          <a:effectRef idx="0">
+            <a:schemeClr val="accent1"/>
+          </a:effectRef>
+          <a:fontRef idx="minor">
+            <a:schemeClr val="lt1"/>
+          </a:fontRef>
+        </p:style>
+        <p:txBody>
+          <a:bodyPr rtlCol="0" anchor="ctr"/>
+          <a:lstStyle/>
+          <a:p>
+            <a:pPr algn="ctr"/>
+            <a:r>
+              <a:rPr kumimoji="1" lang="en-US" altLang="zh-CN" dirty="0"/>
+              <a:t>Inform</a:t>
+            </a:r>
+            <a:r>
+              <a:rPr kumimoji="1" lang="zh-CN" altLang="en-US" dirty="0"/>
+              <a:t> </a:t>
+            </a:r>
+            <a:r>
+              <a:rPr kumimoji="1" lang="en-US" altLang="zh-CN" dirty="0"/>
+              <a:t>file</a:t>
+            </a:r>
+            <a:endParaRPr kumimoji="1" lang="zh-CN" altLang="en-US" dirty="0"/>
+          </a:p>
+        </p:txBody>
+      </p:sp>
+      <p:sp>
+        <p:nvSpPr>
+          <p:cNvPr id="7" name="连接器 5">
+            <a:extLst>
+              <a:ext uri="{FF2B5EF4-FFF2-40B4-BE49-F238E27FC236}">
+                <a16:creationId xmlns:a16="http://schemas.microsoft.com/office/drawing/2014/main" xmlns="" id="{BD438100-CC43-314A-AC02-EE32A142A887}"/>
+              </a:ext>
+            </a:extLst>
+          </p:cNvPr>
+          <p:cNvSpPr/>
+          <p:nvPr/>
+        </p:nvSpPr>
+        <p:spPr>
+          <a:xfrm>
+            <a:off x="4199024" y="4591279"/>
+            <a:ext cx="1260000" cy="1260000"/>
+          </a:xfrm>
+          <a:prstGeom prst="flowChartConnector">
+            <a:avLst/>
+          </a:prstGeom>
+        </p:spPr>
+        <p:style>
+          <a:lnRef idx="2">
+            <a:schemeClr val="accent1">
+              <a:shade val="50000"/>
+            </a:schemeClr>
+          </a:lnRef>
+          <a:fillRef idx="1">
+            <a:schemeClr val="accent1"/>
+          </a:fillRef>
+          <a:effectRef idx="0">
+            <a:schemeClr val="accent1"/>
+          </a:effectRef>
+          <a:fontRef idx="minor">
+            <a:schemeClr val="lt1"/>
+          </a:fontRef>
+        </p:style>
+        <p:txBody>
+          <a:bodyPr rtlCol="0" anchor="ctr"/>
+          <a:lstStyle/>
+          <a:p>
+            <a:pPr algn="ctr"/>
+            <a:r>
+              <a:rPr kumimoji="1" lang="en-US" altLang="zh-CN" dirty="0"/>
+              <a:t>python</a:t>
+            </a:r>
+            <a:endParaRPr kumimoji="1" lang="zh-CN" altLang="en-US" dirty="0"/>
+          </a:p>
+        </p:txBody>
+      </p:sp>
+      <p:sp>
+        <p:nvSpPr>
+          <p:cNvPr id="8" name="流程 6">
+            <a:extLst>
+              <a:ext uri="{FF2B5EF4-FFF2-40B4-BE49-F238E27FC236}">
+                <a16:creationId xmlns:a16="http://schemas.microsoft.com/office/drawing/2014/main" xmlns="" id="{17E0D0BE-B303-4C45-ACFE-D73EEE91B674}"/>
+              </a:ext>
+            </a:extLst>
+          </p:cNvPr>
+          <p:cNvSpPr/>
+          <p:nvPr/>
+        </p:nvSpPr>
+        <p:spPr>
+          <a:xfrm>
+            <a:off x="7506361" y="3184010"/>
+            <a:ext cx="1505292" cy="794084"/>
+          </a:xfrm>
+          <a:prstGeom prst="flowChartProcess">
+            <a:avLst/>
+          </a:prstGeom>
+        </p:spPr>
+        <p:style>
+          <a:lnRef idx="2">
+            <a:schemeClr val="accent1">
+              <a:shade val="50000"/>
+            </a:schemeClr>
+          </a:lnRef>
+          <a:fillRef idx="1">
+            <a:schemeClr val="accent1"/>
+          </a:fillRef>
+          <a:effectRef idx="0">
+            <a:schemeClr val="accent1"/>
+          </a:effectRef>
+          <a:fontRef idx="minor">
+            <a:schemeClr val="lt1"/>
+          </a:fontRef>
+        </p:style>
+        <p:txBody>
+          <a:bodyPr rtlCol="0" anchor="ctr"/>
+          <a:lstStyle/>
+          <a:p>
+            <a:pPr algn="ctr"/>
+            <a:r>
+              <a:rPr kumimoji="1" lang="en-US" altLang="zh-CN" dirty="0"/>
+              <a:t>Response</a:t>
+            </a:r>
+            <a:r>
+              <a:rPr kumimoji="1" lang="zh-CN" altLang="en-US" dirty="0"/>
+              <a:t> </a:t>
+            </a:r>
+            <a:r>
+              <a:rPr kumimoji="1" lang="en-US" altLang="zh-CN" dirty="0"/>
+              <a:t>file</a:t>
+            </a:r>
+            <a:endParaRPr kumimoji="1" lang="zh-CN" altLang="en-US" dirty="0"/>
+          </a:p>
+        </p:txBody>
+      </p:sp>
+      <p:sp>
+        <p:nvSpPr>
+          <p:cNvPr id="9" name="流程 7">
+            <a:extLst>
+              <a:ext uri="{FF2B5EF4-FFF2-40B4-BE49-F238E27FC236}">
+                <a16:creationId xmlns:a16="http://schemas.microsoft.com/office/drawing/2014/main" xmlns="" id="{89C330A3-1805-6C4F-AE6C-A640654AD9CD}"/>
+              </a:ext>
+            </a:extLst>
+          </p:cNvPr>
+          <p:cNvSpPr/>
+          <p:nvPr/>
+        </p:nvSpPr>
+        <p:spPr>
+          <a:xfrm>
+            <a:off x="7506361" y="4838107"/>
+            <a:ext cx="1505292" cy="794084"/>
+          </a:xfrm>
+          <a:prstGeom prst="flowChartProcess">
+            <a:avLst/>
+          </a:prstGeom>
+        </p:spPr>
+        <p:style>
+          <a:lnRef idx="2">
+            <a:schemeClr val="accent1">
+              <a:shade val="50000"/>
+            </a:schemeClr>
+          </a:lnRef>
+          <a:fillRef idx="1">
+            <a:schemeClr val="accent1"/>
+          </a:fillRef>
+          <a:effectRef idx="0">
+            <a:schemeClr val="accent1"/>
+          </a:effectRef>
+          <a:fontRef idx="minor">
+            <a:schemeClr val="lt1"/>
+          </a:fontRef>
+        </p:style>
+        <p:txBody>
+          <a:bodyPr rtlCol="0" anchor="ctr"/>
+          <a:lstStyle/>
+          <a:p>
+            <a:pPr algn="ctr"/>
+            <a:r>
+              <a:rPr kumimoji="1" lang="en-US" altLang="zh-CN" dirty="0"/>
+              <a:t>Value</a:t>
+            </a:r>
+            <a:r>
+              <a:rPr kumimoji="1" lang="zh-CN" altLang="en-US" dirty="0"/>
+              <a:t> </a:t>
+            </a:r>
+            <a:r>
+              <a:rPr kumimoji="1" lang="en-US" altLang="zh-CN" dirty="0"/>
+              <a:t>file</a:t>
+            </a:r>
+            <a:endParaRPr kumimoji="1" lang="zh-CN" altLang="en-US" dirty="0"/>
+          </a:p>
+        </p:txBody>
+      </p:sp>
+      <p:sp>
+        <p:nvSpPr>
+          <p:cNvPr id="10" name="流程 8">
+            <a:extLst>
+              <a:ext uri="{FF2B5EF4-FFF2-40B4-BE49-F238E27FC236}">
+                <a16:creationId xmlns:a16="http://schemas.microsoft.com/office/drawing/2014/main" xmlns="" id="{63708E52-8256-8448-990E-448F851D611E}"/>
+              </a:ext>
+            </a:extLst>
+          </p:cNvPr>
+          <p:cNvSpPr/>
+          <p:nvPr/>
+        </p:nvSpPr>
+        <p:spPr>
+          <a:xfrm>
+            <a:off x="2177720" y="3279283"/>
+            <a:ext cx="830179" cy="794084"/>
+          </a:xfrm>
+          <a:prstGeom prst="flowChartProcess">
+            <a:avLst/>
+          </a:prstGeom>
+        </p:spPr>
+        <p:style>
+          <a:lnRef idx="2">
+            <a:schemeClr val="accent1">
+              <a:shade val="50000"/>
+            </a:schemeClr>
+          </a:lnRef>
+          <a:fillRef idx="1">
+            <a:schemeClr val="accent1"/>
+          </a:fillRef>
+          <a:effectRef idx="0">
+            <a:schemeClr val="accent1"/>
+          </a:effectRef>
+          <a:fontRef idx="minor">
+            <a:schemeClr val="lt1"/>
+          </a:fontRef>
+        </p:style>
+        <p:txBody>
+          <a:bodyPr rtlCol="0" anchor="ctr"/>
+          <a:lstStyle/>
+          <a:p>
+            <a:pPr algn="ctr"/>
+            <a:r>
+              <a:rPr kumimoji="1" lang="en-US" altLang="zh-CN" dirty="0"/>
+              <a:t>image</a:t>
+            </a:r>
+            <a:endParaRPr kumimoji="1" lang="zh-CN" altLang="en-US" dirty="0"/>
+          </a:p>
+        </p:txBody>
+      </p:sp>
+      <p:cxnSp>
+        <p:nvCxnSpPr>
+          <p:cNvPr id="11" name="直线箭头连接符 10">
+            <a:extLst>
+              <a:ext uri="{FF2B5EF4-FFF2-40B4-BE49-F238E27FC236}">
+                <a16:creationId xmlns:a16="http://schemas.microsoft.com/office/drawing/2014/main" xmlns="" id="{6A9DB215-37B9-2C45-9ECF-6E90F2E3A0F6}"/>
+              </a:ext>
+            </a:extLst>
+          </p:cNvPr>
+          <p:cNvCxnSpPr>
+            <a:cxnSpLocks/>
+            <a:stCxn id="5" idx="6"/>
+            <a:endCxn id="6" idx="1"/>
+          </p:cNvCxnSpPr>
+          <p:nvPr/>
+        </p:nvCxnSpPr>
+        <p:spPr>
+          <a:xfrm>
+            <a:off x="5459024" y="2020292"/>
+            <a:ext cx="2047337" cy="13469"/>
+          </a:xfrm>
+          <a:prstGeom prst="straightConnector1">
+            <a:avLst/>
+          </a:prstGeom>
+          <a:ln>
+            <a:tailEnd type="triangle"/>
+          </a:ln>
+        </p:spPr>
+        <p:style>
+          <a:lnRef idx="1">
+            <a:schemeClr val="accent1"/>
+          </a:lnRef>
+          <a:fillRef idx="0">
+            <a:schemeClr val="accent1"/>
+          </a:fillRef>
+          <a:effectRef idx="0">
+            <a:schemeClr val="accent1"/>
+          </a:effectRef>
+          <a:fontRef idx="minor">
+            <a:schemeClr val="tx1"/>
+          </a:fontRef>
+        </p:style>
+      </p:cxnSp>
+      <p:cxnSp>
+        <p:nvCxnSpPr>
+          <p:cNvPr id="12" name="直线箭头连接符 12">
+            <a:extLst>
+              <a:ext uri="{FF2B5EF4-FFF2-40B4-BE49-F238E27FC236}">
+                <a16:creationId xmlns:a16="http://schemas.microsoft.com/office/drawing/2014/main" xmlns="" id="{04C44247-3AD5-1442-984B-15501132AD4E}"/>
+              </a:ext>
+            </a:extLst>
+          </p:cNvPr>
+          <p:cNvCxnSpPr>
+            <a:cxnSpLocks/>
+            <a:stCxn id="6" idx="2"/>
+            <a:endCxn id="7" idx="0"/>
+          </p:cNvCxnSpPr>
+          <p:nvPr/>
+        </p:nvCxnSpPr>
+        <p:spPr>
+          <a:xfrm flipH="1">
+            <a:off x="4829024" y="2430803"/>
+            <a:ext cx="3429983" cy="2160476"/>
+          </a:xfrm>
+          <a:prstGeom prst="straightConnector1">
+            <a:avLst/>
+          </a:prstGeom>
+          <a:ln>
+            <a:tailEnd type="triangle"/>
+          </a:ln>
+        </p:spPr>
+        <p:style>
+          <a:lnRef idx="1">
+            <a:schemeClr val="accent1"/>
+          </a:lnRef>
+          <a:fillRef idx="0">
+            <a:schemeClr val="accent1"/>
+          </a:fillRef>
+          <a:effectRef idx="0">
+            <a:schemeClr val="accent1"/>
+          </a:effectRef>
+          <a:fontRef idx="minor">
+            <a:schemeClr val="tx1"/>
+          </a:fontRef>
+        </p:style>
+      </p:cxnSp>
+      <p:cxnSp>
+        <p:nvCxnSpPr>
+          <p:cNvPr id="13" name="直线箭头连接符 14">
+            <a:extLst>
+              <a:ext uri="{FF2B5EF4-FFF2-40B4-BE49-F238E27FC236}">
+                <a16:creationId xmlns:a16="http://schemas.microsoft.com/office/drawing/2014/main" xmlns="" id="{86B72BDC-1DA2-6243-80DF-170A74BD3974}"/>
+              </a:ext>
+            </a:extLst>
+          </p:cNvPr>
+          <p:cNvCxnSpPr>
+            <a:cxnSpLocks/>
+            <a:stCxn id="7" idx="7"/>
+            <a:endCxn id="8" idx="1"/>
+          </p:cNvCxnSpPr>
+          <p:nvPr/>
+        </p:nvCxnSpPr>
+        <p:spPr>
+          <a:xfrm flipV="1">
+            <a:off x="5274501" y="3581052"/>
+            <a:ext cx="2231860" cy="1194750"/>
+          </a:xfrm>
+          <a:prstGeom prst="straightConnector1">
+            <a:avLst/>
+          </a:prstGeom>
+          <a:ln>
+            <a:tailEnd type="triangle"/>
+          </a:ln>
+        </p:spPr>
+        <p:style>
+          <a:lnRef idx="1">
+            <a:schemeClr val="accent1"/>
+          </a:lnRef>
+          <a:fillRef idx="0">
+            <a:schemeClr val="accent1"/>
+          </a:fillRef>
+          <a:effectRef idx="0">
+            <a:schemeClr val="accent1"/>
+          </a:effectRef>
+          <a:fontRef idx="minor">
+            <a:schemeClr val="tx1"/>
+          </a:fontRef>
+        </p:style>
+      </p:cxnSp>
+      <p:cxnSp>
+        <p:nvCxnSpPr>
+          <p:cNvPr id="14" name="直线箭头连接符 16">
+            <a:extLst>
+              <a:ext uri="{FF2B5EF4-FFF2-40B4-BE49-F238E27FC236}">
+                <a16:creationId xmlns:a16="http://schemas.microsoft.com/office/drawing/2014/main" xmlns="" id="{8B405D7A-877B-2E4B-8441-2ECF563F72FD}"/>
+              </a:ext>
+            </a:extLst>
+          </p:cNvPr>
+          <p:cNvCxnSpPr>
+            <a:cxnSpLocks/>
+            <a:stCxn id="7" idx="6"/>
+            <a:endCxn id="9" idx="1"/>
+          </p:cNvCxnSpPr>
+          <p:nvPr/>
+        </p:nvCxnSpPr>
+        <p:spPr>
+          <a:xfrm>
+            <a:off x="5459024" y="5221279"/>
+            <a:ext cx="2047337" cy="13870"/>
+          </a:xfrm>
+          <a:prstGeom prst="straightConnector1">
+            <a:avLst/>
+          </a:prstGeom>
+          <a:ln>
+            <a:tailEnd type="triangle"/>
+          </a:ln>
+        </p:spPr>
+        <p:style>
+          <a:lnRef idx="1">
+            <a:schemeClr val="accent1"/>
+          </a:lnRef>
+          <a:fillRef idx="0">
+            <a:schemeClr val="accent1"/>
+          </a:fillRef>
+          <a:effectRef idx="0">
+            <a:schemeClr val="accent1"/>
+          </a:effectRef>
+          <a:fontRef idx="minor">
+            <a:schemeClr val="tx1"/>
+          </a:fontRef>
+        </p:style>
+      </p:cxnSp>
+      <p:cxnSp>
+        <p:nvCxnSpPr>
+          <p:cNvPr id="15" name="直线箭头连接符 18">
+            <a:extLst>
+              <a:ext uri="{FF2B5EF4-FFF2-40B4-BE49-F238E27FC236}">
+                <a16:creationId xmlns:a16="http://schemas.microsoft.com/office/drawing/2014/main" xmlns="" id="{7FF66BCB-F7D4-574E-A6A3-4CF9C714D6F1}"/>
+              </a:ext>
+            </a:extLst>
+          </p:cNvPr>
+          <p:cNvCxnSpPr>
+            <a:cxnSpLocks/>
+            <a:stCxn id="8" idx="1"/>
+            <a:endCxn id="5" idx="5"/>
+          </p:cNvCxnSpPr>
+          <p:nvPr/>
+        </p:nvCxnSpPr>
+        <p:spPr>
+          <a:xfrm flipH="1" flipV="1">
+            <a:off x="5274501" y="2465769"/>
+            <a:ext cx="2231860" cy="1115283"/>
+          </a:xfrm>
+          <a:prstGeom prst="straightConnector1">
+            <a:avLst/>
+          </a:prstGeom>
+          <a:ln>
+            <a:tailEnd type="triangle"/>
+          </a:ln>
+        </p:spPr>
+        <p:style>
+          <a:lnRef idx="1">
+            <a:schemeClr val="accent1"/>
+          </a:lnRef>
+          <a:fillRef idx="0">
+            <a:schemeClr val="accent1"/>
+          </a:fillRef>
+          <a:effectRef idx="0">
+            <a:schemeClr val="accent1"/>
+          </a:effectRef>
+          <a:fontRef idx="minor">
+            <a:schemeClr val="tx1"/>
+          </a:fontRef>
+        </p:style>
+      </p:cxnSp>
+      <p:cxnSp>
+        <p:nvCxnSpPr>
+          <p:cNvPr id="16" name="直线箭头连接符 20">
+            <a:extLst>
+              <a:ext uri="{FF2B5EF4-FFF2-40B4-BE49-F238E27FC236}">
+                <a16:creationId xmlns:a16="http://schemas.microsoft.com/office/drawing/2014/main" xmlns="" id="{674FBF86-D7DC-1E46-AB2D-87AC86E13E8F}"/>
+              </a:ext>
+            </a:extLst>
+          </p:cNvPr>
+          <p:cNvCxnSpPr>
+            <a:cxnSpLocks/>
+            <a:stCxn id="9" idx="0"/>
+            <a:endCxn id="5" idx="4"/>
+          </p:cNvCxnSpPr>
+          <p:nvPr/>
+        </p:nvCxnSpPr>
+        <p:spPr>
+          <a:xfrm flipH="1" flipV="1">
+            <a:off x="4829024" y="2650292"/>
+            <a:ext cx="3429983" cy="2187815"/>
+          </a:xfrm>
+          <a:prstGeom prst="straightConnector1">
+            <a:avLst/>
+          </a:prstGeom>
+          <a:ln>
+            <a:tailEnd type="triangle"/>
+          </a:ln>
+        </p:spPr>
+        <p:style>
+          <a:lnRef idx="1">
+            <a:schemeClr val="accent1"/>
+          </a:lnRef>
+          <a:fillRef idx="0">
+            <a:schemeClr val="accent1"/>
+          </a:fillRef>
+          <a:effectRef idx="0">
+            <a:schemeClr val="accent1"/>
+          </a:effectRef>
+          <a:fontRef idx="minor">
+            <a:schemeClr val="tx1"/>
+          </a:fontRef>
+        </p:style>
+      </p:cxnSp>
+      <p:cxnSp>
+        <p:nvCxnSpPr>
+          <p:cNvPr id="17" name="直线箭头连接符 24">
+            <a:extLst>
+              <a:ext uri="{FF2B5EF4-FFF2-40B4-BE49-F238E27FC236}">
+                <a16:creationId xmlns:a16="http://schemas.microsoft.com/office/drawing/2014/main" xmlns="" id="{020C84F4-2EEA-E044-A8CE-F90698152568}"/>
+              </a:ext>
+            </a:extLst>
+          </p:cNvPr>
+          <p:cNvCxnSpPr>
+            <a:cxnSpLocks/>
+            <a:stCxn id="10" idx="2"/>
+            <a:endCxn id="7" idx="2"/>
+          </p:cNvCxnSpPr>
+          <p:nvPr/>
+        </p:nvCxnSpPr>
+        <p:spPr>
+          <a:xfrm>
+            <a:off x="2592810" y="4073367"/>
+            <a:ext cx="1606214" cy="1147912"/>
+          </a:xfrm>
+          <a:prstGeom prst="straightConnector1">
+            <a:avLst/>
+          </a:prstGeom>
+          <a:ln>
+            <a:tailEnd type="triangle"/>
+          </a:ln>
+        </p:spPr>
+        <p:style>
+          <a:lnRef idx="1">
+            <a:schemeClr val="accent1"/>
+          </a:lnRef>
+          <a:fillRef idx="0">
+            <a:schemeClr val="accent1"/>
+          </a:fillRef>
+          <a:effectRef idx="0">
+            <a:schemeClr val="accent1"/>
+          </a:effectRef>
+          <a:fontRef idx="minor">
+            <a:schemeClr val="tx1"/>
+          </a:fontRef>
+        </p:style>
+      </p:cxnSp>
+      <p:cxnSp>
+        <p:nvCxnSpPr>
+          <p:cNvPr id="18" name="直线箭头连接符 38">
+            <a:extLst>
+              <a:ext uri="{FF2B5EF4-FFF2-40B4-BE49-F238E27FC236}">
+                <a16:creationId xmlns:a16="http://schemas.microsoft.com/office/drawing/2014/main" xmlns="" id="{C6DD7EBC-705C-524A-9292-6AE21DCA8CEB}"/>
+              </a:ext>
+            </a:extLst>
+          </p:cNvPr>
+          <p:cNvCxnSpPr>
+            <a:stCxn id="5" idx="2"/>
+            <a:endCxn id="10" idx="0"/>
+          </p:cNvCxnSpPr>
+          <p:nvPr/>
+        </p:nvCxnSpPr>
+        <p:spPr>
+          <a:xfrm flipH="1">
+            <a:off x="2592810" y="2020292"/>
+            <a:ext cx="1606214" cy="1258991"/>
+          </a:xfrm>
+          <a:prstGeom prst="straightConnector1">
+            <a:avLst/>
+          </a:prstGeom>
+          <a:ln>
+            <a:tailEnd type="triangle"/>
+          </a:ln>
+        </p:spPr>
+        <p:style>
+          <a:lnRef idx="1">
+            <a:schemeClr val="accent1"/>
+          </a:lnRef>
+          <a:fillRef idx="0">
+            <a:schemeClr val="accent1"/>
+          </a:fillRef>
+          <a:effectRef idx="0">
+            <a:schemeClr val="accent1"/>
+          </a:effectRef>
+          <a:fontRef idx="minor">
+            <a:schemeClr val="tx1"/>
+          </a:fontRef>
+        </p:style>
+      </p:cxnSp>
+    </p:spTree>
+    <p:extLst>
+      <p:ext uri="{BB962C8B-B14F-4D97-AF65-F5344CB8AC3E}">
+        <p14:creationId xmlns:p14="http://schemas.microsoft.com/office/powerpoint/2010/main" val="3713885708"/>
+      </p:ext>
+    </p:extLst>
+  </p:cSld>
+  <p:clrMapOvr>
+    <a:masterClrMapping/>
+  </p:clrMapOvr>
+  <p:timing>
+    <p:tnLst>
+      <p:par>
+        <p:cTn id="1" dur="indefinite" restart="never" nodeType="tmRoot"/>
+      </p:par>
+    </p:tnLst>
+  </p:timing>
+</p:sld>
+</file>
+
+<file path=ppt/slides/slide31.xml><?xml version="1.0" encoding="utf-8"?>
 <p:sld xmlns:a="http://schemas.openxmlformats.org/drawingml/2006/main" xmlns:r="http://schemas.openxmlformats.org/officeDocument/2006/relationships" xmlns:p="http://schemas.openxmlformats.org/presentationml/2006/main">
   <p:cSld>
     <p:spTree>
@@ -15946,7 +16467,7 @@
           <p:cNvPr id="2" name="图片 2" descr="【马戏团·模型设计】tiger">
             <a:extLst>
               <a:ext uri="{FF2B5EF4-FFF2-40B4-BE49-F238E27FC236}">
-                <a16:creationId xmlns:a16="http://schemas.microsoft.com/office/drawing/2014/main" id="{FF1B94C7-EACA-AE44-9D9A-C553998CA305}"/>
+                <a16:creationId xmlns:a16="http://schemas.microsoft.com/office/drawing/2014/main" xmlns="" id="{FF1B94C7-EACA-AE44-9D9A-C553998CA305}"/>
               </a:ext>
             </a:extLst>
           </p:cNvPr>
@@ -15976,7 +16497,7 @@
           <p:cNvPr id="3" name="图片 4" descr="【马戏团·模型设计】monkey">
             <a:extLst>
               <a:ext uri="{FF2B5EF4-FFF2-40B4-BE49-F238E27FC236}">
-                <a16:creationId xmlns:a16="http://schemas.microsoft.com/office/drawing/2014/main" id="{AEFDF0BA-0B34-E343-BC31-EE5FBBC7A4A3}"/>
+                <a16:creationId xmlns:a16="http://schemas.microsoft.com/office/drawing/2014/main" xmlns="" id="{AEFDF0BA-0B34-E343-BC31-EE5FBBC7A4A3}"/>
               </a:ext>
             </a:extLst>
           </p:cNvPr>
@@ -16006,7 +16527,7 @@
           <p:cNvPr id="4" name="图片 5" descr="【马戏团·模型设计】bear">
             <a:extLst>
               <a:ext uri="{FF2B5EF4-FFF2-40B4-BE49-F238E27FC236}">
-                <a16:creationId xmlns:a16="http://schemas.microsoft.com/office/drawing/2014/main" id="{C2A74911-B13E-C246-8969-DFF8A7254082}"/>
+                <a16:creationId xmlns:a16="http://schemas.microsoft.com/office/drawing/2014/main" xmlns="" id="{C2A74911-B13E-C246-8969-DFF8A7254082}"/>
               </a:ext>
             </a:extLst>
           </p:cNvPr>
@@ -16036,7 +16557,7 @@
           <p:cNvPr id="5" name="图片 7" descr="【马戏团-模型设计】elephant">
             <a:extLst>
               <a:ext uri="{FF2B5EF4-FFF2-40B4-BE49-F238E27FC236}">
-                <a16:creationId xmlns:a16="http://schemas.microsoft.com/office/drawing/2014/main" id="{D1C5923A-1A09-9746-A82E-E88C42DB1593}"/>
+                <a16:creationId xmlns:a16="http://schemas.microsoft.com/office/drawing/2014/main" xmlns="" id="{D1C5923A-1A09-9746-A82E-E88C42DB1593}"/>
               </a:ext>
             </a:extLst>
           </p:cNvPr>
@@ -16066,7 +16587,7 @@
           <p:cNvPr id="6" name="图片 8" descr="【马戏团·模型设计】seal">
             <a:extLst>
               <a:ext uri="{FF2B5EF4-FFF2-40B4-BE49-F238E27FC236}">
-                <a16:creationId xmlns:a16="http://schemas.microsoft.com/office/drawing/2014/main" id="{DDA56538-B2C2-B34E-9C32-D08D50121D64}"/>
+                <a16:creationId xmlns:a16="http://schemas.microsoft.com/office/drawing/2014/main" xmlns="" id="{DDA56538-B2C2-B34E-9C32-D08D50121D64}"/>
               </a:ext>
             </a:extLst>
           </p:cNvPr>
@@ -16096,7 +16617,7 @@
           <p:cNvPr id="7" name="图片 9" descr="【马戏团·模型设计】fbird">
             <a:extLst>
               <a:ext uri="{FF2B5EF4-FFF2-40B4-BE49-F238E27FC236}">
-                <a16:creationId xmlns:a16="http://schemas.microsoft.com/office/drawing/2014/main" id="{12501533-92EE-3649-9832-793A7DE8ABCA}"/>
+                <a16:creationId xmlns:a16="http://schemas.microsoft.com/office/drawing/2014/main" xmlns="" id="{12501533-92EE-3649-9832-793A7DE8ABCA}"/>
               </a:ext>
             </a:extLst>
           </p:cNvPr>
@@ -16126,7 +16647,7 @@
           <p:cNvPr id="8" name="图片 6" descr="【马戏团·模型设计】fpig">
             <a:extLst>
               <a:ext uri="{FF2B5EF4-FFF2-40B4-BE49-F238E27FC236}">
-                <a16:creationId xmlns:a16="http://schemas.microsoft.com/office/drawing/2014/main" id="{FF69A48D-E3EC-C948-9821-8093DFFBE394}"/>
+                <a16:creationId xmlns:a16="http://schemas.microsoft.com/office/drawing/2014/main" xmlns="" id="{FF69A48D-E3EC-C948-9821-8093DFFBE394}"/>
               </a:ext>
             </a:extLst>
           </p:cNvPr>
@@ -16161,121 +16682,13 @@
   <p:clrMapOvr>
     <a:masterClrMapping/>
   </p:clrMapOvr>
-</p:sld>
-</file>
-
-<file path=ppt/slides/slide31.xml><?xml version="1.0" encoding="utf-8"?>
-<p:sld xmlns:a="http://schemas.openxmlformats.org/drawingml/2006/main" xmlns:r="http://schemas.openxmlformats.org/officeDocument/2006/relationships" xmlns:p="http://schemas.openxmlformats.org/presentationml/2006/main">
-  <p:cSld>
-    <p:spTree>
-      <p:nvGrpSpPr>
-        <p:cNvPr id="1" name=""/>
-        <p:cNvGrpSpPr/>
-        <p:nvPr/>
-      </p:nvGrpSpPr>
-      <p:grpSpPr>
-        <a:xfrm>
-          <a:off x="0" y="0"/>
-          <a:ext cx="0" cy="0"/>
-          <a:chOff x="0" y="0"/>
-          <a:chExt cx="0" cy="0"/>
-        </a:xfrm>
-      </p:grpSpPr>
-      <p:sp>
-        <p:nvSpPr>
-          <p:cNvPr id="4" name="TextBox 3">
-            <a:extLst>
-              <a:ext uri="{FF2B5EF4-FFF2-40B4-BE49-F238E27FC236}">
-                <a16:creationId xmlns:a16="http://schemas.microsoft.com/office/drawing/2014/main" id="{8AFA3FF7-6FFC-9E49-B81F-621B868F6A51}"/>
-              </a:ext>
-            </a:extLst>
-          </p:cNvPr>
-          <p:cNvSpPr txBox="1"/>
-          <p:nvPr/>
-        </p:nvSpPr>
-        <p:spPr>
-          <a:xfrm>
-            <a:off x="1113034" y="739891"/>
-            <a:ext cx="9965932" cy="3631763"/>
-          </a:xfrm>
-          <a:prstGeom prst="rect">
-            <a:avLst/>
-          </a:prstGeom>
-          <a:noFill/>
-        </p:spPr>
-        <p:txBody>
-          <a:bodyPr wrap="square" rtlCol="0">
-            <a:spAutoFit/>
-          </a:bodyPr>
-          <a:lstStyle/>
-          <a:p>
-            <a:pPr algn="ctr"/>
-            <a:r>
-              <a:rPr lang="en-US" sz="23000" dirty="0">
-                <a:solidFill>
-                  <a:schemeClr val="accent1">
-                    <a:lumMod val="60000"/>
-                    <a:lumOff val="40000"/>
-                  </a:schemeClr>
-                </a:solidFill>
-              </a:rPr>
-              <a:t>Demo</a:t>
-            </a:r>
-          </a:p>
-        </p:txBody>
-      </p:sp>
-      <p:sp>
-        <p:nvSpPr>
-          <p:cNvPr id="6" name="TextBox 5">
-            <a:extLst>
-              <a:ext uri="{FF2B5EF4-FFF2-40B4-BE49-F238E27FC236}">
-                <a16:creationId xmlns:a16="http://schemas.microsoft.com/office/drawing/2014/main" id="{2711AD84-B9C8-734C-9A6F-2DB0DCAF91C3}"/>
-              </a:ext>
-            </a:extLst>
-          </p:cNvPr>
-          <p:cNvSpPr txBox="1"/>
-          <p:nvPr/>
-        </p:nvSpPr>
-        <p:spPr>
-          <a:xfrm>
-            <a:off x="977761" y="799824"/>
-            <a:ext cx="9965932" cy="3631763"/>
-          </a:xfrm>
-          <a:prstGeom prst="rect">
-            <a:avLst/>
-          </a:prstGeom>
-          <a:noFill/>
-        </p:spPr>
-        <p:txBody>
-          <a:bodyPr wrap="square" rtlCol="0">
-            <a:spAutoFit/>
-          </a:bodyPr>
-          <a:lstStyle/>
-          <a:p>
-            <a:pPr algn="ctr"/>
-            <a:r>
-              <a:rPr lang="en-US" sz="23000" dirty="0">
-                <a:solidFill>
-                  <a:schemeClr val="bg1">
-                    <a:lumMod val="75000"/>
-                  </a:schemeClr>
-                </a:solidFill>
-              </a:rPr>
-              <a:t>Demo</a:t>
-            </a:r>
-          </a:p>
-        </p:txBody>
-      </p:sp>
-    </p:spTree>
-    <p:extLst>
-      <p:ext uri="{BB962C8B-B14F-4D97-AF65-F5344CB8AC3E}">
-        <p14:creationId xmlns:p14="http://schemas.microsoft.com/office/powerpoint/2010/main" val="3360983903"/>
-      </p:ext>
-    </p:extLst>
-  </p:cSld>
-  <p:clrMapOvr>
-    <a:masterClrMapping/>
-  </p:clrMapOvr>
+  <p:timing>
+    <p:tnLst>
+      <p:par>
+        <p:cTn id="1" dur="indefinite" restart="never" nodeType="tmRoot"/>
+      </p:par>
+    </p:tnLst>
+  </p:timing>
 </p:sld>
 </file>
 
@@ -16298,10 +16711,132 @@
       </p:grpSpPr>
       <p:sp>
         <p:nvSpPr>
+          <p:cNvPr id="4" name="TextBox 3">
+            <a:extLst>
+              <a:ext uri="{FF2B5EF4-FFF2-40B4-BE49-F238E27FC236}">
+                <a16:creationId xmlns:a16="http://schemas.microsoft.com/office/drawing/2014/main" xmlns="" id="{8AFA3FF7-6FFC-9E49-B81F-621B868F6A51}"/>
+              </a:ext>
+            </a:extLst>
+          </p:cNvPr>
+          <p:cNvSpPr txBox="1"/>
+          <p:nvPr/>
+        </p:nvSpPr>
+        <p:spPr>
+          <a:xfrm>
+            <a:off x="1113034" y="739891"/>
+            <a:ext cx="9965932" cy="3631763"/>
+          </a:xfrm>
+          <a:prstGeom prst="rect">
+            <a:avLst/>
+          </a:prstGeom>
+          <a:noFill/>
+        </p:spPr>
+        <p:txBody>
+          <a:bodyPr wrap="square" rtlCol="0">
+            <a:spAutoFit/>
+          </a:bodyPr>
+          <a:lstStyle/>
+          <a:p>
+            <a:pPr algn="ctr"/>
+            <a:r>
+              <a:rPr lang="en-US" sz="23000" dirty="0">
+                <a:solidFill>
+                  <a:schemeClr val="accent1">
+                    <a:lumMod val="60000"/>
+                    <a:lumOff val="40000"/>
+                  </a:schemeClr>
+                </a:solidFill>
+              </a:rPr>
+              <a:t>Demo</a:t>
+            </a:r>
+          </a:p>
+        </p:txBody>
+      </p:sp>
+      <p:sp>
+        <p:nvSpPr>
+          <p:cNvPr id="6" name="TextBox 5">
+            <a:extLst>
+              <a:ext uri="{FF2B5EF4-FFF2-40B4-BE49-F238E27FC236}">
+                <a16:creationId xmlns:a16="http://schemas.microsoft.com/office/drawing/2014/main" xmlns="" id="{2711AD84-B9C8-734C-9A6F-2DB0DCAF91C3}"/>
+              </a:ext>
+            </a:extLst>
+          </p:cNvPr>
+          <p:cNvSpPr txBox="1"/>
+          <p:nvPr/>
+        </p:nvSpPr>
+        <p:spPr>
+          <a:xfrm>
+            <a:off x="977761" y="799824"/>
+            <a:ext cx="9965932" cy="3631763"/>
+          </a:xfrm>
+          <a:prstGeom prst="rect">
+            <a:avLst/>
+          </a:prstGeom>
+          <a:noFill/>
+        </p:spPr>
+        <p:txBody>
+          <a:bodyPr wrap="square" rtlCol="0">
+            <a:spAutoFit/>
+          </a:bodyPr>
+          <a:lstStyle/>
+          <a:p>
+            <a:pPr algn="ctr"/>
+            <a:r>
+              <a:rPr lang="en-US" sz="23000" dirty="0">
+                <a:solidFill>
+                  <a:schemeClr val="bg1">
+                    <a:lumMod val="75000"/>
+                  </a:schemeClr>
+                </a:solidFill>
+              </a:rPr>
+              <a:t>Demo</a:t>
+            </a:r>
+          </a:p>
+        </p:txBody>
+      </p:sp>
+    </p:spTree>
+    <p:extLst>
+      <p:ext uri="{BB962C8B-B14F-4D97-AF65-F5344CB8AC3E}">
+        <p14:creationId xmlns:p14="http://schemas.microsoft.com/office/powerpoint/2010/main" val="3360983903"/>
+      </p:ext>
+    </p:extLst>
+  </p:cSld>
+  <p:clrMapOvr>
+    <a:masterClrMapping/>
+  </p:clrMapOvr>
+  <p:timing>
+    <p:tnLst>
+      <p:par>
+        <p:cTn id="1" dur="indefinite" restart="never" nodeType="tmRoot"/>
+      </p:par>
+    </p:tnLst>
+  </p:timing>
+</p:sld>
+</file>
+
+<file path=ppt/slides/slide33.xml><?xml version="1.0" encoding="utf-8"?>
+<p:sld xmlns:a="http://schemas.openxmlformats.org/drawingml/2006/main" xmlns:r="http://schemas.openxmlformats.org/officeDocument/2006/relationships" xmlns:p="http://schemas.openxmlformats.org/presentationml/2006/main">
+  <p:cSld>
+    <p:spTree>
+      <p:nvGrpSpPr>
+        <p:cNvPr id="1" name=""/>
+        <p:cNvGrpSpPr/>
+        <p:nvPr/>
+      </p:nvGrpSpPr>
+      <p:grpSpPr>
+        <a:xfrm>
+          <a:off x="0" y="0"/>
+          <a:ext cx="0" cy="0"/>
+          <a:chOff x="0" y="0"/>
+          <a:chExt cx="0" cy="0"/>
+        </a:xfrm>
+      </p:grpSpPr>
+      <p:sp>
+        <p:nvSpPr>
           <p:cNvPr id="2" name="标题 1">
             <a:extLst>
               <a:ext uri="{FF2B5EF4-FFF2-40B4-BE49-F238E27FC236}">
-                <a16:creationId xmlns:a16="http://schemas.microsoft.com/office/drawing/2014/main" id="{1864F89D-DBDF-46B7-86F5-D7555A9BFA47}"/>
+                <a16:creationId xmlns:a16="http://schemas.microsoft.com/office/drawing/2014/main" xmlns="" id="{1864F89D-DBDF-46B7-86F5-D7555A9BFA47}"/>
               </a:ext>
             </a:extLst>
           </p:cNvPr>
@@ -16330,7 +16865,7 @@
           <p:cNvPr id="5" name="1a0afefe-8d8e-4304-8fde-5df01c78f0d9" descr="本素材由iSlide™ 提供&#10;iSlide™尊重知识产权并注重保护用户享有的各项权利。郑重提醒您：&#10;iSlide™插件中提供的任何信息内容的所有权、知识产权归其原始权利人或权利受让人所有，您免费/购买获得的是信息内容的使用权，并受下述条款的约束；&#10;1. 您仅可以个人非商业用途使用该等信息内容，不可将信息内容的全部或部分用于出售，或以出租、出借、转让、分销、发布等其他任何方式供他人使用；&#10;2. 禁止在接入互联网或移动互联网的任何网站、平台、应用或程序上以任何方式为他人提供iSlide™插件资源内容的下载。&#10;The resource is supplied by iSlide™.&#10;iSlide™ respects all intellectual property rights and protects all the rights its users acquired.Solemnly remind you:&#10;The ownership and intellectual property of the resources supplied in iSlide Add-in belongs to its owner or the assignee of this ownership.you only acquired the usage of the resources supplied in iSlide Add-in, as well as respected the following restrain terms:&#10;1.You are only allowed to use such resource for personal and non-commercial aim, not allowed to use such resource or part of it for the sale; or rent, lend, transfer to others; or distribution or release it in any way.&#10;2.You are not permitted to provide the resource of iSlide Add-in in any website, platform, application access to the Internet or mobile Internet." title="iSlide™ 版权声明  COPYRIGHT NOTICE">
             <a:extLst>
               <a:ext uri="{FF2B5EF4-FFF2-40B4-BE49-F238E27FC236}">
-                <a16:creationId xmlns:a16="http://schemas.microsoft.com/office/drawing/2014/main" id="{8F428C0E-F962-42D7-BD1B-59E6CE01CC31}"/>
+                <a16:creationId xmlns:a16="http://schemas.microsoft.com/office/drawing/2014/main" xmlns="" id="{8F428C0E-F962-42D7-BD1B-59E6CE01CC31}"/>
               </a:ext>
             </a:extLst>
           </p:cNvPr>
@@ -16356,7 +16891,7 @@
             <p:cNvPr id="6" name="直接连接符 5">
               <a:extLst>
                 <a:ext uri="{FF2B5EF4-FFF2-40B4-BE49-F238E27FC236}">
-                  <a16:creationId xmlns:a16="http://schemas.microsoft.com/office/drawing/2014/main" id="{5BF9A06E-F92B-457D-8C69-3308A05363CD}"/>
+                  <a16:creationId xmlns:a16="http://schemas.microsoft.com/office/drawing/2014/main" xmlns="" id="{5BF9A06E-F92B-457D-8C69-3308A05363CD}"/>
                 </a:ext>
               </a:extLst>
             </p:cNvPr>
@@ -16394,7 +16929,7 @@
             <p:cNvPr id="7" name="ïsḻiḍê">
               <a:extLst>
                 <a:ext uri="{FF2B5EF4-FFF2-40B4-BE49-F238E27FC236}">
-                  <a16:creationId xmlns:a16="http://schemas.microsoft.com/office/drawing/2014/main" id="{E9293348-5126-4BD8-9766-47F35190779F}"/>
+                  <a16:creationId xmlns:a16="http://schemas.microsoft.com/office/drawing/2014/main" xmlns="" id="{E9293348-5126-4BD8-9766-47F35190779F}"/>
                 </a:ext>
               </a:extLst>
             </p:cNvPr>
@@ -16436,7 +16971,7 @@
             <p:cNvPr id="8" name="iŝḻíḍè">
               <a:extLst>
                 <a:ext uri="{FF2B5EF4-FFF2-40B4-BE49-F238E27FC236}">
-                  <a16:creationId xmlns:a16="http://schemas.microsoft.com/office/drawing/2014/main" id="{37C14182-9AD9-4035-BD29-5698CD49BB31}"/>
+                  <a16:creationId xmlns:a16="http://schemas.microsoft.com/office/drawing/2014/main" xmlns="" id="{37C14182-9AD9-4035-BD29-5698CD49BB31}"/>
                 </a:ext>
               </a:extLst>
             </p:cNvPr>
@@ -16480,7 +17015,7 @@
             <p:cNvPr id="12" name="ïṡḻidè">
               <a:extLst>
                 <a:ext uri="{FF2B5EF4-FFF2-40B4-BE49-F238E27FC236}">
-                  <a16:creationId xmlns:a16="http://schemas.microsoft.com/office/drawing/2014/main" id="{DBAB11C0-4810-4A94-8F28-13E26E0224EB}"/>
+                  <a16:creationId xmlns:a16="http://schemas.microsoft.com/office/drawing/2014/main" xmlns="" id="{DBAB11C0-4810-4A94-8F28-13E26E0224EB}"/>
                 </a:ext>
               </a:extLst>
             </p:cNvPr>
@@ -16536,7 +17071,7 @@
             <p:cNvPr id="13" name="ïṥļîḍê">
               <a:extLst>
                 <a:ext uri="{FF2B5EF4-FFF2-40B4-BE49-F238E27FC236}">
-                  <a16:creationId xmlns:a16="http://schemas.microsoft.com/office/drawing/2014/main" id="{3E47EB4A-3E15-4AA0-A30A-7F8B22A9DDBB}"/>
+                  <a16:creationId xmlns:a16="http://schemas.microsoft.com/office/drawing/2014/main" xmlns="" id="{3E47EB4A-3E15-4AA0-A30A-7F8B22A9DDBB}"/>
                 </a:ext>
               </a:extLst>
             </p:cNvPr>
@@ -16606,7 +17141,7 @@
           <p:cNvPr id="17" name="îşḻîḑê">
             <a:extLst>
               <a:ext uri="{FF2B5EF4-FFF2-40B4-BE49-F238E27FC236}">
-                <a16:creationId xmlns:a16="http://schemas.microsoft.com/office/drawing/2014/main" id="{F5F91314-A44B-A34F-AEA0-19A566165C3A}"/>
+                <a16:creationId xmlns:a16="http://schemas.microsoft.com/office/drawing/2014/main" xmlns="" id="{F5F91314-A44B-A34F-AEA0-19A566165C3A}"/>
               </a:ext>
             </a:extLst>
           </p:cNvPr>
@@ -16660,7 +17195,7 @@
           <p:cNvPr id="20" name="ï$ḷïdè">
             <a:extLst>
               <a:ext uri="{FF2B5EF4-FFF2-40B4-BE49-F238E27FC236}">
-                <a16:creationId xmlns:a16="http://schemas.microsoft.com/office/drawing/2014/main" id="{C9007282-385E-2041-A394-05C56AC0CF18}"/>
+                <a16:creationId xmlns:a16="http://schemas.microsoft.com/office/drawing/2014/main" xmlns="" id="{C9007282-385E-2041-A394-05C56AC0CF18}"/>
               </a:ext>
             </a:extLst>
           </p:cNvPr>
@@ -16727,7 +17262,7 @@
           <p:cNvPr id="21" name="îşḻîḑê">
             <a:extLst>
               <a:ext uri="{FF2B5EF4-FFF2-40B4-BE49-F238E27FC236}">
-                <a16:creationId xmlns:a16="http://schemas.microsoft.com/office/drawing/2014/main" id="{35941E75-FA42-4B26-8228-95005F0AAB6B}"/>
+                <a16:creationId xmlns:a16="http://schemas.microsoft.com/office/drawing/2014/main" xmlns="" id="{35941E75-FA42-4B26-8228-95005F0AAB6B}"/>
               </a:ext>
             </a:extLst>
           </p:cNvPr>
@@ -16781,7 +17316,7 @@
           <p:cNvPr id="22" name="ï$ḷïdè">
             <a:extLst>
               <a:ext uri="{FF2B5EF4-FFF2-40B4-BE49-F238E27FC236}">
-                <a16:creationId xmlns:a16="http://schemas.microsoft.com/office/drawing/2014/main" id="{52CEBE51-3AD1-443A-B980-D18C9C1CA3A7}"/>
+                <a16:creationId xmlns:a16="http://schemas.microsoft.com/office/drawing/2014/main" xmlns="" id="{52CEBE51-3AD1-443A-B980-D18C9C1CA3A7}"/>
               </a:ext>
             </a:extLst>
           </p:cNvPr>
@@ -16848,7 +17383,7 @@
           <p:cNvPr id="25" name="îSļîḓé">
             <a:extLst>
               <a:ext uri="{FF2B5EF4-FFF2-40B4-BE49-F238E27FC236}">
-                <a16:creationId xmlns:a16="http://schemas.microsoft.com/office/drawing/2014/main" id="{6EAE26A0-8683-4250-BF86-DE7A50829B53}"/>
+                <a16:creationId xmlns:a16="http://schemas.microsoft.com/office/drawing/2014/main" xmlns="" id="{6EAE26A0-8683-4250-BF86-DE7A50829B53}"/>
               </a:ext>
             </a:extLst>
           </p:cNvPr>
@@ -16904,7 +17439,7 @@
           <p:cNvPr id="26" name="ïS1îďè">
             <a:extLst>
               <a:ext uri="{FF2B5EF4-FFF2-40B4-BE49-F238E27FC236}">
-                <a16:creationId xmlns:a16="http://schemas.microsoft.com/office/drawing/2014/main" id="{13C89799-23CA-40D4-AFAD-7C9E253AA8E9}"/>
+                <a16:creationId xmlns:a16="http://schemas.microsoft.com/office/drawing/2014/main" xmlns="" id="{13C89799-23CA-40D4-AFAD-7C9E253AA8E9}"/>
               </a:ext>
             </a:extLst>
           </p:cNvPr>
@@ -16971,7 +17506,7 @@
           <p:cNvPr id="27" name="íṣḻîďe">
             <a:extLst>
               <a:ext uri="{FF2B5EF4-FFF2-40B4-BE49-F238E27FC236}">
-                <a16:creationId xmlns:a16="http://schemas.microsoft.com/office/drawing/2014/main" id="{671A3E52-1CE9-40A8-809F-D7FD4FC29DA7}"/>
+                <a16:creationId xmlns:a16="http://schemas.microsoft.com/office/drawing/2014/main" xmlns="" id="{671A3E52-1CE9-40A8-809F-D7FD4FC29DA7}"/>
               </a:ext>
             </a:extLst>
           </p:cNvPr>
@@ -17038,7 +17573,7 @@
           <p:cNvPr id="28" name="íśḷïḋe">
             <a:extLst>
               <a:ext uri="{FF2B5EF4-FFF2-40B4-BE49-F238E27FC236}">
-                <a16:creationId xmlns:a16="http://schemas.microsoft.com/office/drawing/2014/main" id="{4518CF53-158C-4C85-935A-71FB7B559162}"/>
+                <a16:creationId xmlns:a16="http://schemas.microsoft.com/office/drawing/2014/main" xmlns="" id="{4518CF53-158C-4C85-935A-71FB7B559162}"/>
               </a:ext>
             </a:extLst>
           </p:cNvPr>
@@ -17099,10 +17634,17 @@
   <p:clrMapOvr>
     <a:masterClrMapping/>
   </p:clrMapOvr>
+  <p:timing>
+    <p:tnLst>
+      <p:par>
+        <p:cTn id="1" dur="indefinite" restart="never" nodeType="tmRoot"/>
+      </p:par>
+    </p:tnLst>
+  </p:timing>
 </p:sld>
 </file>
 
-<file path=ppt/slides/slide33.xml><?xml version="1.0" encoding="utf-8"?>
+<file path=ppt/slides/slide34.xml><?xml version="1.0" encoding="utf-8"?>
 <p:sld xmlns:a="http://schemas.openxmlformats.org/drawingml/2006/main" xmlns:r="http://schemas.openxmlformats.org/officeDocument/2006/relationships" xmlns:p="http://schemas.openxmlformats.org/presentationml/2006/main">
   <p:cSld>
     <p:spTree>
@@ -17187,7 +17729,7 @@
           <p:cNvPr id="5" name="文本框 4">
             <a:extLst>
               <a:ext uri="{FF2B5EF4-FFF2-40B4-BE49-F238E27FC236}">
-                <a16:creationId xmlns:a16="http://schemas.microsoft.com/office/drawing/2014/main" id="{122E3E2F-9DDE-4D94-A150-AF438CB8E6CA}"/>
+                <a16:creationId xmlns:a16="http://schemas.microsoft.com/office/drawing/2014/main" xmlns="" id="{122E3E2F-9DDE-4D94-A150-AF438CB8E6CA}"/>
               </a:ext>
             </a:extLst>
           </p:cNvPr>
@@ -17246,10 +17788,17 @@
   <p:clrMapOvr>
     <a:masterClrMapping/>
   </p:clrMapOvr>
+  <p:timing>
+    <p:tnLst>
+      <p:par>
+        <p:cTn id="1" dur="indefinite" restart="never" nodeType="tmRoot"/>
+      </p:par>
+    </p:tnLst>
+  </p:timing>
 </p:sld>
 </file>
 
-<file path=ppt/slides/slide34.xml><?xml version="1.0" encoding="utf-8"?>
+<file path=ppt/slides/slide35.xml><?xml version="1.0" encoding="utf-8"?>
 <p:sld xmlns:a="http://schemas.openxmlformats.org/drawingml/2006/main" xmlns:r="http://schemas.openxmlformats.org/officeDocument/2006/relationships" xmlns:p="http://schemas.openxmlformats.org/presentationml/2006/main">
   <p:cSld>
     <p:spTree>
@@ -17271,7 +17820,7 @@
           <p:cNvPr id="2" name="标题 1">
             <a:extLst>
               <a:ext uri="{FF2B5EF4-FFF2-40B4-BE49-F238E27FC236}">
-                <a16:creationId xmlns:a16="http://schemas.microsoft.com/office/drawing/2014/main" id="{CE125917-B2CA-4CC0-BE37-2D886932CC5E}"/>
+                <a16:creationId xmlns:a16="http://schemas.microsoft.com/office/drawing/2014/main" xmlns="" id="{CE125917-B2CA-4CC0-BE37-2D886932CC5E}"/>
               </a:ext>
             </a:extLst>
           </p:cNvPr>
@@ -17300,7 +17849,7 @@
           <p:cNvPr id="4" name="灯片编号占位符 3">
             <a:extLst>
               <a:ext uri="{FF2B5EF4-FFF2-40B4-BE49-F238E27FC236}">
-                <a16:creationId xmlns:a16="http://schemas.microsoft.com/office/drawing/2014/main" id="{CF993805-2587-4E44-91B5-EC732264590A}"/>
+                <a16:creationId xmlns:a16="http://schemas.microsoft.com/office/drawing/2014/main" xmlns="" id="{CF993805-2587-4E44-91B5-EC732264590A}"/>
               </a:ext>
             </a:extLst>
           </p:cNvPr>
@@ -17319,7 +17868,7 @@
             <a:fld id="{5DD3DB80-B894-403A-B48E-6FDC1A72010E}" type="slidenum">
               <a:rPr lang="zh-CN" altLang="en-US" smtClean="0"/>
               <a:pPr/>
-              <a:t>34</a:t>
+              <a:t>35</a:t>
             </a:fld>
             <a:endParaRPr lang="zh-CN" altLang="en-US"/>
           </a:p>
@@ -17330,7 +17879,7 @@
           <p:cNvPr id="5" name="2c4b2e27-e7a8-4565-a1c1-9ab99101e804" descr="本素材由iSlide™ 提供&#10;iSlide™尊重知识产权并注重保护用户享有的各项权利。郑重提醒您：&#10;iSlide™插件中提供的任何信息内容的所有权、知识产权归其原始权利人或权利受让人所有，您免费/购买获得的是信息内容的使用权，并受下述条款的约束；&#10;1. 您仅可以个人非商业用途使用该等信息内容，不可将信息内容的全部或部分用于出售，或以出租、出借、转让、分销、发布等其他任何方式供他人使用；&#10;2. 禁止在接入互联网或移动互联网的任何网站、平台、应用或程序上以任何方式为他人提供iSlide™插件资源内容的下载。&#10;The resource is supplied by iSlide™.&#10;iSlide™ respects all intellectual property rights and protects all the rights its users acquired.Solemnly remind you:&#10;The ownership and intellectual property of the resources supplied in iSlide Add-in belongs to its owner or the assignee of this ownership.you only acquired the usage of the resources supplied in iSlide Add-in, as well as respected the following restrain terms:&#10;1.You are only allowed to use such resource for personal and non-commercial aim, not allowed to use such resource or part of it for the sale; or rent, lend, transfer to others; or distribution or release it in any way.&#10;2.You are not permitted to provide the resource of iSlide Add-in in any website, platform, application access to the Internet or mobile Internet." title="iSlide™ 版权声明  COPYRIGHT NOTICE">
             <a:extLst>
               <a:ext uri="{FF2B5EF4-FFF2-40B4-BE49-F238E27FC236}">
-                <a16:creationId xmlns:a16="http://schemas.microsoft.com/office/drawing/2014/main" id="{59C79703-83EB-421B-9FB3-5210F7A54F59}"/>
+                <a16:creationId xmlns:a16="http://schemas.microsoft.com/office/drawing/2014/main" xmlns="" id="{59C79703-83EB-421B-9FB3-5210F7A54F59}"/>
               </a:ext>
             </a:extLst>
           </p:cNvPr>
@@ -17356,7 +17905,7 @@
             <p:cNvPr id="6" name="îśḻîḋé">
               <a:extLst>
                 <a:ext uri="{FF2B5EF4-FFF2-40B4-BE49-F238E27FC236}">
-                  <a16:creationId xmlns:a16="http://schemas.microsoft.com/office/drawing/2014/main" id="{CBED7234-C858-4101-AD6A-17DBAAFAA279}"/>
+                  <a16:creationId xmlns:a16="http://schemas.microsoft.com/office/drawing/2014/main" xmlns="" id="{CBED7234-C858-4101-AD6A-17DBAAFAA279}"/>
                 </a:ext>
               </a:extLst>
             </p:cNvPr>
@@ -17490,7 +18039,7 @@
             <p:cNvPr id="7" name="ïs1îḓé">
               <a:extLst>
                 <a:ext uri="{FF2B5EF4-FFF2-40B4-BE49-F238E27FC236}">
-                  <a16:creationId xmlns:a16="http://schemas.microsoft.com/office/drawing/2014/main" id="{436A7864-573A-4E57-832F-6DA6AA355882}"/>
+                  <a16:creationId xmlns:a16="http://schemas.microsoft.com/office/drawing/2014/main" xmlns="" id="{436A7864-573A-4E57-832F-6DA6AA355882}"/>
                 </a:ext>
               </a:extLst>
             </p:cNvPr>
@@ -17634,7 +18183,7 @@
             <p:cNvPr id="8" name="iṩľiḑè">
               <a:extLst>
                 <a:ext uri="{FF2B5EF4-FFF2-40B4-BE49-F238E27FC236}">
-                  <a16:creationId xmlns:a16="http://schemas.microsoft.com/office/drawing/2014/main" id="{FB1DC6E3-729C-4646-8A23-874BDADC2B92}"/>
+                  <a16:creationId xmlns:a16="http://schemas.microsoft.com/office/drawing/2014/main" xmlns="" id="{FB1DC6E3-729C-4646-8A23-874BDADC2B92}"/>
                 </a:ext>
               </a:extLst>
             </p:cNvPr>
@@ -17768,7 +18317,7 @@
             <p:cNvPr id="9" name="îśḻíďè">
               <a:extLst>
                 <a:ext uri="{FF2B5EF4-FFF2-40B4-BE49-F238E27FC236}">
-                  <a16:creationId xmlns:a16="http://schemas.microsoft.com/office/drawing/2014/main" id="{EFFBF2E9-E8D8-432F-A76E-50295D990017}"/>
+                  <a16:creationId xmlns:a16="http://schemas.microsoft.com/office/drawing/2014/main" xmlns="" id="{EFFBF2E9-E8D8-432F-A76E-50295D990017}"/>
                 </a:ext>
               </a:extLst>
             </p:cNvPr>
@@ -17839,7 +18388,7 @@
             <p:cNvPr id="10" name="ïṧḷiḑè">
               <a:extLst>
                 <a:ext uri="{FF2B5EF4-FFF2-40B4-BE49-F238E27FC236}">
-                  <a16:creationId xmlns:a16="http://schemas.microsoft.com/office/drawing/2014/main" id="{43367C7B-7117-4808-BBBE-01181F0B3E8C}"/>
+                  <a16:creationId xmlns:a16="http://schemas.microsoft.com/office/drawing/2014/main" xmlns="" id="{43367C7B-7117-4808-BBBE-01181F0B3E8C}"/>
                 </a:ext>
               </a:extLst>
             </p:cNvPr>
@@ -17916,7 +18465,7 @@
             <p:cNvPr id="11" name="îṣḷídè">
               <a:extLst>
                 <a:ext uri="{FF2B5EF4-FFF2-40B4-BE49-F238E27FC236}">
-                  <a16:creationId xmlns:a16="http://schemas.microsoft.com/office/drawing/2014/main" id="{81C135DA-A96A-4292-A718-395A7D291A01}"/>
+                  <a16:creationId xmlns:a16="http://schemas.microsoft.com/office/drawing/2014/main" xmlns="" id="{81C135DA-A96A-4292-A718-395A7D291A01}"/>
                 </a:ext>
               </a:extLst>
             </p:cNvPr>
@@ -17987,7 +18536,7 @@
             <p:cNvPr id="12" name="íşḷíďé">
               <a:extLst>
                 <a:ext uri="{FF2B5EF4-FFF2-40B4-BE49-F238E27FC236}">
-                  <a16:creationId xmlns:a16="http://schemas.microsoft.com/office/drawing/2014/main" id="{5FF8D547-15A2-4B31-93C9-4BDFE4A417AF}"/>
+                  <a16:creationId xmlns:a16="http://schemas.microsoft.com/office/drawing/2014/main" xmlns="" id="{5FF8D547-15A2-4B31-93C9-4BDFE4A417AF}"/>
                 </a:ext>
               </a:extLst>
             </p:cNvPr>
@@ -18064,7 +18613,7 @@
             <p:cNvPr id="13" name="îṡ1ïḋè">
               <a:extLst>
                 <a:ext uri="{FF2B5EF4-FFF2-40B4-BE49-F238E27FC236}">
-                  <a16:creationId xmlns:a16="http://schemas.microsoft.com/office/drawing/2014/main" id="{5685332B-CEED-4083-8FC3-CDF8D1F4EA07}"/>
+                  <a16:creationId xmlns:a16="http://schemas.microsoft.com/office/drawing/2014/main" xmlns="" id="{5685332B-CEED-4083-8FC3-CDF8D1F4EA07}"/>
                 </a:ext>
               </a:extLst>
             </p:cNvPr>
@@ -18135,7 +18684,7 @@
             <p:cNvPr id="28" name="i$lîďè">
               <a:extLst>
                 <a:ext uri="{FF2B5EF4-FFF2-40B4-BE49-F238E27FC236}">
-                  <a16:creationId xmlns:a16="http://schemas.microsoft.com/office/drawing/2014/main" id="{4D5C24C6-4DD0-4193-AD42-019C1134797B}"/>
+                  <a16:creationId xmlns:a16="http://schemas.microsoft.com/office/drawing/2014/main" xmlns="" id="{4D5C24C6-4DD0-4193-AD42-019C1134797B}"/>
                 </a:ext>
               </a:extLst>
             </p:cNvPr>
@@ -18269,7 +18818,7 @@
             <p:cNvPr id="26" name="ïṣľiḓé">
               <a:extLst>
                 <a:ext uri="{FF2B5EF4-FFF2-40B4-BE49-F238E27FC236}">
-                  <a16:creationId xmlns:a16="http://schemas.microsoft.com/office/drawing/2014/main" id="{4D5C24C6-4DD0-4193-AD42-019C1134797B}"/>
+                  <a16:creationId xmlns:a16="http://schemas.microsoft.com/office/drawing/2014/main" xmlns="" id="{4D5C24C6-4DD0-4193-AD42-019C1134797B}"/>
                 </a:ext>
               </a:extLst>
             </p:cNvPr>
@@ -18403,7 +18952,7 @@
             <p:cNvPr id="24" name="iSľíḓé">
               <a:extLst>
                 <a:ext uri="{FF2B5EF4-FFF2-40B4-BE49-F238E27FC236}">
-                  <a16:creationId xmlns:a16="http://schemas.microsoft.com/office/drawing/2014/main" id="{4D5C24C6-4DD0-4193-AD42-019C1134797B}"/>
+                  <a16:creationId xmlns:a16="http://schemas.microsoft.com/office/drawing/2014/main" xmlns="" id="{4D5C24C6-4DD0-4193-AD42-019C1134797B}"/>
                 </a:ext>
               </a:extLst>
             </p:cNvPr>
@@ -18538,7 +19087,7 @@
             <p:cNvPr id="22" name="iš1íḑe">
               <a:extLst>
                 <a:ext uri="{FF2B5EF4-FFF2-40B4-BE49-F238E27FC236}">
-                  <a16:creationId xmlns:a16="http://schemas.microsoft.com/office/drawing/2014/main" id="{4D5C24C6-4DD0-4193-AD42-019C1134797B}"/>
+                  <a16:creationId xmlns:a16="http://schemas.microsoft.com/office/drawing/2014/main" xmlns="" id="{4D5C24C6-4DD0-4193-AD42-019C1134797B}"/>
                 </a:ext>
               </a:extLst>
             </p:cNvPr>
@@ -18672,7 +19221,7 @@
             <p:cNvPr id="20" name="iṡ1îḓè">
               <a:extLst>
                 <a:ext uri="{FF2B5EF4-FFF2-40B4-BE49-F238E27FC236}">
-                  <a16:creationId xmlns:a16="http://schemas.microsoft.com/office/drawing/2014/main" id="{1A153469-84DA-4972-A53D-A34555ED07C3}"/>
+                  <a16:creationId xmlns:a16="http://schemas.microsoft.com/office/drawing/2014/main" xmlns="" id="{1A153469-84DA-4972-A53D-A34555ED07C3}"/>
                 </a:ext>
               </a:extLst>
             </p:cNvPr>
@@ -18812,230 +19361,13 @@
   <p:clrMapOvr>
     <a:masterClrMapping/>
   </p:clrMapOvr>
-</p:sld>
-</file>
-
-<file path=ppt/slides/slide35.xml><?xml version="1.0" encoding="utf-8"?>
-<p:sld xmlns:a="http://schemas.openxmlformats.org/drawingml/2006/main" xmlns:r="http://schemas.openxmlformats.org/officeDocument/2006/relationships" xmlns:p="http://schemas.openxmlformats.org/presentationml/2006/main">
-  <p:cSld>
-    <p:spTree>
-      <p:nvGrpSpPr>
-        <p:cNvPr id="1" name=""/>
-        <p:cNvGrpSpPr/>
-        <p:nvPr/>
-      </p:nvGrpSpPr>
-      <p:grpSpPr>
-        <a:xfrm>
-          <a:off x="0" y="0"/>
-          <a:ext cx="0" cy="0"/>
-          <a:chOff x="0" y="0"/>
-          <a:chExt cx="0" cy="0"/>
-        </a:xfrm>
-      </p:grpSpPr>
-      <p:sp>
-        <p:nvSpPr>
-          <p:cNvPr id="2" name="Title 1">
-            <a:extLst>
-              <a:ext uri="{FF2B5EF4-FFF2-40B4-BE49-F238E27FC236}">
-                <a16:creationId xmlns:a16="http://schemas.microsoft.com/office/drawing/2014/main" id="{373C22C7-151E-9244-AA34-BDFD1EFAB060}"/>
-              </a:ext>
-            </a:extLst>
-          </p:cNvPr>
-          <p:cNvSpPr>
-            <a:spLocks noGrp="1"/>
-          </p:cNvSpPr>
-          <p:nvPr>
-            <p:ph type="title"/>
-          </p:nvPr>
-        </p:nvSpPr>
-        <p:spPr/>
-        <p:txBody>
-          <a:bodyPr/>
-          <a:lstStyle/>
-          <a:p>
-            <a:r>
-              <a:rPr lang="en-US" dirty="0"/>
-              <a:t>Summary</a:t>
-            </a:r>
-          </a:p>
-        </p:txBody>
-      </p:sp>
-      <p:sp>
-        <p:nvSpPr>
-          <p:cNvPr id="4" name="Slide Number Placeholder 3">
-            <a:extLst>
-              <a:ext uri="{FF2B5EF4-FFF2-40B4-BE49-F238E27FC236}">
-                <a16:creationId xmlns:a16="http://schemas.microsoft.com/office/drawing/2014/main" id="{4780A2A2-A16E-2D45-958A-459C94BBE2FE}"/>
-              </a:ext>
-            </a:extLst>
-          </p:cNvPr>
-          <p:cNvSpPr>
-            <a:spLocks noGrp="1"/>
-          </p:cNvSpPr>
-          <p:nvPr>
-            <p:ph type="sldNum" sz="quarter" idx="12"/>
-          </p:nvPr>
-        </p:nvSpPr>
-        <p:spPr/>
-        <p:txBody>
-          <a:bodyPr/>
-          <a:lstStyle/>
-          <a:p>
-            <a:fld id="{5DD3DB80-B894-403A-B48E-6FDC1A72010E}" type="slidenum">
-              <a:rPr lang="zh-CN" altLang="en-US" smtClean="0"/>
-              <a:pPr/>
-              <a:t>35</a:t>
-            </a:fld>
-            <a:endParaRPr lang="zh-CN" altLang="en-US"/>
-          </a:p>
-        </p:txBody>
-      </p:sp>
-      <p:sp>
-        <p:nvSpPr>
-          <p:cNvPr id="5" name="TextBox 4">
-            <a:extLst>
-              <a:ext uri="{FF2B5EF4-FFF2-40B4-BE49-F238E27FC236}">
-                <a16:creationId xmlns:a16="http://schemas.microsoft.com/office/drawing/2014/main" id="{72DC4038-0469-7D4A-8F17-59EF6BC15F2E}"/>
-              </a:ext>
-            </a:extLst>
-          </p:cNvPr>
-          <p:cNvSpPr txBox="1"/>
-          <p:nvPr/>
-        </p:nvSpPr>
-        <p:spPr>
-          <a:xfrm>
-            <a:off x="669924" y="1315092"/>
-            <a:ext cx="5063056" cy="461665"/>
-          </a:xfrm>
-          <a:prstGeom prst="rect">
-            <a:avLst/>
-          </a:prstGeom>
-          <a:noFill/>
-        </p:spPr>
-        <p:txBody>
-          <a:bodyPr wrap="square" rtlCol="0">
-            <a:spAutoFit/>
-          </a:bodyPr>
-          <a:lstStyle/>
-          <a:p>
-            <a:r>
-              <a:rPr lang="en-US" sz="2400" dirty="0"/>
-              <a:t>Advantages and Disadvantages</a:t>
-            </a:r>
-          </a:p>
-        </p:txBody>
-      </p:sp>
-      <p:sp>
-        <p:nvSpPr>
-          <p:cNvPr id="7" name="TextBox 6">
-            <a:extLst>
-              <a:ext uri="{FF2B5EF4-FFF2-40B4-BE49-F238E27FC236}">
-                <a16:creationId xmlns:a16="http://schemas.microsoft.com/office/drawing/2014/main" id="{8BBE4B03-D72A-2446-A6B8-98789E3802A5}"/>
-              </a:ext>
-            </a:extLst>
-          </p:cNvPr>
-          <p:cNvSpPr txBox="1"/>
-          <p:nvPr/>
-        </p:nvSpPr>
-        <p:spPr>
-          <a:xfrm>
-            <a:off x="669924" y="2063149"/>
-            <a:ext cx="8948791" cy="3266920"/>
-          </a:xfrm>
-          <a:prstGeom prst="rect">
-            <a:avLst/>
-          </a:prstGeom>
-          <a:noFill/>
-        </p:spPr>
-        <p:txBody>
-          <a:bodyPr wrap="square" rtlCol="0">
-            <a:spAutoFit/>
-          </a:bodyPr>
-          <a:lstStyle/>
-          <a:p>
-            <a:pPr marL="285750" indent="-285750">
-              <a:lnSpc>
-                <a:spcPct val="150000"/>
-              </a:lnSpc>
-              <a:buFont typeface="Arial" panose="020B0604020202020204" pitchFamily="34" charset="0"/>
-              <a:buChar char="•"/>
-            </a:pPr>
-            <a:r>
-              <a:rPr lang="en-US" sz="2000" dirty="0"/>
-              <a:t>Advantage: Using machine learning algorithm in AR compared to traditional AR</a:t>
-            </a:r>
-          </a:p>
-          <a:p>
-            <a:pPr marL="285750" indent="-285750">
-              <a:lnSpc>
-                <a:spcPct val="150000"/>
-              </a:lnSpc>
-              <a:buFont typeface="Arial" panose="020B0604020202020204" pitchFamily="34" charset="0"/>
-              <a:buChar char="•"/>
-            </a:pPr>
-            <a:r>
-              <a:rPr lang="en-US" sz="2000" dirty="0"/>
-              <a:t>Advantage:  Applying machine learning to daily life.</a:t>
-            </a:r>
-          </a:p>
-          <a:p>
-            <a:pPr>
-              <a:lnSpc>
-                <a:spcPct val="150000"/>
-              </a:lnSpc>
-            </a:pPr>
-            <a:r>
-              <a:rPr lang="en-US" sz="2000" dirty="0"/>
-              <a:t>Because of time limitation:</a:t>
-            </a:r>
-          </a:p>
-          <a:p>
-            <a:pPr marL="285750" indent="-285750">
-              <a:lnSpc>
-                <a:spcPct val="150000"/>
-              </a:lnSpc>
-              <a:buFont typeface="Arial" panose="020B0604020202020204" pitchFamily="34" charset="0"/>
-              <a:buChar char="•"/>
-            </a:pPr>
-            <a:r>
-              <a:rPr lang="en-US" sz="2000" dirty="0"/>
-              <a:t>Disadvantage: The accuracy of words recognition is not satisfying;</a:t>
-            </a:r>
-          </a:p>
-          <a:p>
-            <a:pPr marL="285750" indent="-285750">
-              <a:lnSpc>
-                <a:spcPct val="150000"/>
-              </a:lnSpc>
-              <a:buFont typeface="Arial" panose="020B0604020202020204" pitchFamily="34" charset="0"/>
-              <a:buChar char="•"/>
-            </a:pPr>
-            <a:r>
-              <a:rPr lang="en-US" sz="2000" dirty="0"/>
-              <a:t>Disadvantage: Requirement</a:t>
-            </a:r>
-            <a:r>
-              <a:rPr lang="zh-CN" altLang="en-US" sz="2000" dirty="0"/>
-              <a:t> </a:t>
-            </a:r>
-            <a:r>
-              <a:rPr lang="en-US" altLang="zh-CN" sz="2000" dirty="0"/>
-              <a:t>for proper placement of images in front of the camera is strict.</a:t>
-            </a:r>
-            <a:endParaRPr lang="en-US" sz="2000" dirty="0"/>
-          </a:p>
-        </p:txBody>
-      </p:sp>
-    </p:spTree>
-    <p:extLst>
-      <p:ext uri="{BB962C8B-B14F-4D97-AF65-F5344CB8AC3E}">
-        <p14:creationId xmlns:p14="http://schemas.microsoft.com/office/powerpoint/2010/main" val="617821536"/>
-      </p:ext>
-    </p:extLst>
-  </p:cSld>
-  <p:clrMapOvr>
-    <a:masterClrMapping/>
-  </p:clrMapOvr>
+  <p:timing>
+    <p:tnLst>
+      <p:par>
+        <p:cTn id="1" dur="indefinite" restart="never" nodeType="tmRoot"/>
+      </p:par>
+    </p:tnLst>
+  </p:timing>
 </p:sld>
 </file>
 
@@ -19061,7 +19393,7 @@
           <p:cNvPr id="2" name="Title 1">
             <a:extLst>
               <a:ext uri="{FF2B5EF4-FFF2-40B4-BE49-F238E27FC236}">
-                <a16:creationId xmlns:a16="http://schemas.microsoft.com/office/drawing/2014/main" id="{373C22C7-151E-9244-AA34-BDFD1EFAB060}"/>
+                <a16:creationId xmlns:a16="http://schemas.microsoft.com/office/drawing/2014/main" xmlns="" id="{373C22C7-151E-9244-AA34-BDFD1EFAB060}"/>
               </a:ext>
             </a:extLst>
           </p:cNvPr>
@@ -19089,7 +19421,7 @@
           <p:cNvPr id="4" name="Slide Number Placeholder 3">
             <a:extLst>
               <a:ext uri="{FF2B5EF4-FFF2-40B4-BE49-F238E27FC236}">
-                <a16:creationId xmlns:a16="http://schemas.microsoft.com/office/drawing/2014/main" id="{4780A2A2-A16E-2D45-958A-459C94BBE2FE}"/>
+                <a16:creationId xmlns:a16="http://schemas.microsoft.com/office/drawing/2014/main" xmlns="" id="{4780A2A2-A16E-2D45-958A-459C94BBE2FE}"/>
               </a:ext>
             </a:extLst>
           </p:cNvPr>
@@ -19119,7 +19451,7 @@
           <p:cNvPr id="5" name="TextBox 4">
             <a:extLst>
               <a:ext uri="{FF2B5EF4-FFF2-40B4-BE49-F238E27FC236}">
-                <a16:creationId xmlns:a16="http://schemas.microsoft.com/office/drawing/2014/main" id="{72DC4038-0469-7D4A-8F17-59EF6BC15F2E}"/>
+                <a16:creationId xmlns:a16="http://schemas.microsoft.com/office/drawing/2014/main" xmlns="" id="{72DC4038-0469-7D4A-8F17-59EF6BC15F2E}"/>
               </a:ext>
             </a:extLst>
           </p:cNvPr>
@@ -19144,7 +19476,7 @@
           <a:p>
             <a:r>
               <a:rPr lang="en-US" sz="2400" dirty="0"/>
-              <a:t>Outlook</a:t>
+              <a:t>Advantages and Disadvantages</a:t>
             </a:r>
           </a:p>
         </p:txBody>
@@ -19154,7 +19486,7 @@
           <p:cNvPr id="7" name="TextBox 6">
             <a:extLst>
               <a:ext uri="{FF2B5EF4-FFF2-40B4-BE49-F238E27FC236}">
-                <a16:creationId xmlns:a16="http://schemas.microsoft.com/office/drawing/2014/main" id="{8BBE4B03-D72A-2446-A6B8-98789E3802A5}"/>
+                <a16:creationId xmlns:a16="http://schemas.microsoft.com/office/drawing/2014/main" xmlns="" id="{8BBE4B03-D72A-2446-A6B8-98789E3802A5}"/>
               </a:ext>
             </a:extLst>
           </p:cNvPr>
@@ -19163,8 +19495,8 @@
         </p:nvSpPr>
         <p:spPr>
           <a:xfrm>
-            <a:off x="669924" y="1952090"/>
-            <a:ext cx="8948791" cy="1881925"/>
+            <a:off x="669924" y="2063149"/>
+            <a:ext cx="8948791" cy="3266920"/>
           </a:xfrm>
           <a:prstGeom prst="rect">
             <a:avLst/>
@@ -19177,40 +19509,6 @@
           </a:bodyPr>
           <a:lstStyle/>
           <a:p>
-            <a:pPr marL="285750" indent="-285750" algn="just">
-              <a:lnSpc>
-                <a:spcPct val="150000"/>
-              </a:lnSpc>
-              <a:buFont typeface="Arial" panose="020B0604020202020204" pitchFamily="34" charset="0"/>
-              <a:buChar char="•"/>
-            </a:pPr>
-            <a:r>
-              <a:rPr lang="en-US" sz="2000" dirty="0"/>
-              <a:t>Improve the accuracy of model: increase the dataset size by putting</a:t>
-            </a:r>
-            <a:r>
-              <a:rPr lang="zh-CN" altLang="en-US" sz="2000" dirty="0"/>
-              <a:t> </a:t>
-            </a:r>
-            <a:r>
-              <a:rPr lang="en-US" altLang="zh-CN" sz="2000" dirty="0"/>
-              <a:t>capitalized English letters, more handwritten letters with different styles</a:t>
-            </a:r>
-          </a:p>
-          <a:p>
-            <a:pPr marL="285750" indent="-285750" algn="just">
-              <a:lnSpc>
-                <a:spcPct val="150000"/>
-              </a:lnSpc>
-              <a:buFont typeface="Arial" panose="020B0604020202020204" pitchFamily="34" charset="0"/>
-              <a:buChar char="•"/>
-            </a:pPr>
-            <a:r>
-              <a:rPr lang="en-US" sz="2000" dirty="0"/>
-              <a:t>Optimize the codes and complete this app</a:t>
-            </a:r>
-          </a:p>
-          <a:p>
             <a:pPr marL="285750" indent="-285750">
               <a:lnSpc>
                 <a:spcPct val="150000"/>
@@ -19218,6 +19516,68 @@
               <a:buFont typeface="Arial" panose="020B0604020202020204" pitchFamily="34" charset="0"/>
               <a:buChar char="•"/>
             </a:pPr>
+            <a:r>
+              <a:rPr lang="en-US" sz="2000" dirty="0"/>
+              <a:t>Advantage: Using machine learning algorithm in AR compared to traditional AR</a:t>
+            </a:r>
+          </a:p>
+          <a:p>
+            <a:pPr marL="285750" indent="-285750">
+              <a:lnSpc>
+                <a:spcPct val="150000"/>
+              </a:lnSpc>
+              <a:buFont typeface="Arial" panose="020B0604020202020204" pitchFamily="34" charset="0"/>
+              <a:buChar char="•"/>
+            </a:pPr>
+            <a:r>
+              <a:rPr lang="en-US" sz="2000" dirty="0"/>
+              <a:t>Advantage:  Applying machine learning to daily life.</a:t>
+            </a:r>
+          </a:p>
+          <a:p>
+            <a:pPr>
+              <a:lnSpc>
+                <a:spcPct val="150000"/>
+              </a:lnSpc>
+            </a:pPr>
+            <a:r>
+              <a:rPr lang="en-US" sz="2000" dirty="0"/>
+              <a:t>Because of time limitation:</a:t>
+            </a:r>
+          </a:p>
+          <a:p>
+            <a:pPr marL="285750" indent="-285750">
+              <a:lnSpc>
+                <a:spcPct val="150000"/>
+              </a:lnSpc>
+              <a:buFont typeface="Arial" panose="020B0604020202020204" pitchFamily="34" charset="0"/>
+              <a:buChar char="•"/>
+            </a:pPr>
+            <a:r>
+              <a:rPr lang="en-US" sz="2000" dirty="0"/>
+              <a:t>Disadvantage: The accuracy of words recognition is not satisfying;</a:t>
+            </a:r>
+          </a:p>
+          <a:p>
+            <a:pPr marL="285750" indent="-285750">
+              <a:lnSpc>
+                <a:spcPct val="150000"/>
+              </a:lnSpc>
+              <a:buFont typeface="Arial" panose="020B0604020202020204" pitchFamily="34" charset="0"/>
+              <a:buChar char="•"/>
+            </a:pPr>
+            <a:r>
+              <a:rPr lang="en-US" sz="2000" dirty="0"/>
+              <a:t>Disadvantage: Requirement</a:t>
+            </a:r>
+            <a:r>
+              <a:rPr lang="zh-CN" altLang="en-US" sz="2000" dirty="0"/>
+              <a:t> </a:t>
+            </a:r>
+            <a:r>
+              <a:rPr lang="en-US" altLang="zh-CN" sz="2000" dirty="0"/>
+              <a:t>for proper placement of images in front of the camera is strict.</a:t>
+            </a:r>
             <a:endParaRPr lang="en-US" sz="2000" dirty="0"/>
           </a:p>
         </p:txBody>
@@ -19225,13 +19585,20 @@
     </p:spTree>
     <p:extLst>
       <p:ext uri="{BB962C8B-B14F-4D97-AF65-F5344CB8AC3E}">
-        <p14:creationId xmlns:p14="http://schemas.microsoft.com/office/powerpoint/2010/main" val="3411575959"/>
+        <p14:creationId xmlns:p14="http://schemas.microsoft.com/office/powerpoint/2010/main" val="617821536"/>
       </p:ext>
     </p:extLst>
   </p:cSld>
   <p:clrMapOvr>
     <a:masterClrMapping/>
   </p:clrMapOvr>
+  <p:timing>
+    <p:tnLst>
+      <p:par>
+        <p:cTn id="1" dur="indefinite" restart="never" nodeType="tmRoot"/>
+      </p:par>
+    </p:tnLst>
+  </p:timing>
 </p:sld>
 </file>
 
@@ -19254,10 +19621,10 @@
       </p:grpSpPr>
       <p:sp>
         <p:nvSpPr>
-          <p:cNvPr id="2" name="标题 1">
+          <p:cNvPr id="2" name="Title 1">
             <a:extLst>
               <a:ext uri="{FF2B5EF4-FFF2-40B4-BE49-F238E27FC236}">
-                <a16:creationId xmlns:a16="http://schemas.microsoft.com/office/drawing/2014/main" id="{288ACE33-67AA-4700-9FC5-9DD5A3C1B881}"/>
+                <a16:creationId xmlns:a16="http://schemas.microsoft.com/office/drawing/2014/main" xmlns="" id="{373C22C7-151E-9244-AA34-BDFD1EFAB060}"/>
               </a:ext>
             </a:extLst>
           </p:cNvPr>
@@ -19274,19 +19641,18 @@
           <a:lstStyle/>
           <a:p>
             <a:r>
-              <a:rPr lang="en-HK" altLang="zh-CN" dirty="0"/>
-              <a:t>References</a:t>
-            </a:r>
-            <a:endParaRPr lang="zh-CN" altLang="en-US" dirty="0"/>
+              <a:rPr lang="en-US" dirty="0"/>
+              <a:t>Summary</a:t>
+            </a:r>
           </a:p>
         </p:txBody>
       </p:sp>
       <p:sp>
         <p:nvSpPr>
-          <p:cNvPr id="4" name="灯片编号占位符 3">
+          <p:cNvPr id="4" name="Slide Number Placeholder 3">
             <a:extLst>
               <a:ext uri="{FF2B5EF4-FFF2-40B4-BE49-F238E27FC236}">
-                <a16:creationId xmlns:a16="http://schemas.microsoft.com/office/drawing/2014/main" id="{4085657F-FD99-46F4-A1E0-93433EDB2213}"/>
+                <a16:creationId xmlns:a16="http://schemas.microsoft.com/office/drawing/2014/main" xmlns="" id="{4780A2A2-A16E-2D45-958A-459C94BBE2FE}"/>
               </a:ext>
             </a:extLst>
           </p:cNvPr>
@@ -19313,10 +19679,214 @@
       </p:sp>
       <p:sp>
         <p:nvSpPr>
+          <p:cNvPr id="5" name="TextBox 4">
+            <a:extLst>
+              <a:ext uri="{FF2B5EF4-FFF2-40B4-BE49-F238E27FC236}">
+                <a16:creationId xmlns:a16="http://schemas.microsoft.com/office/drawing/2014/main" xmlns="" id="{72DC4038-0469-7D4A-8F17-59EF6BC15F2E}"/>
+              </a:ext>
+            </a:extLst>
+          </p:cNvPr>
+          <p:cNvSpPr txBox="1"/>
+          <p:nvPr/>
+        </p:nvSpPr>
+        <p:spPr>
+          <a:xfrm>
+            <a:off x="669924" y="1315092"/>
+            <a:ext cx="5063056" cy="461665"/>
+          </a:xfrm>
+          <a:prstGeom prst="rect">
+            <a:avLst/>
+          </a:prstGeom>
+          <a:noFill/>
+        </p:spPr>
+        <p:txBody>
+          <a:bodyPr wrap="square" rtlCol="0">
+            <a:spAutoFit/>
+          </a:bodyPr>
+          <a:lstStyle/>
+          <a:p>
+            <a:r>
+              <a:rPr lang="en-US" sz="2400" dirty="0"/>
+              <a:t>Outlook</a:t>
+            </a:r>
+          </a:p>
+        </p:txBody>
+      </p:sp>
+      <p:sp>
+        <p:nvSpPr>
+          <p:cNvPr id="7" name="TextBox 6">
+            <a:extLst>
+              <a:ext uri="{FF2B5EF4-FFF2-40B4-BE49-F238E27FC236}">
+                <a16:creationId xmlns:a16="http://schemas.microsoft.com/office/drawing/2014/main" xmlns="" id="{8BBE4B03-D72A-2446-A6B8-98789E3802A5}"/>
+              </a:ext>
+            </a:extLst>
+          </p:cNvPr>
+          <p:cNvSpPr txBox="1"/>
+          <p:nvPr/>
+        </p:nvSpPr>
+        <p:spPr>
+          <a:xfrm>
+            <a:off x="669924" y="1952090"/>
+            <a:ext cx="8948791" cy="1881925"/>
+          </a:xfrm>
+          <a:prstGeom prst="rect">
+            <a:avLst/>
+          </a:prstGeom>
+          <a:noFill/>
+        </p:spPr>
+        <p:txBody>
+          <a:bodyPr wrap="square" rtlCol="0">
+            <a:spAutoFit/>
+          </a:bodyPr>
+          <a:lstStyle/>
+          <a:p>
+            <a:pPr marL="285750" indent="-285750" algn="just">
+              <a:lnSpc>
+                <a:spcPct val="150000"/>
+              </a:lnSpc>
+              <a:buFont typeface="Arial" panose="020B0604020202020204" pitchFamily="34" charset="0"/>
+              <a:buChar char="•"/>
+            </a:pPr>
+            <a:r>
+              <a:rPr lang="en-US" sz="2000" dirty="0"/>
+              <a:t>Improve the accuracy of model: increase the dataset size by putting</a:t>
+            </a:r>
+            <a:r>
+              <a:rPr lang="zh-CN" altLang="en-US" sz="2000" dirty="0"/>
+              <a:t> </a:t>
+            </a:r>
+            <a:r>
+              <a:rPr lang="en-US" altLang="zh-CN" sz="2000" dirty="0"/>
+              <a:t>capitalized English letters, more handwritten letters with different styles</a:t>
+            </a:r>
+          </a:p>
+          <a:p>
+            <a:pPr marL="285750" indent="-285750" algn="just">
+              <a:lnSpc>
+                <a:spcPct val="150000"/>
+              </a:lnSpc>
+              <a:buFont typeface="Arial" panose="020B0604020202020204" pitchFamily="34" charset="0"/>
+              <a:buChar char="•"/>
+            </a:pPr>
+            <a:r>
+              <a:rPr lang="en-US" sz="2000" dirty="0"/>
+              <a:t>Optimize the codes and complete this app</a:t>
+            </a:r>
+          </a:p>
+          <a:p>
+            <a:pPr marL="285750" indent="-285750">
+              <a:lnSpc>
+                <a:spcPct val="150000"/>
+              </a:lnSpc>
+              <a:buFont typeface="Arial" panose="020B0604020202020204" pitchFamily="34" charset="0"/>
+              <a:buChar char="•"/>
+            </a:pPr>
+            <a:endParaRPr lang="en-US" sz="2000" dirty="0"/>
+          </a:p>
+        </p:txBody>
+      </p:sp>
+    </p:spTree>
+    <p:extLst>
+      <p:ext uri="{BB962C8B-B14F-4D97-AF65-F5344CB8AC3E}">
+        <p14:creationId xmlns:p14="http://schemas.microsoft.com/office/powerpoint/2010/main" val="3411575959"/>
+      </p:ext>
+    </p:extLst>
+  </p:cSld>
+  <p:clrMapOvr>
+    <a:masterClrMapping/>
+  </p:clrMapOvr>
+  <p:timing>
+    <p:tnLst>
+      <p:par>
+        <p:cTn id="1" dur="indefinite" restart="never" nodeType="tmRoot"/>
+      </p:par>
+    </p:tnLst>
+  </p:timing>
+</p:sld>
+</file>
+
+<file path=ppt/slides/slide38.xml><?xml version="1.0" encoding="utf-8"?>
+<p:sld xmlns:a="http://schemas.openxmlformats.org/drawingml/2006/main" xmlns:r="http://schemas.openxmlformats.org/officeDocument/2006/relationships" xmlns:p="http://schemas.openxmlformats.org/presentationml/2006/main">
+  <p:cSld>
+    <p:spTree>
+      <p:nvGrpSpPr>
+        <p:cNvPr id="1" name=""/>
+        <p:cNvGrpSpPr/>
+        <p:nvPr/>
+      </p:nvGrpSpPr>
+      <p:grpSpPr>
+        <a:xfrm>
+          <a:off x="0" y="0"/>
+          <a:ext cx="0" cy="0"/>
+          <a:chOff x="0" y="0"/>
+          <a:chExt cx="0" cy="0"/>
+        </a:xfrm>
+      </p:grpSpPr>
+      <p:sp>
+        <p:nvSpPr>
+          <p:cNvPr id="2" name="标题 1">
+            <a:extLst>
+              <a:ext uri="{FF2B5EF4-FFF2-40B4-BE49-F238E27FC236}">
+                <a16:creationId xmlns:a16="http://schemas.microsoft.com/office/drawing/2014/main" xmlns="" id="{288ACE33-67AA-4700-9FC5-9DD5A3C1B881}"/>
+              </a:ext>
+            </a:extLst>
+          </p:cNvPr>
+          <p:cNvSpPr>
+            <a:spLocks noGrp="1"/>
+          </p:cNvSpPr>
+          <p:nvPr>
+            <p:ph type="title"/>
+          </p:nvPr>
+        </p:nvSpPr>
+        <p:spPr/>
+        <p:txBody>
+          <a:bodyPr/>
+          <a:lstStyle/>
+          <a:p>
+            <a:r>
+              <a:rPr lang="en-HK" altLang="zh-CN" dirty="0"/>
+              <a:t>References</a:t>
+            </a:r>
+            <a:endParaRPr lang="zh-CN" altLang="en-US" dirty="0"/>
+          </a:p>
+        </p:txBody>
+      </p:sp>
+      <p:sp>
+        <p:nvSpPr>
+          <p:cNvPr id="4" name="灯片编号占位符 3">
+            <a:extLst>
+              <a:ext uri="{FF2B5EF4-FFF2-40B4-BE49-F238E27FC236}">
+                <a16:creationId xmlns:a16="http://schemas.microsoft.com/office/drawing/2014/main" xmlns="" id="{4085657F-FD99-46F4-A1E0-93433EDB2213}"/>
+              </a:ext>
+            </a:extLst>
+          </p:cNvPr>
+          <p:cNvSpPr>
+            <a:spLocks noGrp="1"/>
+          </p:cNvSpPr>
+          <p:nvPr>
+            <p:ph type="sldNum" sz="quarter" idx="12"/>
+          </p:nvPr>
+        </p:nvSpPr>
+        <p:spPr/>
+        <p:txBody>
+          <a:bodyPr/>
+          <a:lstStyle/>
+          <a:p>
+            <a:fld id="{5DD3DB80-B894-403A-B48E-6FDC1A72010E}" type="slidenum">
+              <a:rPr lang="zh-CN" altLang="en-US" smtClean="0"/>
+              <a:pPr/>
+              <a:t>38</a:t>
+            </a:fld>
+            <a:endParaRPr lang="zh-CN" altLang="en-US"/>
+          </a:p>
+        </p:txBody>
+      </p:sp>
+      <p:sp>
+        <p:nvSpPr>
           <p:cNvPr id="27" name="文本框 26">
             <a:extLst>
               <a:ext uri="{FF2B5EF4-FFF2-40B4-BE49-F238E27FC236}">
-                <a16:creationId xmlns:a16="http://schemas.microsoft.com/office/drawing/2014/main" id="{4460831B-0FBE-4FC9-AE6C-C3D4C3ACFD3F}"/>
+                <a16:creationId xmlns:a16="http://schemas.microsoft.com/office/drawing/2014/main" xmlns="" id="{4460831B-0FBE-4FC9-AE6C-C3D4C3ACFD3F}"/>
               </a:ext>
             </a:extLst>
           </p:cNvPr>
@@ -19451,10 +20021,17 @@
   <p:clrMapOvr>
     <a:masterClrMapping/>
   </p:clrMapOvr>
+  <p:timing>
+    <p:tnLst>
+      <p:par>
+        <p:cTn id="1" dur="indefinite" restart="never" nodeType="tmRoot"/>
+      </p:par>
+    </p:tnLst>
+  </p:timing>
 </p:sld>
 </file>
 
-<file path=ppt/slides/slide38.xml><?xml version="1.0" encoding="utf-8"?>
+<file path=ppt/slides/slide39.xml><?xml version="1.0" encoding="utf-8"?>
 <p:sld xmlns:a="http://schemas.openxmlformats.org/drawingml/2006/main" xmlns:r="http://schemas.openxmlformats.org/officeDocument/2006/relationships" xmlns:p="http://schemas.openxmlformats.org/presentationml/2006/main">
   <p:cSld>
     <p:spTree>
@@ -19537,7 +20114,7 @@
           <p:cNvPr id="2" name="标题 1">
             <a:extLst>
               <a:ext uri="{FF2B5EF4-FFF2-40B4-BE49-F238E27FC236}">
-                <a16:creationId xmlns:a16="http://schemas.microsoft.com/office/drawing/2014/main" id="{90456DC4-8CC3-47C7-BF84-99BEF39391F7}"/>
+                <a16:creationId xmlns:a16="http://schemas.microsoft.com/office/drawing/2014/main" xmlns="" id="{90456DC4-8CC3-47C7-BF84-99BEF39391F7}"/>
               </a:ext>
             </a:extLst>
           </p:cNvPr>
@@ -19570,7 +20147,7 @@
           <p:cNvPr id="4" name="灯片编号占位符 3">
             <a:extLst>
               <a:ext uri="{FF2B5EF4-FFF2-40B4-BE49-F238E27FC236}">
-                <a16:creationId xmlns:a16="http://schemas.microsoft.com/office/drawing/2014/main" id="{6B549D38-BAF9-43C1-B764-4EC6F7C2779A}"/>
+                <a16:creationId xmlns:a16="http://schemas.microsoft.com/office/drawing/2014/main" xmlns="" id="{6B549D38-BAF9-43C1-B764-4EC6F7C2779A}"/>
               </a:ext>
             </a:extLst>
           </p:cNvPr>
@@ -19600,7 +20177,7 @@
           <p:cNvPr id="5" name="5b7040e3-f2f7-4b34-b7e6-4f725bc5ff82" descr="本素材由iSlide™ 提供&#10;iSlide™尊重知识产权并注重保护用户享有的各项权利。郑重提醒您：&#10;iSlide™插件中提供的任何信息内容的所有权、知识产权归其原始权利人或权利受让人所有，您免费/购买获得的是信息内容的使用权，并受下述条款的约束；&#10;1. 您仅可以个人非商业用途使用该等信息内容，不可将信息内容的全部或部分用于出售，或以出租、出借、转让、分销、发布等其他任何方式供他人使用；&#10;2. 禁止在接入互联网或移动互联网的任何网站、平台、应用或程序上以任何方式为他人提供iSlide™插件资源内容的下载。&#10;The resource is supplied by iSlide™.&#10;iSlide™ respects all intellectual property rights and protects all the rights its users acquired.Solemnly remind you:&#10;The ownership and intellectual property of the resources supplied in iSlide Add-in belongs to its owner or the assignee of this ownership.you only acquired the usage of the resources supplied in iSlide Add-in, as well as respected the following restrain terms:&#10;1.You are only allowed to use such resource for personal and non-commercial aim, not allowed to use such resource or part of it for the sale; or rent, lend, transfer to others; or distribution or release it in any way.&#10;2.You are not permitted to provide the resource of iSlide Add-in in any website, platform, application access to the Internet or mobile Internet." title="iSlide™ 版权声明  COPYRIGHT NOTICE">
             <a:extLst>
               <a:ext uri="{FF2B5EF4-FFF2-40B4-BE49-F238E27FC236}">
-                <a16:creationId xmlns:a16="http://schemas.microsoft.com/office/drawing/2014/main" id="{B932A89A-D936-4241-A3CF-B55E59E168F8}"/>
+                <a16:creationId xmlns:a16="http://schemas.microsoft.com/office/drawing/2014/main" xmlns="" id="{B932A89A-D936-4241-A3CF-B55E59E168F8}"/>
               </a:ext>
             </a:extLst>
           </p:cNvPr>
@@ -19626,7 +20203,7 @@
             <p:cNvPr id="6" name="îṣ1iḋê">
               <a:extLst>
                 <a:ext uri="{FF2B5EF4-FFF2-40B4-BE49-F238E27FC236}">
-                  <a16:creationId xmlns:a16="http://schemas.microsoft.com/office/drawing/2014/main" id="{99E0B2FE-CB38-4B3F-AA64-FEAB191261E4}"/>
+                  <a16:creationId xmlns:a16="http://schemas.microsoft.com/office/drawing/2014/main" xmlns="" id="{99E0B2FE-CB38-4B3F-AA64-FEAB191261E4}"/>
                 </a:ext>
               </a:extLst>
             </p:cNvPr>
@@ -19667,7 +20244,7 @@
             <p:cNvPr id="7" name="iśľïde">
               <a:extLst>
                 <a:ext uri="{FF2B5EF4-FFF2-40B4-BE49-F238E27FC236}">
-                  <a16:creationId xmlns:a16="http://schemas.microsoft.com/office/drawing/2014/main" id="{13974122-EF5D-4B84-9B30-860C931A6915}"/>
+                  <a16:creationId xmlns:a16="http://schemas.microsoft.com/office/drawing/2014/main" xmlns="" id="{13974122-EF5D-4B84-9B30-860C931A6915}"/>
                 </a:ext>
               </a:extLst>
             </p:cNvPr>
@@ -19722,7 +20299,7 @@
             <p:cNvPr id="9" name="îşḻïďê">
               <a:extLst>
                 <a:ext uri="{FF2B5EF4-FFF2-40B4-BE49-F238E27FC236}">
-                  <a16:creationId xmlns:a16="http://schemas.microsoft.com/office/drawing/2014/main" id="{7C9BD413-7FAB-46CD-B434-D50AF809EE92}"/>
+                  <a16:creationId xmlns:a16="http://schemas.microsoft.com/office/drawing/2014/main" xmlns="" id="{7C9BD413-7FAB-46CD-B434-D50AF809EE92}"/>
                 </a:ext>
               </a:extLst>
             </p:cNvPr>
@@ -19758,7 +20335,7 @@
             <p:cNvPr id="11" name="îŝḷïḓè">
               <a:extLst>
                 <a:ext uri="{FF2B5EF4-FFF2-40B4-BE49-F238E27FC236}">
-                  <a16:creationId xmlns:a16="http://schemas.microsoft.com/office/drawing/2014/main" id="{493089EB-DB55-4BD6-B04C-65623E66B378}"/>
+                  <a16:creationId xmlns:a16="http://schemas.microsoft.com/office/drawing/2014/main" xmlns="" id="{493089EB-DB55-4BD6-B04C-65623E66B378}"/>
                 </a:ext>
               </a:extLst>
             </p:cNvPr>
@@ -19805,7 +20382,7 @@
             <p:cNvPr id="12" name="ïsļïdé">
               <a:extLst>
                 <a:ext uri="{FF2B5EF4-FFF2-40B4-BE49-F238E27FC236}">
-                  <a16:creationId xmlns:a16="http://schemas.microsoft.com/office/drawing/2014/main" id="{8060F889-3DD8-446B-9343-11FAAAA8461F}"/>
+                  <a16:creationId xmlns:a16="http://schemas.microsoft.com/office/drawing/2014/main" xmlns="" id="{8060F889-3DD8-446B-9343-11FAAAA8461F}"/>
                 </a:ext>
               </a:extLst>
             </p:cNvPr>
@@ -19843,7 +20420,7 @@
             <p:cNvPr id="13" name="ïṡļiḋè">
               <a:extLst>
                 <a:ext uri="{FF2B5EF4-FFF2-40B4-BE49-F238E27FC236}">
-                  <a16:creationId xmlns:a16="http://schemas.microsoft.com/office/drawing/2014/main" id="{84F2909A-3728-459C-958A-B6835E4C193D}"/>
+                  <a16:creationId xmlns:a16="http://schemas.microsoft.com/office/drawing/2014/main" xmlns="" id="{84F2909A-3728-459C-958A-B6835E4C193D}"/>
                 </a:ext>
               </a:extLst>
             </p:cNvPr>
@@ -19879,7 +20456,7 @@
             <p:cNvPr id="15" name="îšḷiḑe">
               <a:extLst>
                 <a:ext uri="{FF2B5EF4-FFF2-40B4-BE49-F238E27FC236}">
-                  <a16:creationId xmlns:a16="http://schemas.microsoft.com/office/drawing/2014/main" id="{580F79C7-4594-4315-B6EC-82C9BBB24E40}"/>
+                  <a16:creationId xmlns:a16="http://schemas.microsoft.com/office/drawing/2014/main" xmlns="" id="{580F79C7-4594-4315-B6EC-82C9BBB24E40}"/>
                 </a:ext>
               </a:extLst>
             </p:cNvPr>
@@ -19912,7 +20489,7 @@
             <p:cNvPr id="17" name="îŝḻîḍé">
               <a:extLst>
                 <a:ext uri="{FF2B5EF4-FFF2-40B4-BE49-F238E27FC236}">
-                  <a16:creationId xmlns:a16="http://schemas.microsoft.com/office/drawing/2014/main" id="{493089EB-DB55-4BD6-B04C-65623E66B378}"/>
+                  <a16:creationId xmlns:a16="http://schemas.microsoft.com/office/drawing/2014/main" xmlns="" id="{493089EB-DB55-4BD6-B04C-65623E66B378}"/>
                 </a:ext>
               </a:extLst>
             </p:cNvPr>
@@ -19964,7 +20541,7 @@
             <p:cNvPr id="24" name="直接连接符 23">
               <a:extLst>
                 <a:ext uri="{FF2B5EF4-FFF2-40B4-BE49-F238E27FC236}">
-                  <a16:creationId xmlns:a16="http://schemas.microsoft.com/office/drawing/2014/main" id="{6D300848-0C9E-466B-A4D0-43AD7ACF2099}"/>
+                  <a16:creationId xmlns:a16="http://schemas.microsoft.com/office/drawing/2014/main" xmlns="" id="{6D300848-0C9E-466B-A4D0-43AD7ACF2099}"/>
                 </a:ext>
               </a:extLst>
             </p:cNvPr>
@@ -20011,7 +20588,7 @@
           <p:cNvPr id="8" name="图片 7">
             <a:extLst>
               <a:ext uri="{FF2B5EF4-FFF2-40B4-BE49-F238E27FC236}">
-                <a16:creationId xmlns:a16="http://schemas.microsoft.com/office/drawing/2014/main" id="{F8D8B4D4-CA13-4F99-BC10-89BE1A50BC22}"/>
+                <a16:creationId xmlns:a16="http://schemas.microsoft.com/office/drawing/2014/main" xmlns="" id="{F8D8B4D4-CA13-4F99-BC10-89BE1A50BC22}"/>
               </a:ext>
             </a:extLst>
           </p:cNvPr>
@@ -20052,6 +20629,13 @@
   <p:clrMapOvr>
     <a:masterClrMapping/>
   </p:clrMapOvr>
+  <p:timing>
+    <p:tnLst>
+      <p:par>
+        <p:cTn id="1" dur="indefinite" restart="never" nodeType="tmRoot"/>
+      </p:par>
+    </p:tnLst>
+  </p:timing>
 </p:sld>
 </file>
 
@@ -20077,7 +20661,7 @@
           <p:cNvPr id="2" name="标题 1">
             <a:extLst>
               <a:ext uri="{FF2B5EF4-FFF2-40B4-BE49-F238E27FC236}">
-                <a16:creationId xmlns:a16="http://schemas.microsoft.com/office/drawing/2014/main" id="{90456DC4-8CC3-47C7-BF84-99BEF39391F7}"/>
+                <a16:creationId xmlns:a16="http://schemas.microsoft.com/office/drawing/2014/main" xmlns="" id="{90456DC4-8CC3-47C7-BF84-99BEF39391F7}"/>
               </a:ext>
             </a:extLst>
           </p:cNvPr>
@@ -20110,7 +20694,7 @@
           <p:cNvPr id="4" name="灯片编号占位符 3">
             <a:extLst>
               <a:ext uri="{FF2B5EF4-FFF2-40B4-BE49-F238E27FC236}">
-                <a16:creationId xmlns:a16="http://schemas.microsoft.com/office/drawing/2014/main" id="{6B549D38-BAF9-43C1-B764-4EC6F7C2779A}"/>
+                <a16:creationId xmlns:a16="http://schemas.microsoft.com/office/drawing/2014/main" xmlns="" id="{6B549D38-BAF9-43C1-B764-4EC6F7C2779A}"/>
               </a:ext>
             </a:extLst>
           </p:cNvPr>
@@ -20140,7 +20724,7 @@
           <p:cNvPr id="5" name="5b7040e3-f2f7-4b34-b7e6-4f725bc5ff82" descr="本素材由iSlide™ 提供&#10;iSlide™尊重知识产权并注重保护用户享有的各项权利。郑重提醒您：&#10;iSlide™插件中提供的任何信息内容的所有权、知识产权归其原始权利人或权利受让人所有，您免费/购买获得的是信息内容的使用权，并受下述条款的约束；&#10;1. 您仅可以个人非商业用途使用该等信息内容，不可将信息内容的全部或部分用于出售，或以出租、出借、转让、分销、发布等其他任何方式供他人使用；&#10;2. 禁止在接入互联网或移动互联网的任何网站、平台、应用或程序上以任何方式为他人提供iSlide™插件资源内容的下载。&#10;The resource is supplied by iSlide™.&#10;iSlide™ respects all intellectual property rights and protects all the rights its users acquired.Solemnly remind you:&#10;The ownership and intellectual property of the resources supplied in iSlide Add-in belongs to its owner or the assignee of this ownership.you only acquired the usage of the resources supplied in iSlide Add-in, as well as respected the following restrain terms:&#10;1.You are only allowed to use such resource for personal and non-commercial aim, not allowed to use such resource or part of it for the sale; or rent, lend, transfer to others; or distribution or release it in any way.&#10;2.You are not permitted to provide the resource of iSlide Add-in in any website, platform, application access to the Internet or mobile Internet." title="iSlide™ 版权声明  COPYRIGHT NOTICE">
             <a:extLst>
               <a:ext uri="{FF2B5EF4-FFF2-40B4-BE49-F238E27FC236}">
-                <a16:creationId xmlns:a16="http://schemas.microsoft.com/office/drawing/2014/main" id="{B932A89A-D936-4241-A3CF-B55E59E168F8}"/>
+                <a16:creationId xmlns:a16="http://schemas.microsoft.com/office/drawing/2014/main" xmlns="" id="{B932A89A-D936-4241-A3CF-B55E59E168F8}"/>
               </a:ext>
             </a:extLst>
           </p:cNvPr>
@@ -20166,7 +20750,7 @@
             <p:cNvPr id="6" name="îṣ1iḋê">
               <a:extLst>
                 <a:ext uri="{FF2B5EF4-FFF2-40B4-BE49-F238E27FC236}">
-                  <a16:creationId xmlns:a16="http://schemas.microsoft.com/office/drawing/2014/main" id="{99E0B2FE-CB38-4B3F-AA64-FEAB191261E4}"/>
+                  <a16:creationId xmlns:a16="http://schemas.microsoft.com/office/drawing/2014/main" xmlns="" id="{99E0B2FE-CB38-4B3F-AA64-FEAB191261E4}"/>
                 </a:ext>
               </a:extLst>
             </p:cNvPr>
@@ -20207,7 +20791,7 @@
             <p:cNvPr id="7" name="iśľïde">
               <a:extLst>
                 <a:ext uri="{FF2B5EF4-FFF2-40B4-BE49-F238E27FC236}">
-                  <a16:creationId xmlns:a16="http://schemas.microsoft.com/office/drawing/2014/main" id="{13974122-EF5D-4B84-9B30-860C931A6915}"/>
+                  <a16:creationId xmlns:a16="http://schemas.microsoft.com/office/drawing/2014/main" xmlns="" id="{13974122-EF5D-4B84-9B30-860C931A6915}"/>
                 </a:ext>
               </a:extLst>
             </p:cNvPr>
@@ -20259,7 +20843,7 @@
             <p:cNvPr id="9" name="îşḻïďê">
               <a:extLst>
                 <a:ext uri="{FF2B5EF4-FFF2-40B4-BE49-F238E27FC236}">
-                  <a16:creationId xmlns:a16="http://schemas.microsoft.com/office/drawing/2014/main" id="{7C9BD413-7FAB-46CD-B434-D50AF809EE92}"/>
+                  <a16:creationId xmlns:a16="http://schemas.microsoft.com/office/drawing/2014/main" xmlns="" id="{7C9BD413-7FAB-46CD-B434-D50AF809EE92}"/>
                 </a:ext>
               </a:extLst>
             </p:cNvPr>
@@ -20295,7 +20879,7 @@
             <p:cNvPr id="11" name="îŝḷïḓè">
               <a:extLst>
                 <a:ext uri="{FF2B5EF4-FFF2-40B4-BE49-F238E27FC236}">
-                  <a16:creationId xmlns:a16="http://schemas.microsoft.com/office/drawing/2014/main" id="{493089EB-DB55-4BD6-B04C-65623E66B378}"/>
+                  <a16:creationId xmlns:a16="http://schemas.microsoft.com/office/drawing/2014/main" xmlns="" id="{493089EB-DB55-4BD6-B04C-65623E66B378}"/>
                 </a:ext>
               </a:extLst>
             </p:cNvPr>
@@ -20342,7 +20926,7 @@
             <p:cNvPr id="12" name="ïsļïdé">
               <a:extLst>
                 <a:ext uri="{FF2B5EF4-FFF2-40B4-BE49-F238E27FC236}">
-                  <a16:creationId xmlns:a16="http://schemas.microsoft.com/office/drawing/2014/main" id="{8060F889-3DD8-446B-9343-11FAAAA8461F}"/>
+                  <a16:creationId xmlns:a16="http://schemas.microsoft.com/office/drawing/2014/main" xmlns="" id="{8060F889-3DD8-446B-9343-11FAAAA8461F}"/>
                 </a:ext>
               </a:extLst>
             </p:cNvPr>
@@ -20380,7 +20964,7 @@
             <p:cNvPr id="13" name="ïṡļiḋè">
               <a:extLst>
                 <a:ext uri="{FF2B5EF4-FFF2-40B4-BE49-F238E27FC236}">
-                  <a16:creationId xmlns:a16="http://schemas.microsoft.com/office/drawing/2014/main" id="{84F2909A-3728-459C-958A-B6835E4C193D}"/>
+                  <a16:creationId xmlns:a16="http://schemas.microsoft.com/office/drawing/2014/main" xmlns="" id="{84F2909A-3728-459C-958A-B6835E4C193D}"/>
                 </a:ext>
               </a:extLst>
             </p:cNvPr>
@@ -20416,7 +21000,7 @@
             <p:cNvPr id="15" name="îšḷiḑe">
               <a:extLst>
                 <a:ext uri="{FF2B5EF4-FFF2-40B4-BE49-F238E27FC236}">
-                  <a16:creationId xmlns:a16="http://schemas.microsoft.com/office/drawing/2014/main" id="{580F79C7-4594-4315-B6EC-82C9BBB24E40}"/>
+                  <a16:creationId xmlns:a16="http://schemas.microsoft.com/office/drawing/2014/main" xmlns="" id="{580F79C7-4594-4315-B6EC-82C9BBB24E40}"/>
                 </a:ext>
               </a:extLst>
             </p:cNvPr>
@@ -20449,7 +21033,7 @@
             <p:cNvPr id="17" name="îŝḻîḍé">
               <a:extLst>
                 <a:ext uri="{FF2B5EF4-FFF2-40B4-BE49-F238E27FC236}">
-                  <a16:creationId xmlns:a16="http://schemas.microsoft.com/office/drawing/2014/main" id="{493089EB-DB55-4BD6-B04C-65623E66B378}"/>
+                  <a16:creationId xmlns:a16="http://schemas.microsoft.com/office/drawing/2014/main" xmlns="" id="{493089EB-DB55-4BD6-B04C-65623E66B378}"/>
                 </a:ext>
               </a:extLst>
             </p:cNvPr>
@@ -20501,7 +21085,7 @@
             <p:cNvPr id="18" name="îṣḻíďé">
               <a:extLst>
                 <a:ext uri="{FF2B5EF4-FFF2-40B4-BE49-F238E27FC236}">
-                  <a16:creationId xmlns:a16="http://schemas.microsoft.com/office/drawing/2014/main" id="{60E026E5-BEE8-4D64-9F1B-2C00E7BC4E48}"/>
+                  <a16:creationId xmlns:a16="http://schemas.microsoft.com/office/drawing/2014/main" xmlns="" id="{60E026E5-BEE8-4D64-9F1B-2C00E7BC4E48}"/>
                 </a:ext>
               </a:extLst>
             </p:cNvPr>
@@ -20539,7 +21123,7 @@
             <p:cNvPr id="19" name="íṥḻïdê">
               <a:extLst>
                 <a:ext uri="{FF2B5EF4-FFF2-40B4-BE49-F238E27FC236}">
-                  <a16:creationId xmlns:a16="http://schemas.microsoft.com/office/drawing/2014/main" id="{778E22AB-846C-46EF-95C9-8535FF0BF96B}"/>
+                  <a16:creationId xmlns:a16="http://schemas.microsoft.com/office/drawing/2014/main" xmlns="" id="{778E22AB-846C-46EF-95C9-8535FF0BF96B}"/>
                 </a:ext>
               </a:extLst>
             </p:cNvPr>
@@ -20575,7 +21159,7 @@
             <p:cNvPr id="21" name="îšļíḍé">
               <a:extLst>
                 <a:ext uri="{FF2B5EF4-FFF2-40B4-BE49-F238E27FC236}">
-                  <a16:creationId xmlns:a16="http://schemas.microsoft.com/office/drawing/2014/main" id="{C95F3474-F819-4C76-BE16-4B74CE522295}"/>
+                  <a16:creationId xmlns:a16="http://schemas.microsoft.com/office/drawing/2014/main" xmlns="" id="{C95F3474-F819-4C76-BE16-4B74CE522295}"/>
                 </a:ext>
               </a:extLst>
             </p:cNvPr>
@@ -20608,7 +21192,7 @@
             <p:cNvPr id="23" name="íşļîḋe">
               <a:extLst>
                 <a:ext uri="{FF2B5EF4-FFF2-40B4-BE49-F238E27FC236}">
-                  <a16:creationId xmlns:a16="http://schemas.microsoft.com/office/drawing/2014/main" id="{493089EB-DB55-4BD6-B04C-65623E66B378}"/>
+                  <a16:creationId xmlns:a16="http://schemas.microsoft.com/office/drawing/2014/main" xmlns="" id="{493089EB-DB55-4BD6-B04C-65623E66B378}"/>
                 </a:ext>
               </a:extLst>
             </p:cNvPr>
@@ -20664,7 +21248,7 @@
             <p:cNvPr id="24" name="直接连接符 23">
               <a:extLst>
                 <a:ext uri="{FF2B5EF4-FFF2-40B4-BE49-F238E27FC236}">
-                  <a16:creationId xmlns:a16="http://schemas.microsoft.com/office/drawing/2014/main" id="{6D300848-0C9E-466B-A4D0-43AD7ACF2099}"/>
+                  <a16:creationId xmlns:a16="http://schemas.microsoft.com/office/drawing/2014/main" xmlns="" id="{6D300848-0C9E-466B-A4D0-43AD7ACF2099}"/>
                 </a:ext>
               </a:extLst>
             </p:cNvPr>
@@ -20710,7 +21294,7 @@
             <p:cNvPr id="25" name="直接连接符 24">
               <a:extLst>
                 <a:ext uri="{FF2B5EF4-FFF2-40B4-BE49-F238E27FC236}">
-                  <a16:creationId xmlns:a16="http://schemas.microsoft.com/office/drawing/2014/main" id="{614846CA-4CF7-4617-A5E1-617424D2D012}"/>
+                  <a16:creationId xmlns:a16="http://schemas.microsoft.com/office/drawing/2014/main" xmlns="" id="{614846CA-4CF7-4617-A5E1-617424D2D012}"/>
                 </a:ext>
               </a:extLst>
             </p:cNvPr>
@@ -20757,7 +21341,7 @@
           <p:cNvPr id="20" name="图片 19">
             <a:extLst>
               <a:ext uri="{FF2B5EF4-FFF2-40B4-BE49-F238E27FC236}">
-                <a16:creationId xmlns:a16="http://schemas.microsoft.com/office/drawing/2014/main" id="{63115493-2DAE-4C04-8E3A-8B0C8558FE2C}"/>
+                <a16:creationId xmlns:a16="http://schemas.microsoft.com/office/drawing/2014/main" xmlns="" id="{63115493-2DAE-4C04-8E3A-8B0C8558FE2C}"/>
               </a:ext>
             </a:extLst>
           </p:cNvPr>
@@ -20793,7 +21377,7 @@
           <p:cNvPr id="22" name="图片 21">
             <a:extLst>
               <a:ext uri="{FF2B5EF4-FFF2-40B4-BE49-F238E27FC236}">
-                <a16:creationId xmlns:a16="http://schemas.microsoft.com/office/drawing/2014/main" id="{C4F9753D-9E9D-4F9A-A11A-A7831F02BD3D}"/>
+                <a16:creationId xmlns:a16="http://schemas.microsoft.com/office/drawing/2014/main" xmlns="" id="{C4F9753D-9E9D-4F9A-A11A-A7831F02BD3D}"/>
               </a:ext>
             </a:extLst>
           </p:cNvPr>
@@ -20828,6 +21412,13 @@
   <p:clrMapOvr>
     <a:masterClrMapping/>
   </p:clrMapOvr>
+  <p:timing>
+    <p:tnLst>
+      <p:par>
+        <p:cTn id="1" dur="indefinite" restart="never" nodeType="tmRoot"/>
+      </p:par>
+    </p:tnLst>
+  </p:timing>
 </p:sld>
 </file>
 
@@ -20853,7 +21444,7 @@
           <p:cNvPr id="2" name="标题 1">
             <a:extLst>
               <a:ext uri="{FF2B5EF4-FFF2-40B4-BE49-F238E27FC236}">
-                <a16:creationId xmlns:a16="http://schemas.microsoft.com/office/drawing/2014/main" id="{7FD72924-76A5-4190-A3EB-7947217E6989}"/>
+                <a16:creationId xmlns:a16="http://schemas.microsoft.com/office/drawing/2014/main" xmlns="" id="{7FD72924-76A5-4190-A3EB-7947217E6989}"/>
               </a:ext>
             </a:extLst>
           </p:cNvPr>
@@ -20891,7 +21482,7 @@
           <p:cNvPr id="4" name="灯片编号占位符 3">
             <a:extLst>
               <a:ext uri="{FF2B5EF4-FFF2-40B4-BE49-F238E27FC236}">
-                <a16:creationId xmlns:a16="http://schemas.microsoft.com/office/drawing/2014/main" id="{4897E4E6-B099-497A-BEC9-0196EE0AAC2D}"/>
+                <a16:creationId xmlns:a16="http://schemas.microsoft.com/office/drawing/2014/main" xmlns="" id="{4897E4E6-B099-497A-BEC9-0196EE0AAC2D}"/>
               </a:ext>
             </a:extLst>
           </p:cNvPr>
@@ -20921,7 +21512,7 @@
           <p:cNvPr id="415" name="iṩ1iḍe" title="LjXxPfK7a53MF99">
             <a:extLst>
               <a:ext uri="{FF2B5EF4-FFF2-40B4-BE49-F238E27FC236}">
-                <a16:creationId xmlns:a16="http://schemas.microsoft.com/office/drawing/2014/main" id="{22C1540A-BA7A-4057-8B27-183ED8C6AA12}"/>
+                <a16:creationId xmlns:a16="http://schemas.microsoft.com/office/drawing/2014/main" xmlns="" id="{22C1540A-BA7A-4057-8B27-183ED8C6AA12}"/>
               </a:ext>
             </a:extLst>
           </p:cNvPr>
@@ -21983,7 +22574,7 @@
           <p:cNvPr id="417" name="直接连接符 416">
             <a:extLst>
               <a:ext uri="{FF2B5EF4-FFF2-40B4-BE49-F238E27FC236}">
-                <a16:creationId xmlns:a16="http://schemas.microsoft.com/office/drawing/2014/main" id="{290E99C0-0DA8-45C4-9E58-837841B8E595}"/>
+                <a16:creationId xmlns:a16="http://schemas.microsoft.com/office/drawing/2014/main" xmlns="" id="{290E99C0-0DA8-45C4-9E58-837841B8E595}"/>
               </a:ext>
             </a:extLst>
           </p:cNvPr>
@@ -22032,7 +22623,7 @@
           <p:cNvPr id="421" name="íSḷîḍe">
             <a:extLst>
               <a:ext uri="{FF2B5EF4-FFF2-40B4-BE49-F238E27FC236}">
-                <a16:creationId xmlns:a16="http://schemas.microsoft.com/office/drawing/2014/main" id="{2AC08EE2-D58F-415D-9AFA-9C8BE6AD0122}"/>
+                <a16:creationId xmlns:a16="http://schemas.microsoft.com/office/drawing/2014/main" xmlns="" id="{2AC08EE2-D58F-415D-9AFA-9C8BE6AD0122}"/>
               </a:ext>
             </a:extLst>
           </p:cNvPr>
@@ -22152,11 +22743,11 @@
               <a:buChar char="•"/>
             </a:pPr>
             <a:r>
-              <a:rPr lang="en-HK" sz="1600" dirty="0"/>
+              <a:rPr lang="en-HK" sz="2000" dirty="0"/>
               <a:t>Back Propagation </a:t>
             </a:r>
             <a:r>
-              <a:rPr lang="en-US" altLang="zh-CN" sz="1600" dirty="0"/>
+              <a:rPr lang="en-US" altLang="zh-CN" sz="2000" dirty="0"/>
               <a:t>Neural Network</a:t>
             </a:r>
           </a:p>
@@ -22169,7 +22760,7 @@
               <a:buChar char="•"/>
             </a:pPr>
             <a:r>
-              <a:rPr lang="en-HK" sz="1600" dirty="0"/>
+              <a:rPr lang="en-HK" sz="2000" dirty="0"/>
               <a:t>Convolutional Neural Network</a:t>
             </a:r>
           </a:p>
@@ -22182,7 +22773,7 @@
               <a:buChar char="•"/>
             </a:pPr>
             <a:r>
-              <a:rPr lang="en-HK" sz="1600" dirty="0"/>
+              <a:rPr lang="en-HK" sz="2000" dirty="0"/>
               <a:t>Multilayer perceptron</a:t>
             </a:r>
           </a:p>
@@ -22195,7 +22786,7 @@
               <a:buChar char="•"/>
             </a:pPr>
             <a:r>
-              <a:rPr lang="en-US" altLang="zh-CN" sz="1600" dirty="0"/>
+              <a:rPr lang="en-US" altLang="zh-CN" sz="2000" dirty="0"/>
               <a:t>SVM</a:t>
             </a:r>
           </a:p>
@@ -22208,7 +22799,7 @@
               <a:buChar char="•"/>
             </a:pPr>
             <a:r>
-              <a:rPr lang="en-US" altLang="zh-CN" sz="1600" dirty="0"/>
+              <a:rPr lang="en-US" altLang="zh-CN" sz="2000" dirty="0"/>
               <a:t>…</a:t>
             </a:r>
           </a:p>
@@ -22219,7 +22810,7 @@
           <p:cNvPr id="422" name="ïšļîḓe">
             <a:extLst>
               <a:ext uri="{FF2B5EF4-FFF2-40B4-BE49-F238E27FC236}">
-                <a16:creationId xmlns:a16="http://schemas.microsoft.com/office/drawing/2014/main" id="{AEE748CA-0DBD-4AF1-ABA1-7A665D96E6B5}"/>
+                <a16:creationId xmlns:a16="http://schemas.microsoft.com/office/drawing/2014/main" xmlns="" id="{AEE748CA-0DBD-4AF1-ABA1-7A665D96E6B5}"/>
               </a:ext>
             </a:extLst>
           </p:cNvPr>
@@ -22344,7 +22935,7 @@
           <p:cNvPr id="427" name="直接连接符 426">
             <a:extLst>
               <a:ext uri="{FF2B5EF4-FFF2-40B4-BE49-F238E27FC236}">
-                <a16:creationId xmlns:a16="http://schemas.microsoft.com/office/drawing/2014/main" id="{2C9F56F8-1018-4C8F-8F06-991DF4BEBF90}"/>
+                <a16:creationId xmlns:a16="http://schemas.microsoft.com/office/drawing/2014/main" xmlns="" id="{2C9F56F8-1018-4C8F-8F06-991DF4BEBF90}"/>
               </a:ext>
             </a:extLst>
           </p:cNvPr>
@@ -22398,6 +22989,13 @@
   <p:clrMapOvr>
     <a:masterClrMapping/>
   </p:clrMapOvr>
+  <p:timing>
+    <p:tnLst>
+      <p:par>
+        <p:cTn id="1" dur="indefinite" restart="never" nodeType="tmRoot"/>
+      </p:par>
+    </p:tnLst>
+  </p:timing>
 </p:sld>
 </file>
 
@@ -22423,7 +23021,7 @@
           <p:cNvPr id="2" name="标题 1">
             <a:extLst>
               <a:ext uri="{FF2B5EF4-FFF2-40B4-BE49-F238E27FC236}">
-                <a16:creationId xmlns:a16="http://schemas.microsoft.com/office/drawing/2014/main" id="{7FD72924-76A5-4190-A3EB-7947217E6989}"/>
+                <a16:creationId xmlns:a16="http://schemas.microsoft.com/office/drawing/2014/main" xmlns="" id="{7FD72924-76A5-4190-A3EB-7947217E6989}"/>
               </a:ext>
             </a:extLst>
           </p:cNvPr>
@@ -22461,7 +23059,7 @@
           <p:cNvPr id="4" name="灯片编号占位符 3">
             <a:extLst>
               <a:ext uri="{FF2B5EF4-FFF2-40B4-BE49-F238E27FC236}">
-                <a16:creationId xmlns:a16="http://schemas.microsoft.com/office/drawing/2014/main" id="{4897E4E6-B099-497A-BEC9-0196EE0AAC2D}"/>
+                <a16:creationId xmlns:a16="http://schemas.microsoft.com/office/drawing/2014/main" xmlns="" id="{4897E4E6-B099-497A-BEC9-0196EE0AAC2D}"/>
               </a:ext>
             </a:extLst>
           </p:cNvPr>
@@ -22491,7 +23089,7 @@
           <p:cNvPr id="415" name="iṩ1iḍe" title="LjXxPfK7a53MF99">
             <a:extLst>
               <a:ext uri="{FF2B5EF4-FFF2-40B4-BE49-F238E27FC236}">
-                <a16:creationId xmlns:a16="http://schemas.microsoft.com/office/drawing/2014/main" id="{22C1540A-BA7A-4057-8B27-183ED8C6AA12}"/>
+                <a16:creationId xmlns:a16="http://schemas.microsoft.com/office/drawing/2014/main" xmlns="" id="{22C1540A-BA7A-4057-8B27-183ED8C6AA12}"/>
               </a:ext>
             </a:extLst>
           </p:cNvPr>
@@ -23553,7 +24151,7 @@
           <p:cNvPr id="417" name="直接连接符 416">
             <a:extLst>
               <a:ext uri="{FF2B5EF4-FFF2-40B4-BE49-F238E27FC236}">
-                <a16:creationId xmlns:a16="http://schemas.microsoft.com/office/drawing/2014/main" id="{290E99C0-0DA8-45C4-9E58-837841B8E595}"/>
+                <a16:creationId xmlns:a16="http://schemas.microsoft.com/office/drawing/2014/main" xmlns="" id="{290E99C0-0DA8-45C4-9E58-837841B8E595}"/>
               </a:ext>
             </a:extLst>
           </p:cNvPr>
@@ -23602,7 +24200,7 @@
           <p:cNvPr id="421" name="íSḷîḍe">
             <a:extLst>
               <a:ext uri="{FF2B5EF4-FFF2-40B4-BE49-F238E27FC236}">
-                <a16:creationId xmlns:a16="http://schemas.microsoft.com/office/drawing/2014/main" id="{2AC08EE2-D58F-415D-9AFA-9C8BE6AD0122}"/>
+                <a16:creationId xmlns:a16="http://schemas.microsoft.com/office/drawing/2014/main" xmlns="" id="{2AC08EE2-D58F-415D-9AFA-9C8BE6AD0122}"/>
               </a:ext>
             </a:extLst>
           </p:cNvPr>
@@ -23789,7 +24387,7 @@
           <p:cNvPr id="422" name="ïšļîḓe">
             <a:extLst>
               <a:ext uri="{FF2B5EF4-FFF2-40B4-BE49-F238E27FC236}">
-                <a16:creationId xmlns:a16="http://schemas.microsoft.com/office/drawing/2014/main" id="{AEE748CA-0DBD-4AF1-ABA1-7A665D96E6B5}"/>
+                <a16:creationId xmlns:a16="http://schemas.microsoft.com/office/drawing/2014/main" xmlns="" id="{AEE748CA-0DBD-4AF1-ABA1-7A665D96E6B5}"/>
               </a:ext>
             </a:extLst>
           </p:cNvPr>
@@ -23914,7 +24512,7 @@
           <p:cNvPr id="427" name="直接连接符 426">
             <a:extLst>
               <a:ext uri="{FF2B5EF4-FFF2-40B4-BE49-F238E27FC236}">
-                <a16:creationId xmlns:a16="http://schemas.microsoft.com/office/drawing/2014/main" id="{2C9F56F8-1018-4C8F-8F06-991DF4BEBF90}"/>
+                <a16:creationId xmlns:a16="http://schemas.microsoft.com/office/drawing/2014/main" xmlns="" id="{2C9F56F8-1018-4C8F-8F06-991DF4BEBF90}"/>
               </a:ext>
             </a:extLst>
           </p:cNvPr>
@@ -23963,7 +24561,7 @@
           <p:cNvPr id="1028" name="Picture 4" descr="âå¯¹å·âçå¾çæç´¢ç»æ">
             <a:extLst>
               <a:ext uri="{FF2B5EF4-FFF2-40B4-BE49-F238E27FC236}">
-                <a16:creationId xmlns:a16="http://schemas.microsoft.com/office/drawing/2014/main" id="{E26B3015-FC40-4EF1-9620-09592800CA97}"/>
+                <a16:creationId xmlns:a16="http://schemas.microsoft.com/office/drawing/2014/main" xmlns="" id="{E26B3015-FC40-4EF1-9620-09592800CA97}"/>
               </a:ext>
             </a:extLst>
           </p:cNvPr>
@@ -24015,6 +24613,13 @@
   <p:clrMapOvr>
     <a:masterClrMapping/>
   </p:clrMapOvr>
+  <p:timing>
+    <p:tnLst>
+      <p:par>
+        <p:cTn id="1" dur="indefinite" restart="never" nodeType="tmRoot"/>
+      </p:par>
+    </p:tnLst>
+  </p:timing>
 </p:sld>
 </file>
 
@@ -24040,7 +24645,7 @@
           <p:cNvPr id="2" name="标题 1">
             <a:extLst>
               <a:ext uri="{FF2B5EF4-FFF2-40B4-BE49-F238E27FC236}">
-                <a16:creationId xmlns:a16="http://schemas.microsoft.com/office/drawing/2014/main" id="{25C4A3BD-4A24-4763-B63B-31625C13B862}"/>
+                <a16:creationId xmlns:a16="http://schemas.microsoft.com/office/drawing/2014/main" xmlns="" id="{25C4A3BD-4A24-4763-B63B-31625C13B862}"/>
               </a:ext>
             </a:extLst>
           </p:cNvPr>
@@ -24073,7 +24678,7 @@
           <p:cNvPr id="4" name="灯片编号占位符 3">
             <a:extLst>
               <a:ext uri="{FF2B5EF4-FFF2-40B4-BE49-F238E27FC236}">
-                <a16:creationId xmlns:a16="http://schemas.microsoft.com/office/drawing/2014/main" id="{C8018382-A5DA-41EC-8B3A-7210F4A54357}"/>
+                <a16:creationId xmlns:a16="http://schemas.microsoft.com/office/drawing/2014/main" xmlns="" id="{C8018382-A5DA-41EC-8B3A-7210F4A54357}"/>
               </a:ext>
             </a:extLst>
           </p:cNvPr>
@@ -24103,7 +24708,7 @@
           <p:cNvPr id="57" name="图片 56">
             <a:extLst>
               <a:ext uri="{FF2B5EF4-FFF2-40B4-BE49-F238E27FC236}">
-                <a16:creationId xmlns:a16="http://schemas.microsoft.com/office/drawing/2014/main" id="{44AB1E16-F7D7-49FB-8869-9915D729CC9B}"/>
+                <a16:creationId xmlns:a16="http://schemas.microsoft.com/office/drawing/2014/main" xmlns="" id="{44AB1E16-F7D7-49FB-8869-9915D729CC9B}"/>
               </a:ext>
             </a:extLst>
           </p:cNvPr>
@@ -24144,6 +24749,13 @@
   <p:clrMapOvr>
     <a:masterClrMapping/>
   </p:clrMapOvr>
+  <p:timing>
+    <p:tnLst>
+      <p:par>
+        <p:cTn id="1" dur="indefinite" restart="never" nodeType="tmRoot"/>
+      </p:par>
+    </p:tnLst>
+  </p:timing>
 </p:sld>
 </file>
 
@@ -24169,7 +24781,7 @@
           <p:cNvPr id="2" name="标题 1">
             <a:extLst>
               <a:ext uri="{FF2B5EF4-FFF2-40B4-BE49-F238E27FC236}">
-                <a16:creationId xmlns:a16="http://schemas.microsoft.com/office/drawing/2014/main" id="{1864F89D-DBDF-46B7-86F5-D7555A9BFA47}"/>
+                <a16:creationId xmlns:a16="http://schemas.microsoft.com/office/drawing/2014/main" xmlns="" id="{1864F89D-DBDF-46B7-86F5-D7555A9BFA47}"/>
               </a:ext>
             </a:extLst>
           </p:cNvPr>
@@ -24198,7 +24810,7 @@
           <p:cNvPr id="5" name="1a0afefe-8d8e-4304-8fde-5df01c78f0d9" descr="本素材由iSlide™ 提供&#10;iSlide™尊重知识产权并注重保护用户享有的各项权利。郑重提醒您：&#10;iSlide™插件中提供的任何信息内容的所有权、知识产权归其原始权利人或权利受让人所有，您免费/购买获得的是信息内容的使用权，并受下述条款的约束；&#10;1. 您仅可以个人非商业用途使用该等信息内容，不可将信息内容的全部或部分用于出售，或以出租、出借、转让、分销、发布等其他任何方式供他人使用；&#10;2. 禁止在接入互联网或移动互联网的任何网站、平台、应用或程序上以任何方式为他人提供iSlide™插件资源内容的下载。&#10;The resource is supplied by iSlide™.&#10;iSlide™ respects all intellectual property rights and protects all the rights its users acquired.Solemnly remind you:&#10;The ownership and intellectual property of the resources supplied in iSlide Add-in belongs to its owner or the assignee of this ownership.you only acquired the usage of the resources supplied in iSlide Add-in, as well as respected the following restrain terms:&#10;1.You are only allowed to use such resource for personal and non-commercial aim, not allowed to use such resource or part of it for the sale; or rent, lend, transfer to others; or distribution or release it in any way.&#10;2.You are not permitted to provide the resource of iSlide Add-in in any website, platform, application access to the Internet or mobile Internet." title="iSlide™ 版权声明  COPYRIGHT NOTICE">
             <a:extLst>
               <a:ext uri="{FF2B5EF4-FFF2-40B4-BE49-F238E27FC236}">
-                <a16:creationId xmlns:a16="http://schemas.microsoft.com/office/drawing/2014/main" id="{8F428C0E-F962-42D7-BD1B-59E6CE01CC31}"/>
+                <a16:creationId xmlns:a16="http://schemas.microsoft.com/office/drawing/2014/main" xmlns="" id="{8F428C0E-F962-42D7-BD1B-59E6CE01CC31}"/>
               </a:ext>
             </a:extLst>
           </p:cNvPr>
@@ -24224,7 +24836,7 @@
             <p:cNvPr id="6" name="直接连接符 5">
               <a:extLst>
                 <a:ext uri="{FF2B5EF4-FFF2-40B4-BE49-F238E27FC236}">
-                  <a16:creationId xmlns:a16="http://schemas.microsoft.com/office/drawing/2014/main" id="{5BF9A06E-F92B-457D-8C69-3308A05363CD}"/>
+                  <a16:creationId xmlns:a16="http://schemas.microsoft.com/office/drawing/2014/main" xmlns="" id="{5BF9A06E-F92B-457D-8C69-3308A05363CD}"/>
                 </a:ext>
               </a:extLst>
             </p:cNvPr>
@@ -24262,7 +24874,7 @@
             <p:cNvPr id="7" name="ïsḻiḍê">
               <a:extLst>
                 <a:ext uri="{FF2B5EF4-FFF2-40B4-BE49-F238E27FC236}">
-                  <a16:creationId xmlns:a16="http://schemas.microsoft.com/office/drawing/2014/main" id="{E9293348-5126-4BD8-9766-47F35190779F}"/>
+                  <a16:creationId xmlns:a16="http://schemas.microsoft.com/office/drawing/2014/main" xmlns="" id="{E9293348-5126-4BD8-9766-47F35190779F}"/>
                 </a:ext>
               </a:extLst>
             </p:cNvPr>
@@ -24304,7 +24916,7 @@
             <p:cNvPr id="8" name="iŝḻíḍè">
               <a:extLst>
                 <a:ext uri="{FF2B5EF4-FFF2-40B4-BE49-F238E27FC236}">
-                  <a16:creationId xmlns:a16="http://schemas.microsoft.com/office/drawing/2014/main" id="{37C14182-9AD9-4035-BD29-5698CD49BB31}"/>
+                  <a16:creationId xmlns:a16="http://schemas.microsoft.com/office/drawing/2014/main" xmlns="" id="{37C14182-9AD9-4035-BD29-5698CD49BB31}"/>
                 </a:ext>
               </a:extLst>
             </p:cNvPr>
@@ -24348,7 +24960,7 @@
             <p:cNvPr id="15" name="îSļîḓé">
               <a:extLst>
                 <a:ext uri="{FF2B5EF4-FFF2-40B4-BE49-F238E27FC236}">
-                  <a16:creationId xmlns:a16="http://schemas.microsoft.com/office/drawing/2014/main" id="{132A58B3-56BF-429D-8909-0DB69205F49C}"/>
+                  <a16:creationId xmlns:a16="http://schemas.microsoft.com/office/drawing/2014/main" xmlns="" id="{132A58B3-56BF-429D-8909-0DB69205F49C}"/>
                 </a:ext>
               </a:extLst>
             </p:cNvPr>
@@ -24404,7 +25016,7 @@
             <p:cNvPr id="16" name="ïS1îďè">
               <a:extLst>
                 <a:ext uri="{FF2B5EF4-FFF2-40B4-BE49-F238E27FC236}">
-                  <a16:creationId xmlns:a16="http://schemas.microsoft.com/office/drawing/2014/main" id="{FEA29D30-CB0C-4EE2-AB66-4E2EDEEF4EF0}"/>
+                  <a16:creationId xmlns:a16="http://schemas.microsoft.com/office/drawing/2014/main" xmlns="" id="{FEA29D30-CB0C-4EE2-AB66-4E2EDEEF4EF0}"/>
                 </a:ext>
               </a:extLst>
             </p:cNvPr>
@@ -24471,7 +25083,7 @@
             <p:cNvPr id="18" name="íṣḻîďe">
               <a:extLst>
                 <a:ext uri="{FF2B5EF4-FFF2-40B4-BE49-F238E27FC236}">
-                  <a16:creationId xmlns:a16="http://schemas.microsoft.com/office/drawing/2014/main" id="{B1894948-C048-4FFA-9212-A29C64020371}"/>
+                  <a16:creationId xmlns:a16="http://schemas.microsoft.com/office/drawing/2014/main" xmlns="" id="{B1894948-C048-4FFA-9212-A29C64020371}"/>
                 </a:ext>
               </a:extLst>
             </p:cNvPr>
@@ -24538,7 +25150,7 @@
             <p:cNvPr id="19" name="íśḷïḋe">
               <a:extLst>
                 <a:ext uri="{FF2B5EF4-FFF2-40B4-BE49-F238E27FC236}">
-                  <a16:creationId xmlns:a16="http://schemas.microsoft.com/office/drawing/2014/main" id="{74CCAC2C-9967-40C4-8CD7-00CF45620998}"/>
+                  <a16:creationId xmlns:a16="http://schemas.microsoft.com/office/drawing/2014/main" xmlns="" id="{74CCAC2C-9967-40C4-8CD7-00CF45620998}"/>
                 </a:ext>
               </a:extLst>
             </p:cNvPr>
@@ -24595,7 +25207,7 @@
           <p:cNvPr id="17" name="îşḻîḑê">
             <a:extLst>
               <a:ext uri="{FF2B5EF4-FFF2-40B4-BE49-F238E27FC236}">
-                <a16:creationId xmlns:a16="http://schemas.microsoft.com/office/drawing/2014/main" id="{F5F91314-A44B-A34F-AEA0-19A566165C3A}"/>
+                <a16:creationId xmlns:a16="http://schemas.microsoft.com/office/drawing/2014/main" xmlns="" id="{F5F91314-A44B-A34F-AEA0-19A566165C3A}"/>
               </a:ext>
             </a:extLst>
           </p:cNvPr>
@@ -24649,7 +25261,7 @@
           <p:cNvPr id="20" name="ï$ḷïdè">
             <a:extLst>
               <a:ext uri="{FF2B5EF4-FFF2-40B4-BE49-F238E27FC236}">
-                <a16:creationId xmlns:a16="http://schemas.microsoft.com/office/drawing/2014/main" id="{C9007282-385E-2041-A394-05C56AC0CF18}"/>
+                <a16:creationId xmlns:a16="http://schemas.microsoft.com/office/drawing/2014/main" xmlns="" id="{C9007282-385E-2041-A394-05C56AC0CF18}"/>
               </a:ext>
             </a:extLst>
           </p:cNvPr>
@@ -24716,7 +25328,7 @@
           <p:cNvPr id="21" name="îşḻîḑê">
             <a:extLst>
               <a:ext uri="{FF2B5EF4-FFF2-40B4-BE49-F238E27FC236}">
-                <a16:creationId xmlns:a16="http://schemas.microsoft.com/office/drawing/2014/main" id="{977AE99E-EE78-4C7C-9F53-9EF63A6C3D92}"/>
+                <a16:creationId xmlns:a16="http://schemas.microsoft.com/office/drawing/2014/main" xmlns="" id="{977AE99E-EE78-4C7C-9F53-9EF63A6C3D92}"/>
               </a:ext>
             </a:extLst>
           </p:cNvPr>
@@ -24770,7 +25382,7 @@
           <p:cNvPr id="22" name="ï$ḷïdè">
             <a:extLst>
               <a:ext uri="{FF2B5EF4-FFF2-40B4-BE49-F238E27FC236}">
-                <a16:creationId xmlns:a16="http://schemas.microsoft.com/office/drawing/2014/main" id="{B437F99C-1510-4ED2-A8A8-52D53AB392AA}"/>
+                <a16:creationId xmlns:a16="http://schemas.microsoft.com/office/drawing/2014/main" xmlns="" id="{B437F99C-1510-4ED2-A8A8-52D53AB392AA}"/>
               </a:ext>
             </a:extLst>
           </p:cNvPr>
@@ -24837,7 +25449,7 @@
           <p:cNvPr id="23" name="ïṡḻidè">
             <a:extLst>
               <a:ext uri="{FF2B5EF4-FFF2-40B4-BE49-F238E27FC236}">
-                <a16:creationId xmlns:a16="http://schemas.microsoft.com/office/drawing/2014/main" id="{3439CC65-305B-4DDA-A156-AA8C1A3091E5}"/>
+                <a16:creationId xmlns:a16="http://schemas.microsoft.com/office/drawing/2014/main" xmlns="" id="{3439CC65-305B-4DDA-A156-AA8C1A3091E5}"/>
               </a:ext>
             </a:extLst>
           </p:cNvPr>
@@ -24893,7 +25505,7 @@
           <p:cNvPr id="24" name="ïṥļîḍê">
             <a:extLst>
               <a:ext uri="{FF2B5EF4-FFF2-40B4-BE49-F238E27FC236}">
-                <a16:creationId xmlns:a16="http://schemas.microsoft.com/office/drawing/2014/main" id="{3A637992-8746-4D37-8CBD-1DC30FBAFA27}"/>
+                <a16:creationId xmlns:a16="http://schemas.microsoft.com/office/drawing/2014/main" xmlns="" id="{3A637992-8746-4D37-8CBD-1DC30FBAFA27}"/>
               </a:ext>
             </a:extLst>
           </p:cNvPr>
@@ -24965,6 +25577,13 @@
   <p:clrMapOvr>
     <a:masterClrMapping/>
   </p:clrMapOvr>
+  <p:timing>
+    <p:tnLst>
+      <p:par>
+        <p:cTn id="1" dur="indefinite" restart="never" nodeType="tmRoot"/>
+      </p:par>
+    </p:tnLst>
+  </p:timing>
 </p:sld>
 </file>
 
@@ -25254,7 +25873,7 @@
   <a:extraClrSchemeLst/>
   <a:extLst>
     <a:ext uri="{05A4C25C-085E-4340-85A3-A5531E510DB2}">
-      <thm15:themeFamily xmlns:thm15="http://schemas.microsoft.com/office/thememl/2012/main" name="主题5" id="{B8EDB911-D765-4A7B-BBC7-40DBB672FBA6}" vid="{AECAB1C0-5DF6-436C-85E8-20094DBE11C0}"/>
+      <thm15:themeFamily xmlns:thm15="http://schemas.microsoft.com/office/thememl/2012/main" xmlns="" name="主题5" id="{B8EDB911-D765-4A7B-BBC7-40DBB672FBA6}" vid="{AECAB1C0-5DF6-436C-85E8-20094DBE11C0}"/>
     </a:ext>
   </a:extLst>
 </a:theme>
@@ -25303,7 +25922,7 @@
     </a:clrScheme>
     <a:fontScheme name="Century Gothic">
       <a:majorFont>
-        <a:latin typeface="Century Gothic" panose="020F0302020204030204"/>
+        <a:latin typeface="Century Gothic"/>
         <a:ea typeface=""/>
         <a:cs typeface=""/>
         <a:font script="Jpan" typeface="メイリオ"/>
@@ -25338,7 +25957,7 @@
         <a:font script="Geor" typeface="Sylfaen"/>
       </a:majorFont>
       <a:minorFont>
-        <a:latin typeface="Century Gothic" panose="020F0302020204030204"/>
+        <a:latin typeface="Century Gothic"/>
         <a:ea typeface=""/>
         <a:cs typeface=""/>
         <a:font script="Jpan" typeface="メイリオ"/>
@@ -25515,7 +26134,7 @@
   <a:extraClrSchemeLst/>
   <a:extLst>
     <a:ext uri="{05A4C25C-085E-4340-85A3-A5531E510DB2}">
-      <thm15:themeFamily xmlns:thm15="http://schemas.microsoft.com/office/thememl/2012/main" name="Office Theme" id="{62F939B6-93AF-4DB8-9C6B-D6C7DFDC589F}" vid="{4A3C46E8-61CC-4603-A589-7422A47A8E4A}"/>
+      <thm15:themeFamily xmlns:thm15="http://schemas.microsoft.com/office/thememl/2012/main" xmlns="" name="Office Theme" id="{62F939B6-93AF-4DB8-9C6B-D6C7DFDC589F}" vid="{4A3C46E8-61CC-4603-A589-7422A47A8E4A}"/>
     </a:ext>
   </a:extLst>
 </a:theme>
@@ -25564,7 +26183,7 @@
     </a:clrScheme>
     <a:fontScheme name="Office">
       <a:majorFont>
-        <a:latin typeface="Calibri Light" panose="020F0302020204030204"/>
+        <a:latin typeface="Calibri Light"/>
         <a:ea typeface=""/>
         <a:cs typeface=""/>
         <a:font script="Jpan" typeface="ＭＳ Ｐゴシック"/>
@@ -25599,7 +26218,7 @@
         <a:font script="Geor" typeface="Sylfaen"/>
       </a:majorFont>
       <a:minorFont>
-        <a:latin typeface="Calibri" panose="020F0502020204030204"/>
+        <a:latin typeface="Calibri"/>
         <a:ea typeface=""/>
         <a:cs typeface=""/>
         <a:font script="Jpan" typeface="ＭＳ Ｐゴシック"/>
@@ -25776,7 +26395,7 @@
   <a:extraClrSchemeLst/>
   <a:extLst>
     <a:ext uri="{05A4C25C-085E-4340-85A3-A5531E510DB2}">
-      <thm15:themeFamily xmlns:thm15="http://schemas.microsoft.com/office/thememl/2012/main" name="Office Theme" id="{62F939B6-93AF-4DB8-9C6B-D6C7DFDC589F}" vid="{4A3C46E8-61CC-4603-A589-7422A47A8E4A}"/>
+      <thm15:themeFamily xmlns:thm15="http://schemas.microsoft.com/office/thememl/2012/main" xmlns="" name="Office Theme" id="{62F939B6-93AF-4DB8-9C6B-D6C7DFDC589F}" vid="{4A3C46E8-61CC-4603-A589-7422A47A8E4A}"/>
     </a:ext>
   </a:extLst>
 </a:theme>
